--- a/抱 擁.pptx
+++ b/抱 擁.pptx
@@ -2,7 +2,7 @@
 <file path=ppt/presentation.xml><?xml version="1.0" encoding="utf-8"?>
 <p:presentation xmlns:a="http://schemas.openxmlformats.org/drawingml/2006/main" xmlns:r="http://schemas.openxmlformats.org/officeDocument/2006/relationships" xmlns:p="http://schemas.openxmlformats.org/presentationml/2006/main" saveSubsetFonts="1">
   <p:sldMasterIdLst>
-    <p:sldMasterId id="2147483672" r:id="rId1"/>
+    <p:sldMasterId id="2147483684" r:id="rId1"/>
   </p:sldMasterIdLst>
   <p:sldIdLst>
     <p:sldId id="256" r:id="rId2"/>
@@ -10,7 +10,7 @@
     <p:sldId id="258" r:id="rId4"/>
     <p:sldId id="259" r:id="rId5"/>
   </p:sldIdLst>
-  <p:sldSz cx="9144000" cy="6858000" type="screen4x3"/>
+  <p:sldSz cx="9144000" cy="5143500" type="screen16x9"/>
   <p:notesSz cx="6858000" cy="9144000"/>
   <p:defaultTextStyle>
     <a:defPPr>
@@ -129,322 +129,7 @@
       </p:grpSpPr>
       <p:sp>
         <p:nvSpPr>
-          <p:cNvPr id="7" name="Flowchart: Document 6"/>
-          <p:cNvSpPr/>
-          <p:nvPr/>
-        </p:nvSpPr>
-        <p:spPr>
-          <a:xfrm rot="10800000">
-            <a:off x="1" y="1520731"/>
-            <a:ext cx="9144000" cy="3435579"/>
-          </a:xfrm>
-          <a:custGeom>
-            <a:avLst/>
-            <a:gdLst>
-              <a:gd name="connsiteX0" fmla="*/ 0 w 21600"/>
-              <a:gd name="connsiteY0" fmla="*/ 0 h 18805"/>
-              <a:gd name="connsiteX1" fmla="*/ 21600 w 21600"/>
-              <a:gd name="connsiteY1" fmla="*/ 0 h 18805"/>
-              <a:gd name="connsiteX2" fmla="*/ 21600 w 21600"/>
-              <a:gd name="connsiteY2" fmla="*/ 17322 h 18805"/>
-              <a:gd name="connsiteX3" fmla="*/ 0 w 21600"/>
-              <a:gd name="connsiteY3" fmla="*/ 18805 h 18805"/>
-              <a:gd name="connsiteX4" fmla="*/ 0 w 21600"/>
-              <a:gd name="connsiteY4" fmla="*/ 0 h 18805"/>
-              <a:gd name="connsiteX0" fmla="*/ 0 w 21600"/>
-              <a:gd name="connsiteY0" fmla="*/ 0 h 18805"/>
-              <a:gd name="connsiteX1" fmla="*/ 21600 w 21600"/>
-              <a:gd name="connsiteY1" fmla="*/ 0 h 18805"/>
-              <a:gd name="connsiteX2" fmla="*/ 21600 w 21600"/>
-              <a:gd name="connsiteY2" fmla="*/ 17322 h 18805"/>
-              <a:gd name="connsiteX3" fmla="*/ 0 w 21600"/>
-              <a:gd name="connsiteY3" fmla="*/ 18805 h 18805"/>
-              <a:gd name="connsiteX4" fmla="*/ 0 w 21600"/>
-              <a:gd name="connsiteY4" fmla="*/ 0 h 18805"/>
-              <a:gd name="connsiteX0" fmla="*/ 0 w 21600"/>
-              <a:gd name="connsiteY0" fmla="*/ 0 h 18916"/>
-              <a:gd name="connsiteX1" fmla="*/ 21600 w 21600"/>
-              <a:gd name="connsiteY1" fmla="*/ 0 h 18916"/>
-              <a:gd name="connsiteX2" fmla="*/ 21600 w 21600"/>
-              <a:gd name="connsiteY2" fmla="*/ 17322 h 18916"/>
-              <a:gd name="connsiteX3" fmla="*/ 0 w 21600"/>
-              <a:gd name="connsiteY3" fmla="*/ 18916 h 18916"/>
-              <a:gd name="connsiteX4" fmla="*/ 0 w 21600"/>
-              <a:gd name="connsiteY4" fmla="*/ 0 h 18916"/>
-              <a:gd name="connsiteX0" fmla="*/ 0 w 21600"/>
-              <a:gd name="connsiteY0" fmla="*/ 0 h 18916"/>
-              <a:gd name="connsiteX1" fmla="*/ 21600 w 21600"/>
-              <a:gd name="connsiteY1" fmla="*/ 0 h 18916"/>
-              <a:gd name="connsiteX2" fmla="*/ 21600 w 21600"/>
-              <a:gd name="connsiteY2" fmla="*/ 17322 h 18916"/>
-              <a:gd name="connsiteX3" fmla="*/ 0 w 21600"/>
-              <a:gd name="connsiteY3" fmla="*/ 18916 h 18916"/>
-              <a:gd name="connsiteX4" fmla="*/ 0 w 21600"/>
-              <a:gd name="connsiteY4" fmla="*/ 0 h 18916"/>
-              <a:gd name="connsiteX0" fmla="*/ 0 w 21600"/>
-              <a:gd name="connsiteY0" fmla="*/ 0 h 18916"/>
-              <a:gd name="connsiteX1" fmla="*/ 21600 w 21600"/>
-              <a:gd name="connsiteY1" fmla="*/ 0 h 18916"/>
-              <a:gd name="connsiteX2" fmla="*/ 21600 w 21600"/>
-              <a:gd name="connsiteY2" fmla="*/ 17322 h 18916"/>
-              <a:gd name="connsiteX3" fmla="*/ 0 w 21600"/>
-              <a:gd name="connsiteY3" fmla="*/ 18916 h 18916"/>
-              <a:gd name="connsiteX4" fmla="*/ 0 w 21600"/>
-              <a:gd name="connsiteY4" fmla="*/ 0 h 18916"/>
-              <a:gd name="connsiteX0" fmla="*/ 0 w 21600"/>
-              <a:gd name="connsiteY0" fmla="*/ 0 h 19355"/>
-              <a:gd name="connsiteX1" fmla="*/ 21600 w 21600"/>
-              <a:gd name="connsiteY1" fmla="*/ 0 h 19355"/>
-              <a:gd name="connsiteX2" fmla="*/ 21600 w 21600"/>
-              <a:gd name="connsiteY2" fmla="*/ 17322 h 19355"/>
-              <a:gd name="connsiteX3" fmla="*/ 0 w 21600"/>
-              <a:gd name="connsiteY3" fmla="*/ 19355 h 19355"/>
-              <a:gd name="connsiteX4" fmla="*/ 0 w 21600"/>
-              <a:gd name="connsiteY4" fmla="*/ 0 h 19355"/>
-              <a:gd name="connsiteX0" fmla="*/ 0 w 21600"/>
-              <a:gd name="connsiteY0" fmla="*/ 0 h 19355"/>
-              <a:gd name="connsiteX1" fmla="*/ 21600 w 21600"/>
-              <a:gd name="connsiteY1" fmla="*/ 0 h 19355"/>
-              <a:gd name="connsiteX2" fmla="*/ 21600 w 21600"/>
-              <a:gd name="connsiteY2" fmla="*/ 17322 h 19355"/>
-              <a:gd name="connsiteX3" fmla="*/ 0 w 21600"/>
-              <a:gd name="connsiteY3" fmla="*/ 19355 h 19355"/>
-              <a:gd name="connsiteX4" fmla="*/ 0 w 21600"/>
-              <a:gd name="connsiteY4" fmla="*/ 0 h 19355"/>
-              <a:gd name="connsiteX0" fmla="*/ 0 w 21600"/>
-              <a:gd name="connsiteY0" fmla="*/ 0 h 19794"/>
-              <a:gd name="connsiteX1" fmla="*/ 21600 w 21600"/>
-              <a:gd name="connsiteY1" fmla="*/ 0 h 19794"/>
-              <a:gd name="connsiteX2" fmla="*/ 21600 w 21600"/>
-              <a:gd name="connsiteY2" fmla="*/ 17322 h 19794"/>
-              <a:gd name="connsiteX3" fmla="*/ 0 w 21600"/>
-              <a:gd name="connsiteY3" fmla="*/ 19794 h 19794"/>
-              <a:gd name="connsiteX4" fmla="*/ 0 w 21600"/>
-              <a:gd name="connsiteY4" fmla="*/ 0 h 19794"/>
-              <a:gd name="connsiteX0" fmla="*/ 0 w 21600"/>
-              <a:gd name="connsiteY0" fmla="*/ 0 h 19794"/>
-              <a:gd name="connsiteX1" fmla="*/ 21600 w 21600"/>
-              <a:gd name="connsiteY1" fmla="*/ 0 h 19794"/>
-              <a:gd name="connsiteX2" fmla="*/ 21600 w 21600"/>
-              <a:gd name="connsiteY2" fmla="*/ 17322 h 19794"/>
-              <a:gd name="connsiteX3" fmla="*/ 0 w 21600"/>
-              <a:gd name="connsiteY3" fmla="*/ 19794 h 19794"/>
-              <a:gd name="connsiteX4" fmla="*/ 0 w 21600"/>
-              <a:gd name="connsiteY4" fmla="*/ 0 h 19794"/>
-            </a:gdLst>
-            <a:ahLst/>
-            <a:cxnLst>
-              <a:cxn ang="0">
-                <a:pos x="connsiteX0" y="connsiteY0"/>
-              </a:cxn>
-              <a:cxn ang="0">
-                <a:pos x="connsiteX1" y="connsiteY1"/>
-              </a:cxn>
-              <a:cxn ang="0">
-                <a:pos x="connsiteX2" y="connsiteY2"/>
-              </a:cxn>
-              <a:cxn ang="0">
-                <a:pos x="connsiteX3" y="connsiteY3"/>
-              </a:cxn>
-              <a:cxn ang="0">
-                <a:pos x="connsiteX4" y="connsiteY4"/>
-              </a:cxn>
-              <a:cxn ang="0">
-                <a:pos x="connsiteX0" y="connsiteY0"/>
-              </a:cxn>
-              <a:cxn ang="0">
-                <a:pos x="connsiteX1" y="connsiteY1"/>
-              </a:cxn>
-              <a:cxn ang="0">
-                <a:pos x="connsiteX2" y="connsiteY2"/>
-              </a:cxn>
-              <a:cxn ang="0">
-                <a:pos x="connsiteX3" y="connsiteY3"/>
-              </a:cxn>
-              <a:cxn ang="0">
-                <a:pos x="connsiteX4" y="connsiteY4"/>
-              </a:cxn>
-              <a:cxn ang="0">
-                <a:pos x="connsiteX0" y="connsiteY0"/>
-              </a:cxn>
-              <a:cxn ang="0">
-                <a:pos x="connsiteX1" y="connsiteY1"/>
-              </a:cxn>
-              <a:cxn ang="0">
-                <a:pos x="connsiteX2" y="connsiteY2"/>
-              </a:cxn>
-              <a:cxn ang="0">
-                <a:pos x="connsiteX3" y="connsiteY3"/>
-              </a:cxn>
-              <a:cxn ang="0">
-                <a:pos x="connsiteX4" y="connsiteY4"/>
-              </a:cxn>
-              <a:cxn ang="0">
-                <a:pos x="connsiteX0" y="connsiteY0"/>
-              </a:cxn>
-              <a:cxn ang="0">
-                <a:pos x="connsiteX1" y="connsiteY1"/>
-              </a:cxn>
-              <a:cxn ang="0">
-                <a:pos x="connsiteX2" y="connsiteY2"/>
-              </a:cxn>
-              <a:cxn ang="0">
-                <a:pos x="connsiteX3" y="connsiteY3"/>
-              </a:cxn>
-              <a:cxn ang="0">
-                <a:pos x="connsiteX4" y="connsiteY4"/>
-              </a:cxn>
-              <a:cxn ang="0">
-                <a:pos x="connsiteX0" y="connsiteY0"/>
-              </a:cxn>
-              <a:cxn ang="0">
-                <a:pos x="connsiteX1" y="connsiteY1"/>
-              </a:cxn>
-              <a:cxn ang="0">
-                <a:pos x="connsiteX2" y="connsiteY2"/>
-              </a:cxn>
-              <a:cxn ang="0">
-                <a:pos x="connsiteX3" y="connsiteY3"/>
-              </a:cxn>
-              <a:cxn ang="0">
-                <a:pos x="connsiteX4" y="connsiteY4"/>
-              </a:cxn>
-              <a:cxn ang="0">
-                <a:pos x="connsiteX0" y="connsiteY0"/>
-              </a:cxn>
-              <a:cxn ang="0">
-                <a:pos x="connsiteX1" y="connsiteY1"/>
-              </a:cxn>
-              <a:cxn ang="0">
-                <a:pos x="connsiteX2" y="connsiteY2"/>
-              </a:cxn>
-              <a:cxn ang="0">
-                <a:pos x="connsiteX3" y="connsiteY3"/>
-              </a:cxn>
-              <a:cxn ang="0">
-                <a:pos x="connsiteX4" y="connsiteY4"/>
-              </a:cxn>
-              <a:cxn ang="0">
-                <a:pos x="connsiteX0" y="connsiteY0"/>
-              </a:cxn>
-              <a:cxn ang="0">
-                <a:pos x="connsiteX1" y="connsiteY1"/>
-              </a:cxn>
-              <a:cxn ang="0">
-                <a:pos x="connsiteX2" y="connsiteY2"/>
-              </a:cxn>
-              <a:cxn ang="0">
-                <a:pos x="connsiteX3" y="connsiteY3"/>
-              </a:cxn>
-              <a:cxn ang="0">
-                <a:pos x="connsiteX4" y="connsiteY4"/>
-              </a:cxn>
-              <a:cxn ang="0">
-                <a:pos x="connsiteX0" y="connsiteY0"/>
-              </a:cxn>
-              <a:cxn ang="0">
-                <a:pos x="connsiteX1" y="connsiteY1"/>
-              </a:cxn>
-              <a:cxn ang="0">
-                <a:pos x="connsiteX2" y="connsiteY2"/>
-              </a:cxn>
-              <a:cxn ang="0">
-                <a:pos x="connsiteX3" y="connsiteY3"/>
-              </a:cxn>
-              <a:cxn ang="0">
-                <a:pos x="connsiteX4" y="connsiteY4"/>
-              </a:cxn>
-              <a:cxn ang="0">
-                <a:pos x="connsiteX0" y="connsiteY0"/>
-              </a:cxn>
-              <a:cxn ang="0">
-                <a:pos x="connsiteX1" y="connsiteY1"/>
-              </a:cxn>
-              <a:cxn ang="0">
-                <a:pos x="connsiteX2" y="connsiteY2"/>
-              </a:cxn>
-              <a:cxn ang="0">
-                <a:pos x="connsiteX3" y="connsiteY3"/>
-              </a:cxn>
-              <a:cxn ang="0">
-                <a:pos x="connsiteX4" y="connsiteY4"/>
-              </a:cxn>
-            </a:cxnLst>
-            <a:rect l="l" t="t" r="r" b="b"/>
-            <a:pathLst>
-              <a:path w="21600" h="19794">
-                <a:moveTo>
-                  <a:pt x="0" y="0"/>
-                </a:moveTo>
-                <a:lnTo>
-                  <a:pt x="21600" y="0"/>
-                </a:lnTo>
-                <a:lnTo>
-                  <a:pt x="21600" y="17322"/>
-                </a:lnTo>
-                <a:cubicBezTo>
-                  <a:pt x="10800" y="17322"/>
-                  <a:pt x="7466" y="25350"/>
-                  <a:pt x="0" y="19794"/>
-                </a:cubicBezTo>
-                <a:lnTo>
-                  <a:pt x="0" y="0"/>
-                </a:lnTo>
-                <a:close/>
-              </a:path>
-            </a:pathLst>
-          </a:custGeom>
-          <a:gradFill>
-            <a:gsLst>
-              <a:gs pos="100000">
-                <a:schemeClr val="bg2">
-                  <a:tint val="28000"/>
-                  <a:satMod val="2000000"/>
-                  <a:alpha val="30000"/>
-                </a:schemeClr>
-              </a:gs>
-              <a:gs pos="35000">
-                <a:schemeClr val="bg2">
-                  <a:shade val="100000"/>
-                  <a:satMod val="600000"/>
-                  <a:alpha val="0"/>
-                </a:schemeClr>
-              </a:gs>
-            </a:gsLst>
-            <a:lin ang="5400000" scaled="1"/>
-          </a:gradFill>
-          <a:ln w="31750" cap="sq" cmpd="sng" algn="ctr">
-            <a:noFill/>
-            <a:prstDash val="solid"/>
-          </a:ln>
-          <a:effectLst/>
-        </p:spPr>
-        <p:style>
-          <a:lnRef idx="3">
-            <a:schemeClr val="lt1"/>
-          </a:lnRef>
-          <a:fillRef idx="1">
-            <a:schemeClr val="accent1"/>
-          </a:fillRef>
-          <a:effectRef idx="1">
-            <a:schemeClr val="accent1"/>
-          </a:effectRef>
-          <a:fontRef idx="minor">
-            <a:schemeClr val="lt1"/>
-          </a:fontRef>
-        </p:style>
-        <p:txBody>
-          <a:bodyPr anchor="ctr"/>
-          <a:lstStyle/>
-          <a:p>
-            <a:pPr algn="ctr"/>
-            <a:endParaRPr lang="en-US"/>
-          </a:p>
-        </p:txBody>
-      </p:sp>
-      <p:sp>
-        <p:nvSpPr>
-          <p:cNvPr id="9" name="Title 8"/>
+          <p:cNvPr id="2" name="標題 1"/>
           <p:cNvSpPr>
             <a:spLocks noGrp="1"/>
           </p:cNvSpPr>
@@ -454,40 +139,25 @@
         </p:nvSpPr>
         <p:spPr>
           <a:xfrm>
-            <a:off x="502920" y="2775745"/>
-            <a:ext cx="8229600" cy="2167128"/>
+            <a:off x="685800" y="1597819"/>
+            <a:ext cx="7772400" cy="1102519"/>
           </a:xfrm>
         </p:spPr>
         <p:txBody>
-          <a:bodyPr tIns="0" bIns="0" anchor="t"/>
-          <a:lstStyle>
-            <a:lvl1pPr>
-              <a:defRPr sz="5000" cap="all" baseline="0">
-                <a:effectLst>
-                  <a:outerShdw blurRad="30000" dist="30000" dir="2700000" algn="tl" rotWithShape="0">
-                    <a:schemeClr val="bg2">
-                      <a:shade val="45000"/>
-                      <a:satMod val="150000"/>
-                      <a:alpha val="90000"/>
-                    </a:schemeClr>
-                  </a:outerShdw>
-                  <a:reflection blurRad="12000" stA="25000" endPos="49000" dist="5000" dir="5400000" sy="-100000" algn="bl" rotWithShape="0"/>
-                </a:effectLst>
-              </a:defRPr>
-            </a:lvl1pPr>
-          </a:lstStyle>
-          <a:p>
-            <a:r>
-              <a:rPr lang="zh-TW" altLang="en-US" smtClean="0"/>
-              <a:t>按一下以編輯母片標題樣式</a:t>
-            </a:r>
-            <a:endParaRPr lang="en-US" dirty="0"/>
-          </a:p>
-        </p:txBody>
-      </p:sp>
-      <p:sp>
-        <p:nvSpPr>
-          <p:cNvPr id="17" name="Subtitle 16"/>
+          <a:bodyPr/>
+          <a:lstStyle/>
+          <a:p>
+            <a:r>
+              <a:rPr lang="en-US" altLang="zh-TW" smtClean="0"/>
+              <a:t>Click to edit Master title style</a:t>
+            </a:r>
+            <a:endParaRPr lang="zh-TW" altLang="en-US"/>
+          </a:p>
+        </p:txBody>
+      </p:sp>
+      <p:sp>
+        <p:nvSpPr>
+          <p:cNvPr id="3" name="副標題 2"/>
           <p:cNvSpPr>
             <a:spLocks noGrp="1"/>
           </p:cNvSpPr>
@@ -497,58 +167,116 @@
         </p:nvSpPr>
         <p:spPr>
           <a:xfrm>
-            <a:off x="500064" y="1559720"/>
-            <a:ext cx="5105400" cy="1219200"/>
+            <a:off x="1371600" y="2914650"/>
+            <a:ext cx="6400800" cy="1314450"/>
           </a:xfrm>
         </p:spPr>
         <p:txBody>
-          <a:bodyPr lIns="0" tIns="0" rIns="0" bIns="0" anchor="b"/>
+          <a:bodyPr/>
           <a:lstStyle>
-            <a:lvl1pPr marL="0" indent="0" algn="l">
-              <a:buNone/>
-              <a:defRPr sz="1900">
+            <a:lvl1pPr marL="0" indent="0" algn="ctr">
+              <a:buNone/>
+              <a:defRPr>
                 <a:solidFill>
-                  <a:schemeClr val="tx1"/>
+                  <a:schemeClr val="tx1">
+                    <a:tint val="75000"/>
+                  </a:schemeClr>
                 </a:solidFill>
               </a:defRPr>
             </a:lvl1pPr>
             <a:lvl2pPr marL="457200" indent="0" algn="ctr">
               <a:buNone/>
+              <a:defRPr>
+                <a:solidFill>
+                  <a:schemeClr val="tx1">
+                    <a:tint val="75000"/>
+                  </a:schemeClr>
+                </a:solidFill>
+              </a:defRPr>
             </a:lvl2pPr>
             <a:lvl3pPr marL="914400" indent="0" algn="ctr">
               <a:buNone/>
+              <a:defRPr>
+                <a:solidFill>
+                  <a:schemeClr val="tx1">
+                    <a:tint val="75000"/>
+                  </a:schemeClr>
+                </a:solidFill>
+              </a:defRPr>
             </a:lvl3pPr>
             <a:lvl4pPr marL="1371600" indent="0" algn="ctr">
               <a:buNone/>
+              <a:defRPr>
+                <a:solidFill>
+                  <a:schemeClr val="tx1">
+                    <a:tint val="75000"/>
+                  </a:schemeClr>
+                </a:solidFill>
+              </a:defRPr>
             </a:lvl4pPr>
             <a:lvl5pPr marL="1828800" indent="0" algn="ctr">
               <a:buNone/>
+              <a:defRPr>
+                <a:solidFill>
+                  <a:schemeClr val="tx1">
+                    <a:tint val="75000"/>
+                  </a:schemeClr>
+                </a:solidFill>
+              </a:defRPr>
             </a:lvl5pPr>
             <a:lvl6pPr marL="2286000" indent="0" algn="ctr">
               <a:buNone/>
+              <a:defRPr>
+                <a:solidFill>
+                  <a:schemeClr val="tx1">
+                    <a:tint val="75000"/>
+                  </a:schemeClr>
+                </a:solidFill>
+              </a:defRPr>
             </a:lvl6pPr>
             <a:lvl7pPr marL="2743200" indent="0" algn="ctr">
               <a:buNone/>
+              <a:defRPr>
+                <a:solidFill>
+                  <a:schemeClr val="tx1">
+                    <a:tint val="75000"/>
+                  </a:schemeClr>
+                </a:solidFill>
+              </a:defRPr>
             </a:lvl7pPr>
             <a:lvl8pPr marL="3200400" indent="0" algn="ctr">
               <a:buNone/>
+              <a:defRPr>
+                <a:solidFill>
+                  <a:schemeClr val="tx1">
+                    <a:tint val="75000"/>
+                  </a:schemeClr>
+                </a:solidFill>
+              </a:defRPr>
             </a:lvl8pPr>
             <a:lvl9pPr marL="3657600" indent="0" algn="ctr">
               <a:buNone/>
+              <a:defRPr>
+                <a:solidFill>
+                  <a:schemeClr val="tx1">
+                    <a:tint val="75000"/>
+                  </a:schemeClr>
+                </a:solidFill>
+              </a:defRPr>
             </a:lvl9pPr>
           </a:lstStyle>
           <a:p>
             <a:r>
-              <a:rPr lang="zh-TW" altLang="en-US" smtClean="0"/>
-              <a:t>按一下以編輯母片副標題樣式</a:t>
-            </a:r>
-            <a:endParaRPr lang="en-US" dirty="0"/>
-          </a:p>
-        </p:txBody>
-      </p:sp>
-      <p:sp>
-        <p:nvSpPr>
-          <p:cNvPr id="30" name="Date Placeholder 29"/>
+              <a:rPr lang="en-US" altLang="zh-TW" smtClean="0"/>
+              <a:t>Click to edit Master subtitle style</a:t>
+            </a:r>
+            <a:endParaRPr lang="zh-TW" altLang="en-US"/>
+          </a:p>
+        </p:txBody>
+      </p:sp>
+      <p:sp>
+        <p:nvSpPr>
+          <p:cNvPr id="4" name="日期版面配置區 3"/>
           <p:cNvSpPr>
             <a:spLocks noGrp="1"/>
           </p:cNvSpPr>
@@ -564,7 +292,7 @@
             <a:fld id="{9EF48D8F-0522-4FB8-ADFD-836989C40F89}" type="datetimeFigureOut">
               <a:rPr lang="zh-TW" altLang="en-US" smtClean="0"/>
               <a:pPr/>
-              <a:t>2014/5/17</a:t>
+              <a:t>2019/9/7</a:t>
             </a:fld>
             <a:endParaRPr lang="zh-TW" altLang="en-US"/>
           </a:p>
@@ -572,7 +300,7 @@
       </p:sp>
       <p:sp>
         <p:nvSpPr>
-          <p:cNvPr id="19" name="Footer Placeholder 18"/>
+          <p:cNvPr id="5" name="頁尾版面配置區 4"/>
           <p:cNvSpPr>
             <a:spLocks noGrp="1"/>
           </p:cNvSpPr>
@@ -591,7 +319,7 @@
       </p:sp>
       <p:sp>
         <p:nvSpPr>
-          <p:cNvPr id="27" name="Slide Number Placeholder 26"/>
+          <p:cNvPr id="6" name="投影片編號版面配置區 5"/>
           <p:cNvSpPr>
             <a:spLocks noGrp="1"/>
           </p:cNvSpPr>
@@ -640,7 +368,7 @@
       </p:grpSpPr>
       <p:sp>
         <p:nvSpPr>
-          <p:cNvPr id="2" name="Title 1"/>
+          <p:cNvPr id="2" name="標題 1"/>
           <p:cNvSpPr>
             <a:spLocks noGrp="1"/>
           </p:cNvSpPr>
@@ -654,16 +382,16 @@
           <a:lstStyle/>
           <a:p>
             <a:r>
-              <a:rPr lang="zh-TW" altLang="en-US" smtClean="0"/>
-              <a:t>按一下以編輯母片標題樣式</a:t>
-            </a:r>
-            <a:endParaRPr lang="en-US"/>
-          </a:p>
-        </p:txBody>
-      </p:sp>
-      <p:sp>
-        <p:nvSpPr>
-          <p:cNvPr id="3" name="Vertical Text Placeholder 2"/>
+              <a:rPr lang="en-US" altLang="zh-TW" smtClean="0"/>
+              <a:t>Click to edit Master title style</a:t>
+            </a:r>
+            <a:endParaRPr lang="zh-TW" altLang="en-US"/>
+          </a:p>
+        </p:txBody>
+      </p:sp>
+      <p:sp>
+        <p:nvSpPr>
+          <p:cNvPr id="3" name="直排文字版面配置區 2"/>
           <p:cNvSpPr>
             <a:spLocks noGrp="1"/>
           </p:cNvSpPr>
@@ -678,44 +406,44 @@
           <a:p>
             <a:pPr lvl="0"/>
             <a:r>
-              <a:rPr lang="zh-TW" altLang="en-US" smtClean="0"/>
-              <a:t>按一下以編輯母片文字樣式</a:t>
+              <a:rPr lang="en-US" altLang="zh-TW" smtClean="0"/>
+              <a:t>Click to edit Master text styles</a:t>
             </a:r>
           </a:p>
           <a:p>
             <a:pPr lvl="1"/>
             <a:r>
-              <a:rPr lang="zh-TW" altLang="en-US" smtClean="0"/>
-              <a:t>第二層</a:t>
+              <a:rPr lang="en-US" altLang="zh-TW" smtClean="0"/>
+              <a:t>Second level</a:t>
             </a:r>
           </a:p>
           <a:p>
             <a:pPr lvl="2"/>
             <a:r>
-              <a:rPr lang="zh-TW" altLang="en-US" smtClean="0"/>
-              <a:t>第三層</a:t>
+              <a:rPr lang="en-US" altLang="zh-TW" smtClean="0"/>
+              <a:t>Third level</a:t>
             </a:r>
           </a:p>
           <a:p>
             <a:pPr lvl="3"/>
             <a:r>
-              <a:rPr lang="zh-TW" altLang="en-US" smtClean="0"/>
-              <a:t>第四層</a:t>
+              <a:rPr lang="en-US" altLang="zh-TW" smtClean="0"/>
+              <a:t>Fourth level</a:t>
             </a:r>
           </a:p>
           <a:p>
             <a:pPr lvl="4"/>
             <a:r>
-              <a:rPr lang="zh-TW" altLang="en-US" smtClean="0"/>
-              <a:t>第五層</a:t>
-            </a:r>
-            <a:endParaRPr lang="en-US"/>
-          </a:p>
-        </p:txBody>
-      </p:sp>
-      <p:sp>
-        <p:nvSpPr>
-          <p:cNvPr id="4" name="Date Placeholder 3"/>
+              <a:rPr lang="en-US" altLang="zh-TW" smtClean="0"/>
+              <a:t>Fifth level</a:t>
+            </a:r>
+            <a:endParaRPr lang="zh-TW" altLang="en-US"/>
+          </a:p>
+        </p:txBody>
+      </p:sp>
+      <p:sp>
+        <p:nvSpPr>
+          <p:cNvPr id="4" name="日期版面配置區 3"/>
           <p:cNvSpPr>
             <a:spLocks noGrp="1"/>
           </p:cNvSpPr>
@@ -731,7 +459,7 @@
             <a:fld id="{9EF48D8F-0522-4FB8-ADFD-836989C40F89}" type="datetimeFigureOut">
               <a:rPr lang="zh-TW" altLang="en-US" smtClean="0"/>
               <a:pPr/>
-              <a:t>2014/5/17</a:t>
+              <a:t>2019/9/7</a:t>
             </a:fld>
             <a:endParaRPr lang="zh-TW" altLang="en-US"/>
           </a:p>
@@ -739,7 +467,7 @@
       </p:sp>
       <p:sp>
         <p:nvSpPr>
-          <p:cNvPr id="5" name="Footer Placeholder 4"/>
+          <p:cNvPr id="5" name="頁尾版面配置區 4"/>
           <p:cNvSpPr>
             <a:spLocks noGrp="1"/>
           </p:cNvSpPr>
@@ -758,7 +486,7 @@
       </p:sp>
       <p:sp>
         <p:nvSpPr>
-          <p:cNvPr id="6" name="Slide Number Placeholder 5"/>
+          <p:cNvPr id="6" name="投影片編號版面配置區 5"/>
           <p:cNvSpPr>
             <a:spLocks noGrp="1"/>
           </p:cNvSpPr>
@@ -807,7 +535,7 @@
       </p:grpSpPr>
       <p:sp>
         <p:nvSpPr>
-          <p:cNvPr id="2" name="Vertical Title 1"/>
+          <p:cNvPr id="2" name="直排標題 1"/>
           <p:cNvSpPr>
             <a:spLocks noGrp="1"/>
           </p:cNvSpPr>
@@ -817,8 +545,8 @@
         </p:nvSpPr>
         <p:spPr>
           <a:xfrm>
-            <a:off x="6629400" y="274638"/>
-            <a:ext cx="2057400" cy="5851525"/>
+            <a:off x="6629400" y="205979"/>
+            <a:ext cx="2057400" cy="4388644"/>
           </a:xfrm>
         </p:spPr>
         <p:txBody>
@@ -826,16 +554,16 @@
           <a:lstStyle/>
           <a:p>
             <a:r>
-              <a:rPr lang="zh-TW" altLang="en-US" smtClean="0"/>
-              <a:t>按一下以編輯母片標題樣式</a:t>
-            </a:r>
-            <a:endParaRPr lang="en-US"/>
-          </a:p>
-        </p:txBody>
-      </p:sp>
-      <p:sp>
-        <p:nvSpPr>
-          <p:cNvPr id="3" name="Vertical Text Placeholder 2"/>
+              <a:rPr lang="en-US" altLang="zh-TW" smtClean="0"/>
+              <a:t>Click to edit Master title style</a:t>
+            </a:r>
+            <a:endParaRPr lang="zh-TW" altLang="en-US"/>
+          </a:p>
+        </p:txBody>
+      </p:sp>
+      <p:sp>
+        <p:nvSpPr>
+          <p:cNvPr id="3" name="直排文字版面配置區 2"/>
           <p:cNvSpPr>
             <a:spLocks noGrp="1"/>
           </p:cNvSpPr>
@@ -845,8 +573,8 @@
         </p:nvSpPr>
         <p:spPr>
           <a:xfrm>
-            <a:off x="457200" y="274638"/>
-            <a:ext cx="6019800" cy="5851525"/>
+            <a:off x="457200" y="205979"/>
+            <a:ext cx="6019800" cy="4388644"/>
           </a:xfrm>
         </p:spPr>
         <p:txBody>
@@ -855,44 +583,44 @@
           <a:p>
             <a:pPr lvl="0"/>
             <a:r>
-              <a:rPr lang="zh-TW" altLang="en-US" smtClean="0"/>
-              <a:t>按一下以編輯母片文字樣式</a:t>
+              <a:rPr lang="en-US" altLang="zh-TW" smtClean="0"/>
+              <a:t>Click to edit Master text styles</a:t>
             </a:r>
           </a:p>
           <a:p>
             <a:pPr lvl="1"/>
             <a:r>
-              <a:rPr lang="zh-TW" altLang="en-US" smtClean="0"/>
-              <a:t>第二層</a:t>
+              <a:rPr lang="en-US" altLang="zh-TW" smtClean="0"/>
+              <a:t>Second level</a:t>
             </a:r>
           </a:p>
           <a:p>
             <a:pPr lvl="2"/>
             <a:r>
-              <a:rPr lang="zh-TW" altLang="en-US" smtClean="0"/>
-              <a:t>第三層</a:t>
+              <a:rPr lang="en-US" altLang="zh-TW" smtClean="0"/>
+              <a:t>Third level</a:t>
             </a:r>
           </a:p>
           <a:p>
             <a:pPr lvl="3"/>
             <a:r>
-              <a:rPr lang="zh-TW" altLang="en-US" smtClean="0"/>
-              <a:t>第四層</a:t>
+              <a:rPr lang="en-US" altLang="zh-TW" smtClean="0"/>
+              <a:t>Fourth level</a:t>
             </a:r>
           </a:p>
           <a:p>
             <a:pPr lvl="4"/>
             <a:r>
-              <a:rPr lang="zh-TW" altLang="en-US" smtClean="0"/>
-              <a:t>第五層</a:t>
-            </a:r>
-            <a:endParaRPr lang="en-US"/>
-          </a:p>
-        </p:txBody>
-      </p:sp>
-      <p:sp>
-        <p:nvSpPr>
-          <p:cNvPr id="4" name="Date Placeholder 3"/>
+              <a:rPr lang="en-US" altLang="zh-TW" smtClean="0"/>
+              <a:t>Fifth level</a:t>
+            </a:r>
+            <a:endParaRPr lang="zh-TW" altLang="en-US"/>
+          </a:p>
+        </p:txBody>
+      </p:sp>
+      <p:sp>
+        <p:nvSpPr>
+          <p:cNvPr id="4" name="日期版面配置區 3"/>
           <p:cNvSpPr>
             <a:spLocks noGrp="1"/>
           </p:cNvSpPr>
@@ -908,7 +636,7 @@
             <a:fld id="{9EF48D8F-0522-4FB8-ADFD-836989C40F89}" type="datetimeFigureOut">
               <a:rPr lang="zh-TW" altLang="en-US" smtClean="0"/>
               <a:pPr/>
-              <a:t>2014/5/17</a:t>
+              <a:t>2019/9/7</a:t>
             </a:fld>
             <a:endParaRPr lang="zh-TW" altLang="en-US"/>
           </a:p>
@@ -916,7 +644,7 @@
       </p:sp>
       <p:sp>
         <p:nvSpPr>
-          <p:cNvPr id="5" name="Footer Placeholder 4"/>
+          <p:cNvPr id="5" name="頁尾版面配置區 4"/>
           <p:cNvSpPr>
             <a:spLocks noGrp="1"/>
           </p:cNvSpPr>
@@ -935,7 +663,7 @@
       </p:sp>
       <p:sp>
         <p:nvSpPr>
-          <p:cNvPr id="6" name="Slide Number Placeholder 5"/>
+          <p:cNvPr id="6" name="投影片編號版面配置區 5"/>
           <p:cNvSpPr>
             <a:spLocks noGrp="1"/>
           </p:cNvSpPr>
@@ -984,7 +712,7 @@
       </p:grpSpPr>
       <p:sp>
         <p:nvSpPr>
-          <p:cNvPr id="2" name="Title 1"/>
+          <p:cNvPr id="2" name="標題 1"/>
           <p:cNvSpPr>
             <a:spLocks noGrp="1"/>
           </p:cNvSpPr>
@@ -998,16 +726,16 @@
           <a:lstStyle/>
           <a:p>
             <a:r>
-              <a:rPr lang="zh-TW" altLang="en-US" smtClean="0"/>
-              <a:t>按一下以編輯母片標題樣式</a:t>
-            </a:r>
-            <a:endParaRPr lang="en-US" dirty="0"/>
-          </a:p>
-        </p:txBody>
-      </p:sp>
-      <p:sp>
-        <p:nvSpPr>
-          <p:cNvPr id="3" name="Content Placeholder 2"/>
+              <a:rPr lang="en-US" altLang="zh-TW" smtClean="0"/>
+              <a:t>Click to edit Master title style</a:t>
+            </a:r>
+            <a:endParaRPr lang="zh-TW" altLang="en-US"/>
+          </a:p>
+        </p:txBody>
+      </p:sp>
+      <p:sp>
+        <p:nvSpPr>
+          <p:cNvPr id="3" name="內容版面配置區 2"/>
           <p:cNvSpPr>
             <a:spLocks noGrp="1"/>
           </p:cNvSpPr>
@@ -1022,44 +750,44 @@
           <a:p>
             <a:pPr lvl="0"/>
             <a:r>
-              <a:rPr lang="zh-TW" altLang="en-US" smtClean="0"/>
-              <a:t>按一下以編輯母片文字樣式</a:t>
+              <a:rPr lang="en-US" altLang="zh-TW" smtClean="0"/>
+              <a:t>Click to edit Master text styles</a:t>
             </a:r>
           </a:p>
           <a:p>
             <a:pPr lvl="1"/>
             <a:r>
-              <a:rPr lang="zh-TW" altLang="en-US" smtClean="0"/>
-              <a:t>第二層</a:t>
+              <a:rPr lang="en-US" altLang="zh-TW" smtClean="0"/>
+              <a:t>Second level</a:t>
             </a:r>
           </a:p>
           <a:p>
             <a:pPr lvl="2"/>
             <a:r>
-              <a:rPr lang="zh-TW" altLang="en-US" smtClean="0"/>
-              <a:t>第三層</a:t>
+              <a:rPr lang="en-US" altLang="zh-TW" smtClean="0"/>
+              <a:t>Third level</a:t>
             </a:r>
           </a:p>
           <a:p>
             <a:pPr lvl="3"/>
             <a:r>
-              <a:rPr lang="zh-TW" altLang="en-US" smtClean="0"/>
-              <a:t>第四層</a:t>
+              <a:rPr lang="en-US" altLang="zh-TW" smtClean="0"/>
+              <a:t>Fourth level</a:t>
             </a:r>
           </a:p>
           <a:p>
             <a:pPr lvl="4"/>
             <a:r>
-              <a:rPr lang="zh-TW" altLang="en-US" smtClean="0"/>
-              <a:t>第五層</a:t>
-            </a:r>
-            <a:endParaRPr lang="en-US" dirty="0"/>
-          </a:p>
-        </p:txBody>
-      </p:sp>
-      <p:sp>
-        <p:nvSpPr>
-          <p:cNvPr id="4" name="Date Placeholder 3"/>
+              <a:rPr lang="en-US" altLang="zh-TW" smtClean="0"/>
+              <a:t>Fifth level</a:t>
+            </a:r>
+            <a:endParaRPr lang="zh-TW" altLang="en-US"/>
+          </a:p>
+        </p:txBody>
+      </p:sp>
+      <p:sp>
+        <p:nvSpPr>
+          <p:cNvPr id="4" name="日期版面配置區 3"/>
           <p:cNvSpPr>
             <a:spLocks noGrp="1"/>
           </p:cNvSpPr>
@@ -1075,7 +803,7 @@
             <a:fld id="{9EF48D8F-0522-4FB8-ADFD-836989C40F89}" type="datetimeFigureOut">
               <a:rPr lang="zh-TW" altLang="en-US" smtClean="0"/>
               <a:pPr/>
-              <a:t>2014/5/17</a:t>
+              <a:t>2019/9/7</a:t>
             </a:fld>
             <a:endParaRPr lang="zh-TW" altLang="en-US"/>
           </a:p>
@@ -1083,7 +811,7 @@
       </p:sp>
       <p:sp>
         <p:nvSpPr>
-          <p:cNvPr id="5" name="Footer Placeholder 4"/>
+          <p:cNvPr id="5" name="頁尾版面配置區 4"/>
           <p:cNvSpPr>
             <a:spLocks noGrp="1"/>
           </p:cNvSpPr>
@@ -1102,7 +830,7 @@
       </p:sp>
       <p:sp>
         <p:nvSpPr>
-          <p:cNvPr id="6" name="Slide Number Placeholder 5"/>
+          <p:cNvPr id="6" name="投影片編號版面配置區 5"/>
           <p:cNvSpPr>
             <a:spLocks noGrp="1"/>
           </p:cNvSpPr>
@@ -1133,7 +861,7 @@
 </file>
 
 <file path=ppt/slideLayouts/slideLayout3.xml><?xml version="1.0" encoding="utf-8"?>
-<p:sldLayout xmlns:a="http://schemas.openxmlformats.org/drawingml/2006/main" xmlns:r="http://schemas.openxmlformats.org/officeDocument/2006/relationships" xmlns:p="http://schemas.openxmlformats.org/presentationml/2006/main" showMasterSp="0" type="secHead" preserve="1">
+<p:sldLayout xmlns:a="http://schemas.openxmlformats.org/drawingml/2006/main" xmlns:r="http://schemas.openxmlformats.org/officeDocument/2006/relationships" xmlns:p="http://schemas.openxmlformats.org/presentationml/2006/main" type="secHead" preserve="1">
   <p:cSld name="區段標題">
     <p:spTree>
       <p:nvGrpSpPr>
@@ -1151,7 +879,7 @@
       </p:grpSpPr>
       <p:sp>
         <p:nvSpPr>
-          <p:cNvPr id="2" name="Title 1"/>
+          <p:cNvPr id="2" name="標題 1"/>
           <p:cNvSpPr>
             <a:spLocks noGrp="1"/>
           </p:cNvSpPr>
@@ -1161,32 +889,29 @@
         </p:nvSpPr>
         <p:spPr>
           <a:xfrm>
-            <a:off x="722376" y="990600"/>
-            <a:ext cx="7772400" cy="1362456"/>
+            <a:off x="722313" y="3305176"/>
+            <a:ext cx="7772400" cy="1021556"/>
           </a:xfrm>
         </p:spPr>
         <p:txBody>
-          <a:bodyPr>
-            <a:noAutofit/>
-          </a:bodyPr>
+          <a:bodyPr anchor="t"/>
           <a:lstStyle>
             <a:lvl1pPr algn="l">
-              <a:buNone/>
-              <a:defRPr sz="4800" b="1" cap="none" baseline="0"/>
+              <a:defRPr sz="4000" b="1" cap="all"/>
             </a:lvl1pPr>
           </a:lstStyle>
           <a:p>
             <a:r>
-              <a:rPr lang="zh-TW" altLang="en-US" smtClean="0"/>
-              <a:t>按一下以編輯母片標題樣式</a:t>
-            </a:r>
-            <a:endParaRPr lang="en-US" dirty="0"/>
-          </a:p>
-        </p:txBody>
-      </p:sp>
-      <p:sp>
-        <p:nvSpPr>
-          <p:cNvPr id="3" name="Text Placeholder 2"/>
+              <a:rPr lang="en-US" altLang="zh-TW" smtClean="0"/>
+              <a:t>Click to edit Master title style</a:t>
+            </a:r>
+            <a:endParaRPr lang="zh-TW" altLang="en-US"/>
+          </a:p>
+        </p:txBody>
+      </p:sp>
+      <p:sp>
+        <p:nvSpPr>
+          <p:cNvPr id="3" name="文字版面配置區 2"/>
           <p:cNvSpPr>
             <a:spLocks noGrp="1"/>
           </p:cNvSpPr>
@@ -1196,22 +921,24 @@
         </p:nvSpPr>
         <p:spPr>
           <a:xfrm>
-            <a:off x="722313" y="2352677"/>
-            <a:ext cx="7772400" cy="1509712"/>
+            <a:off x="722313" y="2180035"/>
+            <a:ext cx="7772400" cy="1125140"/>
           </a:xfrm>
         </p:spPr>
         <p:txBody>
-          <a:bodyPr anchor="t"/>
+          <a:bodyPr anchor="b"/>
           <a:lstStyle>
-            <a:lvl1pPr>
+            <a:lvl1pPr marL="0" indent="0">
               <a:buNone/>
               <a:defRPr sz="2000">
                 <a:solidFill>
-                  <a:schemeClr val="tx1"/>
+                  <a:schemeClr val="tx1">
+                    <a:tint val="75000"/>
+                  </a:schemeClr>
                 </a:solidFill>
               </a:defRPr>
             </a:lvl1pPr>
-            <a:lvl2pPr>
+            <a:lvl2pPr marL="457200" indent="0">
               <a:buNone/>
               <a:defRPr sz="1800">
                 <a:solidFill>
@@ -1221,7 +948,7 @@
                 </a:solidFill>
               </a:defRPr>
             </a:lvl2pPr>
-            <a:lvl3pPr>
+            <a:lvl3pPr marL="914400" indent="0">
               <a:buNone/>
               <a:defRPr sz="1600">
                 <a:solidFill>
@@ -1231,7 +958,7 @@
                 </a:solidFill>
               </a:defRPr>
             </a:lvl3pPr>
-            <a:lvl4pPr>
+            <a:lvl4pPr marL="1371600" indent="0">
               <a:buNone/>
               <a:defRPr sz="1400">
                 <a:solidFill>
@@ -1241,7 +968,7 @@
                 </a:solidFill>
               </a:defRPr>
             </a:lvl4pPr>
-            <a:lvl5pPr>
+            <a:lvl5pPr marL="1828800" indent="0">
               <a:buNone/>
               <a:defRPr sz="1400">
                 <a:solidFill>
@@ -1251,19 +978,59 @@
                 </a:solidFill>
               </a:defRPr>
             </a:lvl5pPr>
+            <a:lvl6pPr marL="2286000" indent="0">
+              <a:buNone/>
+              <a:defRPr sz="1400">
+                <a:solidFill>
+                  <a:schemeClr val="tx1">
+                    <a:tint val="75000"/>
+                  </a:schemeClr>
+                </a:solidFill>
+              </a:defRPr>
+            </a:lvl6pPr>
+            <a:lvl7pPr marL="2743200" indent="0">
+              <a:buNone/>
+              <a:defRPr sz="1400">
+                <a:solidFill>
+                  <a:schemeClr val="tx1">
+                    <a:tint val="75000"/>
+                  </a:schemeClr>
+                </a:solidFill>
+              </a:defRPr>
+            </a:lvl7pPr>
+            <a:lvl8pPr marL="3200400" indent="0">
+              <a:buNone/>
+              <a:defRPr sz="1400">
+                <a:solidFill>
+                  <a:schemeClr val="tx1">
+                    <a:tint val="75000"/>
+                  </a:schemeClr>
+                </a:solidFill>
+              </a:defRPr>
+            </a:lvl8pPr>
+            <a:lvl9pPr marL="3657600" indent="0">
+              <a:buNone/>
+              <a:defRPr sz="1400">
+                <a:solidFill>
+                  <a:schemeClr val="tx1">
+                    <a:tint val="75000"/>
+                  </a:schemeClr>
+                </a:solidFill>
+              </a:defRPr>
+            </a:lvl9pPr>
           </a:lstStyle>
           <a:p>
             <a:pPr lvl="0"/>
             <a:r>
-              <a:rPr lang="zh-TW" altLang="en-US" smtClean="0"/>
-              <a:t>按一下以編輯母片文字樣式</a:t>
-            </a:r>
-          </a:p>
-        </p:txBody>
-      </p:sp>
-      <p:sp>
-        <p:nvSpPr>
-          <p:cNvPr id="4" name="Date Placeholder 3"/>
+              <a:rPr lang="en-US" altLang="zh-TW" smtClean="0"/>
+              <a:t>Click to edit Master text styles</a:t>
+            </a:r>
+          </a:p>
+        </p:txBody>
+      </p:sp>
+      <p:sp>
+        <p:nvSpPr>
+          <p:cNvPr id="4" name="日期版面配置區 3"/>
           <p:cNvSpPr>
             <a:spLocks noGrp="1"/>
           </p:cNvSpPr>
@@ -1279,7 +1046,7 @@
             <a:fld id="{9EF48D8F-0522-4FB8-ADFD-836989C40F89}" type="datetimeFigureOut">
               <a:rPr lang="zh-TW" altLang="en-US" smtClean="0"/>
               <a:pPr/>
-              <a:t>2014/5/17</a:t>
+              <a:t>2019/9/7</a:t>
             </a:fld>
             <a:endParaRPr lang="zh-TW" altLang="en-US"/>
           </a:p>
@@ -1287,7 +1054,7 @@
       </p:sp>
       <p:sp>
         <p:nvSpPr>
-          <p:cNvPr id="5" name="Footer Placeholder 4"/>
+          <p:cNvPr id="5" name="頁尾版面配置區 4"/>
           <p:cNvSpPr>
             <a:spLocks noGrp="1"/>
           </p:cNvSpPr>
@@ -1306,7 +1073,7 @@
       </p:sp>
       <p:sp>
         <p:nvSpPr>
-          <p:cNvPr id="6" name="Slide Number Placeholder 5"/>
+          <p:cNvPr id="6" name="投影片編號版面配置區 5"/>
           <p:cNvSpPr>
             <a:spLocks noGrp="1"/>
           </p:cNvSpPr>
@@ -1355,46 +1122,41 @@
       </p:grpSpPr>
       <p:sp>
         <p:nvSpPr>
-          <p:cNvPr id="2" name="Title 1"/>
+          <p:cNvPr id="2" name="標題 1"/>
           <p:cNvSpPr>
             <a:spLocks noGrp="1"/>
           </p:cNvSpPr>
           <p:nvPr>
             <p:ph type="title"/>
+          </p:nvPr>
+        </p:nvSpPr>
+        <p:spPr/>
+        <p:txBody>
+          <a:bodyPr/>
+          <a:lstStyle/>
+          <a:p>
+            <a:r>
+              <a:rPr lang="en-US" altLang="zh-TW" smtClean="0"/>
+              <a:t>Click to edit Master title style</a:t>
+            </a:r>
+            <a:endParaRPr lang="zh-TW" altLang="en-US"/>
+          </a:p>
+        </p:txBody>
+      </p:sp>
+      <p:sp>
+        <p:nvSpPr>
+          <p:cNvPr id="3" name="內容版面配置區 2"/>
+          <p:cNvSpPr>
+            <a:spLocks noGrp="1"/>
+          </p:cNvSpPr>
+          <p:nvPr>
+            <p:ph sz="half" idx="1"/>
           </p:nvPr>
         </p:nvSpPr>
         <p:spPr>
           <a:xfrm>
-            <a:off x="457200" y="914400"/>
-            <a:ext cx="8229600" cy="1143000"/>
-          </a:xfrm>
-        </p:spPr>
-        <p:txBody>
-          <a:bodyPr tIns="9144" bIns="9144"/>
-          <a:lstStyle/>
-          <a:p>
-            <a:r>
-              <a:rPr lang="zh-TW" altLang="en-US" smtClean="0"/>
-              <a:t>按一下以編輯母片標題樣式</a:t>
-            </a:r>
-            <a:endParaRPr lang="en-US" dirty="0"/>
-          </a:p>
-        </p:txBody>
-      </p:sp>
-      <p:sp>
-        <p:nvSpPr>
-          <p:cNvPr id="3" name="Content Placeholder 2"/>
-          <p:cNvSpPr>
-            <a:spLocks noGrp="1"/>
-          </p:cNvSpPr>
-          <p:nvPr>
-            <p:ph sz="half" idx="1"/>
-          </p:nvPr>
-        </p:nvSpPr>
-        <p:spPr>
-          <a:xfrm>
-            <a:off x="457200" y="2199800"/>
-            <a:ext cx="4038600" cy="4160520"/>
+            <a:off x="457200" y="1200151"/>
+            <a:ext cx="4038600" cy="3394472"/>
           </a:xfrm>
         </p:spPr>
         <p:txBody>
@@ -1415,48 +1177,60 @@
             <a:lvl5pPr>
               <a:defRPr sz="1800"/>
             </a:lvl5pPr>
+            <a:lvl6pPr>
+              <a:defRPr sz="1800"/>
+            </a:lvl6pPr>
+            <a:lvl7pPr>
+              <a:defRPr sz="1800"/>
+            </a:lvl7pPr>
+            <a:lvl8pPr>
+              <a:defRPr sz="1800"/>
+            </a:lvl8pPr>
+            <a:lvl9pPr>
+              <a:defRPr sz="1800"/>
+            </a:lvl9pPr>
           </a:lstStyle>
           <a:p>
             <a:pPr lvl="0"/>
             <a:r>
-              <a:rPr lang="zh-TW" altLang="en-US" smtClean="0"/>
-              <a:t>按一下以編輯母片文字樣式</a:t>
+              <a:rPr lang="en-US" altLang="zh-TW" smtClean="0"/>
+              <a:t>Click to edit Master text styles</a:t>
             </a:r>
           </a:p>
           <a:p>
             <a:pPr lvl="1"/>
             <a:r>
-              <a:rPr lang="zh-TW" altLang="en-US" smtClean="0"/>
-              <a:t>第二層</a:t>
+              <a:rPr lang="en-US" altLang="zh-TW" smtClean="0"/>
+              <a:t>Second level</a:t>
             </a:r>
           </a:p>
           <a:p>
             <a:pPr lvl="2"/>
             <a:r>
-              <a:rPr lang="zh-TW" altLang="en-US" smtClean="0"/>
-              <a:t>第三層</a:t>
+              <a:rPr lang="en-US" altLang="zh-TW" smtClean="0"/>
+              <a:t>Third level</a:t>
             </a:r>
           </a:p>
           <a:p>
             <a:pPr lvl="3"/>
             <a:r>
-              <a:rPr lang="zh-TW" altLang="en-US" smtClean="0"/>
-              <a:t>第四層</a:t>
+              <a:rPr lang="en-US" altLang="zh-TW" smtClean="0"/>
+              <a:t>Fourth level</a:t>
             </a:r>
           </a:p>
           <a:p>
             <a:pPr lvl="4"/>
             <a:r>
-              <a:rPr lang="zh-TW" altLang="en-US" smtClean="0"/>
-              <a:t>第五層</a:t>
-            </a:r>
-            <a:endParaRPr lang="en-US" dirty="0"/>
-          </a:p>
-        </p:txBody>
-      </p:sp>
-      <p:sp>
-        <p:nvSpPr>
-          <p:cNvPr id="4" name="Content Placeholder 3"/>
+              <a:rPr lang="en-US" altLang="zh-TW" smtClean="0"/>
+              <a:t>Fifth level</a:t>
+            </a:r>
+            <a:endParaRPr lang="zh-TW" altLang="en-US"/>
+          </a:p>
+        </p:txBody>
+      </p:sp>
+      <p:sp>
+        <p:nvSpPr>
+          <p:cNvPr id="4" name="內容版面配置區 3"/>
           <p:cNvSpPr>
             <a:spLocks noGrp="1"/>
           </p:cNvSpPr>
@@ -1466,8 +1240,8 @@
         </p:nvSpPr>
         <p:spPr>
           <a:xfrm>
-            <a:off x="4648200" y="2199800"/>
-            <a:ext cx="4038600" cy="4160520"/>
+            <a:off x="4648200" y="1200151"/>
+            <a:ext cx="4038600" cy="3394472"/>
           </a:xfrm>
         </p:spPr>
         <p:txBody>
@@ -1488,48 +1262,60 @@
             <a:lvl5pPr>
               <a:defRPr sz="1800"/>
             </a:lvl5pPr>
+            <a:lvl6pPr>
+              <a:defRPr sz="1800"/>
+            </a:lvl6pPr>
+            <a:lvl7pPr>
+              <a:defRPr sz="1800"/>
+            </a:lvl7pPr>
+            <a:lvl8pPr>
+              <a:defRPr sz="1800"/>
+            </a:lvl8pPr>
+            <a:lvl9pPr>
+              <a:defRPr sz="1800"/>
+            </a:lvl9pPr>
           </a:lstStyle>
           <a:p>
             <a:pPr lvl="0"/>
             <a:r>
-              <a:rPr lang="zh-TW" altLang="en-US" smtClean="0"/>
-              <a:t>按一下以編輯母片文字樣式</a:t>
+              <a:rPr lang="en-US" altLang="zh-TW" smtClean="0"/>
+              <a:t>Click to edit Master text styles</a:t>
             </a:r>
           </a:p>
           <a:p>
             <a:pPr lvl="1"/>
             <a:r>
-              <a:rPr lang="zh-TW" altLang="en-US" smtClean="0"/>
-              <a:t>第二層</a:t>
+              <a:rPr lang="en-US" altLang="zh-TW" smtClean="0"/>
+              <a:t>Second level</a:t>
             </a:r>
           </a:p>
           <a:p>
             <a:pPr lvl="2"/>
             <a:r>
-              <a:rPr lang="zh-TW" altLang="en-US" smtClean="0"/>
-              <a:t>第三層</a:t>
+              <a:rPr lang="en-US" altLang="zh-TW" smtClean="0"/>
+              <a:t>Third level</a:t>
             </a:r>
           </a:p>
           <a:p>
             <a:pPr lvl="3"/>
             <a:r>
-              <a:rPr lang="zh-TW" altLang="en-US" smtClean="0"/>
-              <a:t>第四層</a:t>
+              <a:rPr lang="en-US" altLang="zh-TW" smtClean="0"/>
+              <a:t>Fourth level</a:t>
             </a:r>
           </a:p>
           <a:p>
             <a:pPr lvl="4"/>
             <a:r>
-              <a:rPr lang="zh-TW" altLang="en-US" smtClean="0"/>
-              <a:t>第五層</a:t>
-            </a:r>
-            <a:endParaRPr lang="en-US" dirty="0"/>
-          </a:p>
-        </p:txBody>
-      </p:sp>
-      <p:sp>
-        <p:nvSpPr>
-          <p:cNvPr id="5" name="Date Placeholder 4"/>
+              <a:rPr lang="en-US" altLang="zh-TW" smtClean="0"/>
+              <a:t>Fifth level</a:t>
+            </a:r>
+            <a:endParaRPr lang="zh-TW" altLang="en-US"/>
+          </a:p>
+        </p:txBody>
+      </p:sp>
+      <p:sp>
+        <p:nvSpPr>
+          <p:cNvPr id="5" name="日期版面配置區 4"/>
           <p:cNvSpPr>
             <a:spLocks noGrp="1"/>
           </p:cNvSpPr>
@@ -1545,7 +1331,7 @@
             <a:fld id="{9EF48D8F-0522-4FB8-ADFD-836989C40F89}" type="datetimeFigureOut">
               <a:rPr lang="zh-TW" altLang="en-US" smtClean="0"/>
               <a:pPr/>
-              <a:t>2014/5/17</a:t>
+              <a:t>2019/9/7</a:t>
             </a:fld>
             <a:endParaRPr lang="zh-TW" altLang="en-US"/>
           </a:p>
@@ -1553,7 +1339,7 @@
       </p:sp>
       <p:sp>
         <p:nvSpPr>
-          <p:cNvPr id="6" name="Footer Placeholder 5"/>
+          <p:cNvPr id="6" name="頁尾版面配置區 5"/>
           <p:cNvSpPr>
             <a:spLocks noGrp="1"/>
           </p:cNvSpPr>
@@ -1572,7 +1358,7 @@
       </p:sp>
       <p:sp>
         <p:nvSpPr>
-          <p:cNvPr id="7" name="Slide Number Placeholder 6"/>
+          <p:cNvPr id="7" name="投影片編號版面配置區 6"/>
           <p:cNvSpPr>
             <a:spLocks noGrp="1"/>
           </p:cNvSpPr>
@@ -1621,7 +1407,7 @@
       </p:grpSpPr>
       <p:sp>
         <p:nvSpPr>
-          <p:cNvPr id="2" name="Title 1"/>
+          <p:cNvPr id="2" name="標題 1"/>
           <p:cNvSpPr>
             <a:spLocks noGrp="1"/>
           </p:cNvSpPr>
@@ -1629,14 +1415,9 @@
             <p:ph type="title"/>
           </p:nvPr>
         </p:nvSpPr>
-        <p:spPr>
-          <a:xfrm>
-            <a:off x="457200" y="914400"/>
-            <a:ext cx="8229600" cy="1143000"/>
-          </a:xfrm>
-        </p:spPr>
-        <p:txBody>
-          <a:bodyPr tIns="9144" bIns="9144" anchor="b"/>
+        <p:spPr/>
+        <p:txBody>
+          <a:bodyPr/>
           <a:lstStyle>
             <a:lvl1pPr>
               <a:defRPr/>
@@ -1644,16 +1425,16 @@
           </a:lstStyle>
           <a:p>
             <a:r>
-              <a:rPr lang="zh-TW" altLang="en-US" smtClean="0"/>
-              <a:t>按一下以編輯母片標題樣式</a:t>
-            </a:r>
-            <a:endParaRPr lang="en-US" dirty="0"/>
-          </a:p>
-        </p:txBody>
-      </p:sp>
-      <p:sp>
-        <p:nvSpPr>
-          <p:cNvPr id="3" name="Text Placeholder 2"/>
+              <a:rPr lang="en-US" altLang="zh-TW" smtClean="0"/>
+              <a:t>Click to edit Master title style</a:t>
+            </a:r>
+            <a:endParaRPr lang="zh-TW" altLang="en-US"/>
+          </a:p>
+        </p:txBody>
+      </p:sp>
+      <p:sp>
+        <p:nvSpPr>
+          <p:cNvPr id="3" name="文字版面配置區 2"/>
           <p:cNvSpPr>
             <a:spLocks noGrp="1"/>
           </p:cNvSpPr>
@@ -1663,137 +1444,80 @@
         </p:nvSpPr>
         <p:spPr>
           <a:xfrm>
-            <a:off x="457200" y="2112168"/>
-            <a:ext cx="4040188" cy="502920"/>
+            <a:off x="457200" y="1151335"/>
+            <a:ext cx="4040188" cy="479822"/>
           </a:xfrm>
         </p:spPr>
         <p:txBody>
-          <a:bodyPr anchor="b">
-            <a:noAutofit/>
-          </a:bodyPr>
+          <a:bodyPr anchor="b"/>
+          <a:lstStyle>
+            <a:lvl1pPr marL="0" indent="0">
+              <a:buNone/>
+              <a:defRPr sz="2400" b="1"/>
+            </a:lvl1pPr>
+            <a:lvl2pPr marL="457200" indent="0">
+              <a:buNone/>
+              <a:defRPr sz="2000" b="1"/>
+            </a:lvl2pPr>
+            <a:lvl3pPr marL="914400" indent="0">
+              <a:buNone/>
+              <a:defRPr sz="1800" b="1"/>
+            </a:lvl3pPr>
+            <a:lvl4pPr marL="1371600" indent="0">
+              <a:buNone/>
+              <a:defRPr sz="1600" b="1"/>
+            </a:lvl4pPr>
+            <a:lvl5pPr marL="1828800" indent="0">
+              <a:buNone/>
+              <a:defRPr sz="1600" b="1"/>
+            </a:lvl5pPr>
+            <a:lvl6pPr marL="2286000" indent="0">
+              <a:buNone/>
+              <a:defRPr sz="1600" b="1"/>
+            </a:lvl6pPr>
+            <a:lvl7pPr marL="2743200" indent="0">
+              <a:buNone/>
+              <a:defRPr sz="1600" b="1"/>
+            </a:lvl7pPr>
+            <a:lvl8pPr marL="3200400" indent="0">
+              <a:buNone/>
+              <a:defRPr sz="1600" b="1"/>
+            </a:lvl8pPr>
+            <a:lvl9pPr marL="3657600" indent="0">
+              <a:buNone/>
+              <a:defRPr sz="1600" b="1"/>
+            </a:lvl9pPr>
+          </a:lstStyle>
+          <a:p>
+            <a:pPr lvl="0"/>
+            <a:r>
+              <a:rPr lang="en-US" altLang="zh-TW" smtClean="0"/>
+              <a:t>Click to edit Master text styles</a:t>
+            </a:r>
+          </a:p>
+        </p:txBody>
+      </p:sp>
+      <p:sp>
+        <p:nvSpPr>
+          <p:cNvPr id="4" name="內容版面配置區 3"/>
+          <p:cNvSpPr>
+            <a:spLocks noGrp="1"/>
+          </p:cNvSpPr>
+          <p:nvPr>
+            <p:ph sz="half" idx="2"/>
+          </p:nvPr>
+        </p:nvSpPr>
+        <p:spPr>
+          <a:xfrm>
+            <a:off x="457200" y="1631156"/>
+            <a:ext cx="4040188" cy="2963466"/>
+          </a:xfrm>
+        </p:spPr>
+        <p:txBody>
+          <a:bodyPr/>
           <a:lstStyle>
             <a:lvl1pPr>
-              <a:buNone/>
-              <a:defRPr sz="2200" b="1">
-                <a:effectLst>
-                  <a:outerShdw blurRad="38000" dist="38000" dir="2700000" algn="tl" rotWithShape="0">
-                    <a:schemeClr val="bg2">
-                      <a:shade val="45000"/>
-                      <a:satMod val="150000"/>
-                      <a:alpha val="90000"/>
-                    </a:schemeClr>
-                  </a:outerShdw>
-                </a:effectLst>
-              </a:defRPr>
-            </a:lvl1pPr>
-            <a:lvl2pPr>
-              <a:buNone/>
-              <a:defRPr sz="2000" b="1"/>
-            </a:lvl2pPr>
-            <a:lvl3pPr>
-              <a:buNone/>
-              <a:defRPr sz="1800" b="1"/>
-            </a:lvl3pPr>
-            <a:lvl4pPr>
-              <a:buNone/>
-              <a:defRPr sz="1600" b="1"/>
-            </a:lvl4pPr>
-            <a:lvl5pPr>
-              <a:buNone/>
-              <a:defRPr sz="1600" b="1"/>
-            </a:lvl5pPr>
-          </a:lstStyle>
-          <a:p>
-            <a:pPr lvl="0"/>
-            <a:r>
-              <a:rPr lang="zh-TW" altLang="en-US" smtClean="0"/>
-              <a:t>按一下以編輯母片文字樣式</a:t>
-            </a:r>
-          </a:p>
-        </p:txBody>
-      </p:sp>
-      <p:sp>
-        <p:nvSpPr>
-          <p:cNvPr id="4" name="Text Placeholder 3"/>
-          <p:cNvSpPr>
-            <a:spLocks noGrp="1"/>
-          </p:cNvSpPr>
-          <p:nvPr>
-            <p:ph type="body" sz="half" idx="3"/>
-          </p:nvPr>
-        </p:nvSpPr>
-        <p:spPr>
-          <a:xfrm>
-            <a:off x="4645025" y="2112168"/>
-            <a:ext cx="4041775" cy="502920"/>
-          </a:xfrm>
-        </p:spPr>
-        <p:txBody>
-          <a:bodyPr anchor="b">
-            <a:noAutofit/>
-          </a:bodyPr>
-          <a:lstStyle>
-            <a:lvl1pPr>
-              <a:buNone/>
-              <a:defRPr sz="2200" b="1">
-                <a:effectLst>
-                  <a:outerShdw blurRad="30000" dist="30000" dir="2700000" algn="tl" rotWithShape="0">
-                    <a:schemeClr val="bg2">
-                      <a:shade val="45000"/>
-                      <a:satMod val="150000"/>
-                      <a:alpha val="90000"/>
-                    </a:schemeClr>
-                  </a:outerShdw>
-                </a:effectLst>
-              </a:defRPr>
-            </a:lvl1pPr>
-            <a:lvl2pPr>
-              <a:buNone/>
-              <a:defRPr sz="2000" b="1"/>
-            </a:lvl2pPr>
-            <a:lvl3pPr>
-              <a:buNone/>
-              <a:defRPr sz="1800" b="1"/>
-            </a:lvl3pPr>
-            <a:lvl4pPr>
-              <a:buNone/>
-              <a:defRPr sz="1600" b="1"/>
-            </a:lvl4pPr>
-            <a:lvl5pPr>
-              <a:buNone/>
-              <a:defRPr sz="1600" b="1"/>
-            </a:lvl5pPr>
-          </a:lstStyle>
-          <a:p>
-            <a:pPr lvl="0"/>
-            <a:r>
-              <a:rPr lang="zh-TW" altLang="en-US" smtClean="0"/>
-              <a:t>按一下以編輯母片文字樣式</a:t>
-            </a:r>
-          </a:p>
-        </p:txBody>
-      </p:sp>
-      <p:sp>
-        <p:nvSpPr>
-          <p:cNvPr id="5" name="Content Placeholder 4"/>
-          <p:cNvSpPr>
-            <a:spLocks noGrp="1"/>
-          </p:cNvSpPr>
-          <p:nvPr>
-            <p:ph sz="quarter" idx="2"/>
-          </p:nvPr>
-        </p:nvSpPr>
-        <p:spPr>
-          <a:xfrm>
-            <a:off x="457200" y="2667000"/>
-            <a:ext cx="4040188" cy="3657600"/>
-          </a:xfrm>
-        </p:spPr>
-        <p:txBody>
-          <a:bodyPr/>
-          <a:lstStyle>
-            <a:lvl1pPr>
-              <a:defRPr sz="2200"/>
+              <a:defRPr sz="2400"/>
             </a:lvl1pPr>
             <a:lvl2pPr>
               <a:defRPr sz="2000"/>
@@ -1807,66 +1531,143 @@
             <a:lvl5pPr>
               <a:defRPr sz="1600"/>
             </a:lvl5pPr>
+            <a:lvl6pPr>
+              <a:defRPr sz="1600"/>
+            </a:lvl6pPr>
+            <a:lvl7pPr>
+              <a:defRPr sz="1600"/>
+            </a:lvl7pPr>
+            <a:lvl8pPr>
+              <a:defRPr sz="1600"/>
+            </a:lvl8pPr>
+            <a:lvl9pPr>
+              <a:defRPr sz="1600"/>
+            </a:lvl9pPr>
           </a:lstStyle>
           <a:p>
             <a:pPr lvl="0"/>
             <a:r>
-              <a:rPr lang="zh-TW" altLang="en-US" smtClean="0"/>
-              <a:t>按一下以編輯母片文字樣式</a:t>
+              <a:rPr lang="en-US" altLang="zh-TW" smtClean="0"/>
+              <a:t>Click to edit Master text styles</a:t>
             </a:r>
           </a:p>
           <a:p>
             <a:pPr lvl="1"/>
             <a:r>
-              <a:rPr lang="zh-TW" altLang="en-US" smtClean="0"/>
-              <a:t>第二層</a:t>
+              <a:rPr lang="en-US" altLang="zh-TW" smtClean="0"/>
+              <a:t>Second level</a:t>
             </a:r>
           </a:p>
           <a:p>
             <a:pPr lvl="2"/>
             <a:r>
-              <a:rPr lang="zh-TW" altLang="en-US" smtClean="0"/>
-              <a:t>第三層</a:t>
+              <a:rPr lang="en-US" altLang="zh-TW" smtClean="0"/>
+              <a:t>Third level</a:t>
             </a:r>
           </a:p>
           <a:p>
             <a:pPr lvl="3"/>
             <a:r>
-              <a:rPr lang="zh-TW" altLang="en-US" smtClean="0"/>
-              <a:t>第四層</a:t>
+              <a:rPr lang="en-US" altLang="zh-TW" smtClean="0"/>
+              <a:t>Fourth level</a:t>
             </a:r>
           </a:p>
           <a:p>
             <a:pPr lvl="4"/>
             <a:r>
-              <a:rPr lang="zh-TW" altLang="en-US" smtClean="0"/>
-              <a:t>第五層</a:t>
-            </a:r>
-            <a:endParaRPr lang="en-US" dirty="0"/>
-          </a:p>
-        </p:txBody>
-      </p:sp>
-      <p:sp>
-        <p:nvSpPr>
-          <p:cNvPr id="6" name="Content Placeholder 5"/>
-          <p:cNvSpPr>
-            <a:spLocks noGrp="1"/>
-          </p:cNvSpPr>
-          <p:nvPr>
-            <p:ph sz="quarter" idx="4"/>
+              <a:rPr lang="en-US" altLang="zh-TW" smtClean="0"/>
+              <a:t>Fifth level</a:t>
+            </a:r>
+            <a:endParaRPr lang="zh-TW" altLang="en-US"/>
+          </a:p>
+        </p:txBody>
+      </p:sp>
+      <p:sp>
+        <p:nvSpPr>
+          <p:cNvPr id="5" name="文字版面配置區 4"/>
+          <p:cNvSpPr>
+            <a:spLocks noGrp="1"/>
+          </p:cNvSpPr>
+          <p:nvPr>
+            <p:ph type="body" sz="quarter" idx="3"/>
           </p:nvPr>
         </p:nvSpPr>
         <p:spPr>
           <a:xfrm>
-            <a:off x="4645025" y="2667000"/>
-            <a:ext cx="4041775" cy="3657600"/>
+            <a:off x="4645026" y="1151335"/>
+            <a:ext cx="4041775" cy="479822"/>
           </a:xfrm>
         </p:spPr>
         <p:txBody>
+          <a:bodyPr anchor="b"/>
+          <a:lstStyle>
+            <a:lvl1pPr marL="0" indent="0">
+              <a:buNone/>
+              <a:defRPr sz="2400" b="1"/>
+            </a:lvl1pPr>
+            <a:lvl2pPr marL="457200" indent="0">
+              <a:buNone/>
+              <a:defRPr sz="2000" b="1"/>
+            </a:lvl2pPr>
+            <a:lvl3pPr marL="914400" indent="0">
+              <a:buNone/>
+              <a:defRPr sz="1800" b="1"/>
+            </a:lvl3pPr>
+            <a:lvl4pPr marL="1371600" indent="0">
+              <a:buNone/>
+              <a:defRPr sz="1600" b="1"/>
+            </a:lvl4pPr>
+            <a:lvl5pPr marL="1828800" indent="0">
+              <a:buNone/>
+              <a:defRPr sz="1600" b="1"/>
+            </a:lvl5pPr>
+            <a:lvl6pPr marL="2286000" indent="0">
+              <a:buNone/>
+              <a:defRPr sz="1600" b="1"/>
+            </a:lvl6pPr>
+            <a:lvl7pPr marL="2743200" indent="0">
+              <a:buNone/>
+              <a:defRPr sz="1600" b="1"/>
+            </a:lvl7pPr>
+            <a:lvl8pPr marL="3200400" indent="0">
+              <a:buNone/>
+              <a:defRPr sz="1600" b="1"/>
+            </a:lvl8pPr>
+            <a:lvl9pPr marL="3657600" indent="0">
+              <a:buNone/>
+              <a:defRPr sz="1600" b="1"/>
+            </a:lvl9pPr>
+          </a:lstStyle>
+          <a:p>
+            <a:pPr lvl="0"/>
+            <a:r>
+              <a:rPr lang="en-US" altLang="zh-TW" smtClean="0"/>
+              <a:t>Click to edit Master text styles</a:t>
+            </a:r>
+          </a:p>
+        </p:txBody>
+      </p:sp>
+      <p:sp>
+        <p:nvSpPr>
+          <p:cNvPr id="6" name="內容版面配置區 5"/>
+          <p:cNvSpPr>
+            <a:spLocks noGrp="1"/>
+          </p:cNvSpPr>
+          <p:nvPr>
+            <p:ph sz="quarter" idx="4"/>
+          </p:nvPr>
+        </p:nvSpPr>
+        <p:spPr>
+          <a:xfrm>
+            <a:off x="4645026" y="1631156"/>
+            <a:ext cx="4041775" cy="2963466"/>
+          </a:xfrm>
+        </p:spPr>
+        <p:txBody>
           <a:bodyPr/>
           <a:lstStyle>
             <a:lvl1pPr>
-              <a:defRPr sz="2200"/>
+              <a:defRPr sz="2400"/>
             </a:lvl1pPr>
             <a:lvl2pPr>
               <a:defRPr sz="2000"/>
@@ -1880,48 +1681,60 @@
             <a:lvl5pPr>
               <a:defRPr sz="1600"/>
             </a:lvl5pPr>
+            <a:lvl6pPr>
+              <a:defRPr sz="1600"/>
+            </a:lvl6pPr>
+            <a:lvl7pPr>
+              <a:defRPr sz="1600"/>
+            </a:lvl7pPr>
+            <a:lvl8pPr>
+              <a:defRPr sz="1600"/>
+            </a:lvl8pPr>
+            <a:lvl9pPr>
+              <a:defRPr sz="1600"/>
+            </a:lvl9pPr>
           </a:lstStyle>
           <a:p>
             <a:pPr lvl="0"/>
             <a:r>
-              <a:rPr lang="zh-TW" altLang="en-US" smtClean="0"/>
-              <a:t>按一下以編輯母片文字樣式</a:t>
+              <a:rPr lang="en-US" altLang="zh-TW" smtClean="0"/>
+              <a:t>Click to edit Master text styles</a:t>
             </a:r>
           </a:p>
           <a:p>
             <a:pPr lvl="1"/>
             <a:r>
-              <a:rPr lang="zh-TW" altLang="en-US" smtClean="0"/>
-              <a:t>第二層</a:t>
+              <a:rPr lang="en-US" altLang="zh-TW" smtClean="0"/>
+              <a:t>Second level</a:t>
             </a:r>
           </a:p>
           <a:p>
             <a:pPr lvl="2"/>
             <a:r>
-              <a:rPr lang="zh-TW" altLang="en-US" smtClean="0"/>
-              <a:t>第三層</a:t>
+              <a:rPr lang="en-US" altLang="zh-TW" smtClean="0"/>
+              <a:t>Third level</a:t>
             </a:r>
           </a:p>
           <a:p>
             <a:pPr lvl="3"/>
             <a:r>
-              <a:rPr lang="zh-TW" altLang="en-US" smtClean="0"/>
-              <a:t>第四層</a:t>
+              <a:rPr lang="en-US" altLang="zh-TW" smtClean="0"/>
+              <a:t>Fourth level</a:t>
             </a:r>
           </a:p>
           <a:p>
             <a:pPr lvl="4"/>
             <a:r>
-              <a:rPr lang="zh-TW" altLang="en-US" smtClean="0"/>
-              <a:t>第五層</a:t>
-            </a:r>
-            <a:endParaRPr lang="en-US" dirty="0"/>
-          </a:p>
-        </p:txBody>
-      </p:sp>
-      <p:sp>
-        <p:nvSpPr>
-          <p:cNvPr id="7" name="Date Placeholder 6"/>
+              <a:rPr lang="en-US" altLang="zh-TW" smtClean="0"/>
+              <a:t>Fifth level</a:t>
+            </a:r>
+            <a:endParaRPr lang="zh-TW" altLang="en-US"/>
+          </a:p>
+        </p:txBody>
+      </p:sp>
+      <p:sp>
+        <p:nvSpPr>
+          <p:cNvPr id="7" name="日期版面配置區 6"/>
           <p:cNvSpPr>
             <a:spLocks noGrp="1"/>
           </p:cNvSpPr>
@@ -1937,7 +1750,7 @@
             <a:fld id="{9EF48D8F-0522-4FB8-ADFD-836989C40F89}" type="datetimeFigureOut">
               <a:rPr lang="zh-TW" altLang="en-US" smtClean="0"/>
               <a:pPr/>
-              <a:t>2014/5/17</a:t>
+              <a:t>2019/9/7</a:t>
             </a:fld>
             <a:endParaRPr lang="zh-TW" altLang="en-US"/>
           </a:p>
@@ -1945,7 +1758,7 @@
       </p:sp>
       <p:sp>
         <p:nvSpPr>
-          <p:cNvPr id="8" name="Footer Placeholder 7"/>
+          <p:cNvPr id="8" name="頁尾版面配置區 7"/>
           <p:cNvSpPr>
             <a:spLocks noGrp="1"/>
           </p:cNvSpPr>
@@ -1964,7 +1777,7 @@
       </p:sp>
       <p:sp>
         <p:nvSpPr>
-          <p:cNvPr id="9" name="Slide Number Placeholder 8"/>
+          <p:cNvPr id="9" name="投影片編號版面配置區 8"/>
           <p:cNvSpPr>
             <a:spLocks noGrp="1"/>
           </p:cNvSpPr>
@@ -2013,7 +1826,7 @@
       </p:grpSpPr>
       <p:sp>
         <p:nvSpPr>
-          <p:cNvPr id="2" name="Title 1"/>
+          <p:cNvPr id="2" name="標題 1"/>
           <p:cNvSpPr>
             <a:spLocks noGrp="1"/>
           </p:cNvSpPr>
@@ -2021,42 +1834,22 @@
             <p:ph type="title"/>
           </p:nvPr>
         </p:nvSpPr>
-        <p:spPr>
-          <a:xfrm>
-            <a:off x="457200" y="914400"/>
-            <a:ext cx="8229600" cy="1143000"/>
-          </a:xfrm>
-          <a:effectLst/>
-        </p:spPr>
-        <p:txBody>
-          <a:bodyPr tIns="9144" bIns="9144" anchor="b"/>
-          <a:lstStyle>
-            <a:lvl1pPr>
-              <a:defRPr sz="4800" cap="none" baseline="0">
-                <a:effectLst>
-                  <a:outerShdw blurRad="30000" dist="30000" dir="2700000" algn="tl" rotWithShape="0">
-                    <a:schemeClr val="bg2">
-                      <a:shade val="45000"/>
-                      <a:satMod val="150000"/>
-                      <a:alpha val="90000"/>
-                    </a:schemeClr>
-                  </a:outerShdw>
-                </a:effectLst>
-              </a:defRPr>
-            </a:lvl1pPr>
-          </a:lstStyle>
-          <a:p>
-            <a:r>
-              <a:rPr lang="zh-TW" altLang="en-US" smtClean="0"/>
-              <a:t>按一下以編輯母片標題樣式</a:t>
-            </a:r>
-            <a:endParaRPr lang="en-US" dirty="0"/>
-          </a:p>
-        </p:txBody>
-      </p:sp>
-      <p:sp>
-        <p:nvSpPr>
-          <p:cNvPr id="3" name="Date Placeholder 2"/>
+        <p:spPr/>
+        <p:txBody>
+          <a:bodyPr/>
+          <a:lstStyle/>
+          <a:p>
+            <a:r>
+              <a:rPr lang="en-US" altLang="zh-TW" smtClean="0"/>
+              <a:t>Click to edit Master title style</a:t>
+            </a:r>
+            <a:endParaRPr lang="zh-TW" altLang="en-US"/>
+          </a:p>
+        </p:txBody>
+      </p:sp>
+      <p:sp>
+        <p:nvSpPr>
+          <p:cNvPr id="3" name="日期版面配置區 2"/>
           <p:cNvSpPr>
             <a:spLocks noGrp="1"/>
           </p:cNvSpPr>
@@ -2072,7 +1865,7 @@
             <a:fld id="{9EF48D8F-0522-4FB8-ADFD-836989C40F89}" type="datetimeFigureOut">
               <a:rPr lang="zh-TW" altLang="en-US" smtClean="0"/>
               <a:pPr/>
-              <a:t>2014/5/17</a:t>
+              <a:t>2019/9/7</a:t>
             </a:fld>
             <a:endParaRPr lang="zh-TW" altLang="en-US"/>
           </a:p>
@@ -2080,7 +1873,7 @@
       </p:sp>
       <p:sp>
         <p:nvSpPr>
-          <p:cNvPr id="4" name="Footer Placeholder 3"/>
+          <p:cNvPr id="4" name="頁尾版面配置區 3"/>
           <p:cNvSpPr>
             <a:spLocks noGrp="1"/>
           </p:cNvSpPr>
@@ -2099,7 +1892,7 @@
       </p:sp>
       <p:sp>
         <p:nvSpPr>
-          <p:cNvPr id="5" name="Slide Number Placeholder 4"/>
+          <p:cNvPr id="5" name="投影片編號版面配置區 4"/>
           <p:cNvSpPr>
             <a:spLocks noGrp="1"/>
           </p:cNvSpPr>
@@ -2148,7 +1941,7 @@
       </p:grpSpPr>
       <p:sp>
         <p:nvSpPr>
-          <p:cNvPr id="2" name="Date Placeholder 1"/>
+          <p:cNvPr id="2" name="日期版面配置區 1"/>
           <p:cNvSpPr>
             <a:spLocks noGrp="1"/>
           </p:cNvSpPr>
@@ -2164,7 +1957,7 @@
             <a:fld id="{9EF48D8F-0522-4FB8-ADFD-836989C40F89}" type="datetimeFigureOut">
               <a:rPr lang="zh-TW" altLang="en-US" smtClean="0"/>
               <a:pPr/>
-              <a:t>2014/5/17</a:t>
+              <a:t>2019/9/7</a:t>
             </a:fld>
             <a:endParaRPr lang="zh-TW" altLang="en-US"/>
           </a:p>
@@ -2172,7 +1965,7 @@
       </p:sp>
       <p:sp>
         <p:nvSpPr>
-          <p:cNvPr id="3" name="Footer Placeholder 2"/>
+          <p:cNvPr id="3" name="頁尾版面配置區 2"/>
           <p:cNvSpPr>
             <a:spLocks noGrp="1"/>
           </p:cNvSpPr>
@@ -2191,7 +1984,7 @@
       </p:sp>
       <p:sp>
         <p:nvSpPr>
-          <p:cNvPr id="4" name="Slide Number Placeholder 3"/>
+          <p:cNvPr id="4" name="投影片編號版面配置區 3"/>
           <p:cNvSpPr>
             <a:spLocks noGrp="1"/>
           </p:cNvSpPr>
@@ -2222,7 +2015,7 @@
 </file>
 
 <file path=ppt/slideLayouts/slideLayout8.xml><?xml version="1.0" encoding="utf-8"?>
-<p:sldLayout xmlns:a="http://schemas.openxmlformats.org/drawingml/2006/main" xmlns:r="http://schemas.openxmlformats.org/officeDocument/2006/relationships" xmlns:p="http://schemas.openxmlformats.org/presentationml/2006/main" showMasterSp="0" type="objTx" preserve="1">
+<p:sldLayout xmlns:a="http://schemas.openxmlformats.org/drawingml/2006/main" xmlns:r="http://schemas.openxmlformats.org/officeDocument/2006/relationships" xmlns:p="http://schemas.openxmlformats.org/presentationml/2006/main" type="objTx" preserve="1">
   <p:cSld name="含標題的內容">
     <p:spTree>
       <p:nvGrpSpPr>
@@ -2240,7 +2033,7 @@
       </p:grpSpPr>
       <p:sp>
         <p:nvSpPr>
-          <p:cNvPr id="2" name="Title 1"/>
+          <p:cNvPr id="2" name="標題 1"/>
           <p:cNvSpPr>
             <a:spLocks noGrp="1"/>
           </p:cNvSpPr>
@@ -2250,155 +2043,179 @@
         </p:nvSpPr>
         <p:spPr>
           <a:xfrm>
-            <a:off x="457200" y="71440"/>
-            <a:ext cx="8229600" cy="914400"/>
+            <a:off x="457201" y="204787"/>
+            <a:ext cx="3008313" cy="871538"/>
           </a:xfrm>
         </p:spPr>
         <p:txBody>
-          <a:bodyPr tIns="0" bIns="0" anchor="b"/>
+          <a:bodyPr anchor="b"/>
           <a:lstStyle>
             <a:lvl1pPr algn="l">
-              <a:buNone/>
-              <a:defRPr sz="5000" b="1"/>
+              <a:defRPr sz="2000" b="1"/>
             </a:lvl1pPr>
           </a:lstStyle>
           <a:p>
             <a:r>
-              <a:rPr lang="zh-TW" altLang="en-US" smtClean="0"/>
-              <a:t>按一下以編輯母片標題樣式</a:t>
-            </a:r>
-            <a:endParaRPr lang="en-US" dirty="0"/>
-          </a:p>
-        </p:txBody>
-      </p:sp>
-      <p:sp>
-        <p:nvSpPr>
-          <p:cNvPr id="3" name="Text Placeholder 2"/>
-          <p:cNvSpPr>
-            <a:spLocks noGrp="1"/>
-          </p:cNvSpPr>
-          <p:nvPr>
-            <p:ph type="body" idx="2"/>
+              <a:rPr lang="en-US" altLang="zh-TW" smtClean="0"/>
+              <a:t>Click to edit Master title style</a:t>
+            </a:r>
+            <a:endParaRPr lang="zh-TW" altLang="en-US"/>
+          </a:p>
+        </p:txBody>
+      </p:sp>
+      <p:sp>
+        <p:nvSpPr>
+          <p:cNvPr id="3" name="內容版面配置區 2"/>
+          <p:cNvSpPr>
+            <a:spLocks noGrp="1"/>
+          </p:cNvSpPr>
+          <p:nvPr>
+            <p:ph idx="1"/>
           </p:nvPr>
         </p:nvSpPr>
         <p:spPr>
           <a:xfrm>
-            <a:off x="457200" y="1133856"/>
-            <a:ext cx="2590800" cy="5181600"/>
+            <a:off x="3575050" y="204788"/>
+            <a:ext cx="5111750" cy="4389835"/>
           </a:xfrm>
         </p:spPr>
         <p:txBody>
-          <a:bodyPr lIns="45720" tIns="45720" rIns="0"/>
+          <a:bodyPr/>
+          <a:lstStyle>
+            <a:lvl1pPr>
+              <a:defRPr sz="3200"/>
+            </a:lvl1pPr>
+            <a:lvl2pPr>
+              <a:defRPr sz="2800"/>
+            </a:lvl2pPr>
+            <a:lvl3pPr>
+              <a:defRPr sz="2400"/>
+            </a:lvl3pPr>
+            <a:lvl4pPr>
+              <a:defRPr sz="2000"/>
+            </a:lvl4pPr>
+            <a:lvl5pPr>
+              <a:defRPr sz="2000"/>
+            </a:lvl5pPr>
+            <a:lvl6pPr>
+              <a:defRPr sz="2000"/>
+            </a:lvl6pPr>
+            <a:lvl7pPr>
+              <a:defRPr sz="2000"/>
+            </a:lvl7pPr>
+            <a:lvl8pPr>
+              <a:defRPr sz="2000"/>
+            </a:lvl8pPr>
+            <a:lvl9pPr>
+              <a:defRPr sz="2000"/>
+            </a:lvl9pPr>
+          </a:lstStyle>
+          <a:p>
+            <a:pPr lvl="0"/>
+            <a:r>
+              <a:rPr lang="en-US" altLang="zh-TW" smtClean="0"/>
+              <a:t>Click to edit Master text styles</a:t>
+            </a:r>
+          </a:p>
+          <a:p>
+            <a:pPr lvl="1"/>
+            <a:r>
+              <a:rPr lang="en-US" altLang="zh-TW" smtClean="0"/>
+              <a:t>Second level</a:t>
+            </a:r>
+          </a:p>
+          <a:p>
+            <a:pPr lvl="2"/>
+            <a:r>
+              <a:rPr lang="en-US" altLang="zh-TW" smtClean="0"/>
+              <a:t>Third level</a:t>
+            </a:r>
+          </a:p>
+          <a:p>
+            <a:pPr lvl="3"/>
+            <a:r>
+              <a:rPr lang="en-US" altLang="zh-TW" smtClean="0"/>
+              <a:t>Fourth level</a:t>
+            </a:r>
+          </a:p>
+          <a:p>
+            <a:pPr lvl="4"/>
+            <a:r>
+              <a:rPr lang="en-US" altLang="zh-TW" smtClean="0"/>
+              <a:t>Fifth level</a:t>
+            </a:r>
+            <a:endParaRPr lang="zh-TW" altLang="en-US"/>
+          </a:p>
+        </p:txBody>
+      </p:sp>
+      <p:sp>
+        <p:nvSpPr>
+          <p:cNvPr id="4" name="文字版面配置區 3"/>
+          <p:cNvSpPr>
+            <a:spLocks noGrp="1"/>
+          </p:cNvSpPr>
+          <p:nvPr>
+            <p:ph type="body" sz="half" idx="2"/>
+          </p:nvPr>
+        </p:nvSpPr>
+        <p:spPr>
+          <a:xfrm>
+            <a:off x="457201" y="1076326"/>
+            <a:ext cx="3008313" cy="3518297"/>
+          </a:xfrm>
+        </p:spPr>
+        <p:txBody>
+          <a:bodyPr/>
           <a:lstStyle>
             <a:lvl1pPr marL="0" indent="0">
-              <a:spcBef>
-                <a:spcPts val="300"/>
-              </a:spcBef>
-              <a:buNone/>
-              <a:defRPr sz="1800"/>
+              <a:buNone/>
+              <a:defRPr sz="1400"/>
             </a:lvl1pPr>
-            <a:lvl2pPr>
+            <a:lvl2pPr marL="457200" indent="0">
               <a:buNone/>
               <a:defRPr sz="1200"/>
             </a:lvl2pPr>
-            <a:lvl3pPr>
+            <a:lvl3pPr marL="914400" indent="0">
               <a:buNone/>
               <a:defRPr sz="1000"/>
             </a:lvl3pPr>
-            <a:lvl4pPr>
+            <a:lvl4pPr marL="1371600" indent="0">
               <a:buNone/>
               <a:defRPr sz="900"/>
             </a:lvl4pPr>
-            <a:lvl5pPr>
+            <a:lvl5pPr marL="1828800" indent="0">
               <a:buNone/>
               <a:defRPr sz="900"/>
             </a:lvl5pPr>
+            <a:lvl6pPr marL="2286000" indent="0">
+              <a:buNone/>
+              <a:defRPr sz="900"/>
+            </a:lvl6pPr>
+            <a:lvl7pPr marL="2743200" indent="0">
+              <a:buNone/>
+              <a:defRPr sz="900"/>
+            </a:lvl7pPr>
+            <a:lvl8pPr marL="3200400" indent="0">
+              <a:buNone/>
+              <a:defRPr sz="900"/>
+            </a:lvl8pPr>
+            <a:lvl9pPr marL="3657600" indent="0">
+              <a:buNone/>
+              <a:defRPr sz="900"/>
+            </a:lvl9pPr>
           </a:lstStyle>
           <a:p>
             <a:pPr lvl="0"/>
             <a:r>
-              <a:rPr lang="zh-TW" altLang="en-US" smtClean="0"/>
-              <a:t>按一下以編輯母片文字樣式</a:t>
-            </a:r>
-          </a:p>
-        </p:txBody>
-      </p:sp>
-      <p:sp>
-        <p:nvSpPr>
-          <p:cNvPr id="4" name="Content Placeholder 3"/>
-          <p:cNvSpPr>
-            <a:spLocks noGrp="1"/>
-          </p:cNvSpPr>
-          <p:nvPr>
-            <p:ph sz="half" idx="1"/>
-          </p:nvPr>
-        </p:nvSpPr>
-        <p:spPr>
-          <a:xfrm>
-            <a:off x="3429000" y="1133472"/>
-            <a:ext cx="5257800" cy="5191128"/>
-          </a:xfrm>
-        </p:spPr>
-        <p:txBody>
-          <a:bodyPr/>
-          <a:lstStyle>
-            <a:lvl1pPr algn="l">
-              <a:defRPr sz="3000"/>
-            </a:lvl1pPr>
-            <a:lvl2pPr algn="l">
-              <a:defRPr sz="2800"/>
-            </a:lvl2pPr>
-            <a:lvl3pPr algn="l">
-              <a:defRPr sz="2400"/>
-            </a:lvl3pPr>
-            <a:lvl4pPr algn="l">
-              <a:defRPr sz="2000"/>
-            </a:lvl4pPr>
-            <a:lvl5pPr algn="l">
-              <a:defRPr sz="2000"/>
-            </a:lvl5pPr>
-          </a:lstStyle>
-          <a:p>
-            <a:pPr lvl="0"/>
-            <a:r>
-              <a:rPr lang="zh-TW" altLang="en-US" smtClean="0"/>
-              <a:t>按一下以編輯母片文字樣式</a:t>
-            </a:r>
-          </a:p>
-          <a:p>
-            <a:pPr lvl="1"/>
-            <a:r>
-              <a:rPr lang="zh-TW" altLang="en-US" smtClean="0"/>
-              <a:t>第二層</a:t>
-            </a:r>
-          </a:p>
-          <a:p>
-            <a:pPr lvl="2"/>
-            <a:r>
-              <a:rPr lang="zh-TW" altLang="en-US" smtClean="0"/>
-              <a:t>第三層</a:t>
-            </a:r>
-          </a:p>
-          <a:p>
-            <a:pPr lvl="3"/>
-            <a:r>
-              <a:rPr lang="zh-TW" altLang="en-US" smtClean="0"/>
-              <a:t>第四層</a:t>
-            </a:r>
-          </a:p>
-          <a:p>
-            <a:pPr lvl="4"/>
-            <a:r>
-              <a:rPr lang="zh-TW" altLang="en-US" smtClean="0"/>
-              <a:t>第五層</a:t>
-            </a:r>
-            <a:endParaRPr lang="en-US" dirty="0"/>
-          </a:p>
-        </p:txBody>
-      </p:sp>
-      <p:sp>
-        <p:nvSpPr>
-          <p:cNvPr id="5" name="Date Placeholder 4"/>
+              <a:rPr lang="en-US" altLang="zh-TW" smtClean="0"/>
+              <a:t>Click to edit Master text styles</a:t>
+            </a:r>
+          </a:p>
+        </p:txBody>
+      </p:sp>
+      <p:sp>
+        <p:nvSpPr>
+          <p:cNvPr id="5" name="日期版面配置區 4"/>
           <p:cNvSpPr>
             <a:spLocks noGrp="1"/>
           </p:cNvSpPr>
@@ -2414,7 +2231,7 @@
             <a:fld id="{9EF48D8F-0522-4FB8-ADFD-836989C40F89}" type="datetimeFigureOut">
               <a:rPr lang="zh-TW" altLang="en-US" smtClean="0"/>
               <a:pPr/>
-              <a:t>2014/5/17</a:t>
+              <a:t>2019/9/7</a:t>
             </a:fld>
             <a:endParaRPr lang="zh-TW" altLang="en-US"/>
           </a:p>
@@ -2422,7 +2239,7 @@
       </p:sp>
       <p:sp>
         <p:nvSpPr>
-          <p:cNvPr id="6" name="Footer Placeholder 5"/>
+          <p:cNvPr id="6" name="頁尾版面配置區 5"/>
           <p:cNvSpPr>
             <a:spLocks noGrp="1"/>
           </p:cNvSpPr>
@@ -2441,7 +2258,7 @@
       </p:sp>
       <p:sp>
         <p:nvSpPr>
-          <p:cNvPr id="7" name="Slide Number Placeholder 6"/>
+          <p:cNvPr id="7" name="投影片編號版面配置區 6"/>
           <p:cNvSpPr>
             <a:spLocks noGrp="1"/>
           </p:cNvSpPr>
@@ -2472,7 +2289,7 @@
 </file>
 
 <file path=ppt/slideLayouts/slideLayout9.xml><?xml version="1.0" encoding="utf-8"?>
-<p:sldLayout xmlns:a="http://schemas.openxmlformats.org/drawingml/2006/main" xmlns:r="http://schemas.openxmlformats.org/officeDocument/2006/relationships" xmlns:p="http://schemas.openxmlformats.org/presentationml/2006/main" showMasterSp="0" type="picTx" preserve="1">
+<p:sldLayout xmlns:a="http://schemas.openxmlformats.org/drawingml/2006/main" xmlns:r="http://schemas.openxmlformats.org/officeDocument/2006/relationships" xmlns:p="http://schemas.openxmlformats.org/presentationml/2006/main" type="picTx" preserve="1">
   <p:cSld name="含標題的圖片">
     <p:spTree>
       <p:nvGrpSpPr>
@@ -2490,7 +2307,7 @@
       </p:grpSpPr>
       <p:sp>
         <p:nvSpPr>
-          <p:cNvPr id="2" name="Title 1"/>
+          <p:cNvPr id="2" name="標題 1"/>
           <p:cNvSpPr>
             <a:spLocks noGrp="1"/>
           </p:cNvSpPr>
@@ -2500,30 +2317,29 @@
         </p:nvSpPr>
         <p:spPr>
           <a:xfrm>
-            <a:off x="376240" y="1981200"/>
-            <a:ext cx="3429000" cy="522288"/>
+            <a:off x="1792288" y="3600450"/>
+            <a:ext cx="5486400" cy="425054"/>
           </a:xfrm>
         </p:spPr>
         <p:txBody>
-          <a:bodyPr tIns="0" bIns="0" anchor="b"/>
+          <a:bodyPr anchor="b"/>
           <a:lstStyle>
-            <a:lvl1pPr algn="r">
-              <a:buNone/>
+            <a:lvl1pPr algn="l">
               <a:defRPr sz="2000" b="1"/>
             </a:lvl1pPr>
           </a:lstStyle>
           <a:p>
             <a:r>
-              <a:rPr lang="zh-TW" altLang="en-US" smtClean="0"/>
-              <a:t>按一下以編輯母片標題樣式</a:t>
-            </a:r>
-            <a:endParaRPr lang="en-US" dirty="0"/>
-          </a:p>
-        </p:txBody>
-      </p:sp>
-      <p:sp>
-        <p:nvSpPr>
-          <p:cNvPr id="3" name="Picture Placeholder 2"/>
+              <a:rPr lang="en-US" altLang="zh-TW" smtClean="0"/>
+              <a:t>Click to edit Master title style</a:t>
+            </a:r>
+            <a:endParaRPr lang="zh-TW" altLang="en-US"/>
+          </a:p>
+        </p:txBody>
+      </p:sp>
+      <p:sp>
+        <p:nvSpPr>
+          <p:cNvPr id="3" name="圖片版面配置區 2"/>
           <p:cNvSpPr>
             <a:spLocks noGrp="1"/>
           </p:cNvSpPr>
@@ -2533,49 +2349,62 @@
         </p:nvSpPr>
         <p:spPr>
           <a:xfrm>
-            <a:off x="4093368" y="1066800"/>
-            <a:ext cx="4572000" cy="4572000"/>
+            <a:off x="1792288" y="459581"/>
+            <a:ext cx="5486400" cy="3086100"/>
           </a:xfrm>
-          <a:solidFill>
-            <a:schemeClr val="bg2">
-              <a:shade val="75000"/>
-            </a:schemeClr>
-          </a:solidFill>
-          <a:ln w="60325">
-            <a:solidFill>
-              <a:srgbClr val="FFFFFF"/>
-            </a:solidFill>
-            <a:miter lim="800000"/>
-          </a:ln>
-          <a:effectLst>
-            <a:outerShdw blurRad="36195" dist="10000" dir="5400000" algn="tl" rotWithShape="0">
-              <a:srgbClr val="000000">
-                <a:alpha val="75000"/>
-              </a:srgbClr>
-            </a:outerShdw>
-            <a:reflection stA="21000" endA="500" endPos="10000" dist="20000" dir="5400000" sy="-100000" algn="bl" rotWithShape="0"/>
-          </a:effectLst>
         </p:spPr>
         <p:txBody>
           <a:bodyPr/>
           <a:lstStyle>
-            <a:lvl1pPr>
+            <a:lvl1pPr marL="0" indent="0">
               <a:buNone/>
               <a:defRPr sz="3200"/>
             </a:lvl1pPr>
+            <a:lvl2pPr marL="457200" indent="0">
+              <a:buNone/>
+              <a:defRPr sz="2800"/>
+            </a:lvl2pPr>
+            <a:lvl3pPr marL="914400" indent="0">
+              <a:buNone/>
+              <a:defRPr sz="2400"/>
+            </a:lvl3pPr>
+            <a:lvl4pPr marL="1371600" indent="0">
+              <a:buNone/>
+              <a:defRPr sz="2000"/>
+            </a:lvl4pPr>
+            <a:lvl5pPr marL="1828800" indent="0">
+              <a:buNone/>
+              <a:defRPr sz="2000"/>
+            </a:lvl5pPr>
+            <a:lvl6pPr marL="2286000" indent="0">
+              <a:buNone/>
+              <a:defRPr sz="2000"/>
+            </a:lvl6pPr>
+            <a:lvl7pPr marL="2743200" indent="0">
+              <a:buNone/>
+              <a:defRPr sz="2000"/>
+            </a:lvl7pPr>
+            <a:lvl8pPr marL="3200400" indent="0">
+              <a:buNone/>
+              <a:defRPr sz="2000"/>
+            </a:lvl8pPr>
+            <a:lvl9pPr marL="3657600" indent="0">
+              <a:buNone/>
+              <a:defRPr sz="2000"/>
+            </a:lvl9pPr>
           </a:lstStyle>
           <a:p>
             <a:r>
-              <a:rPr lang="zh-TW" altLang="en-US" smtClean="0"/>
-              <a:t>按一下圖示以新增圖片</a:t>
-            </a:r>
-            <a:endParaRPr lang="en-US" dirty="0"/>
-          </a:p>
-        </p:txBody>
-      </p:sp>
-      <p:sp>
-        <p:nvSpPr>
-          <p:cNvPr id="4" name="Text Placeholder 3"/>
+              <a:rPr lang="en-US" altLang="zh-TW" smtClean="0"/>
+              <a:t>Click icon to add picture</a:t>
+            </a:r>
+            <a:endParaRPr lang="zh-TW" altLang="en-US"/>
+          </a:p>
+        </p:txBody>
+      </p:sp>
+      <p:sp>
+        <p:nvSpPr>
+          <p:cNvPr id="4" name="文字版面配置區 3"/>
           <p:cNvSpPr>
             <a:spLocks noGrp="1"/>
           </p:cNvSpPr>
@@ -2585,54 +2414,62 @@
         </p:nvSpPr>
         <p:spPr>
           <a:xfrm>
-            <a:off x="376240" y="2543176"/>
-            <a:ext cx="3429000" cy="914400"/>
+            <a:off x="1792288" y="4025503"/>
+            <a:ext cx="5486400" cy="603647"/>
           </a:xfrm>
         </p:spPr>
         <p:txBody>
-          <a:bodyPr lIns="0" tIns="0" rIns="0" bIns="0" anchor="t"/>
+          <a:bodyPr/>
           <a:lstStyle>
-            <a:lvl1pPr indent="0" algn="r">
-              <a:spcBef>
-                <a:spcPts val="300"/>
-              </a:spcBef>
-              <a:buFontTx/>
-              <a:buNone/>
-              <a:defRPr sz="1400" baseline="0"/>
+            <a:lvl1pPr marL="0" indent="0">
+              <a:buNone/>
+              <a:defRPr sz="1400"/>
             </a:lvl1pPr>
-            <a:lvl2pPr>
-              <a:buFontTx/>
+            <a:lvl2pPr marL="457200" indent="0">
               <a:buNone/>
               <a:defRPr sz="1200"/>
             </a:lvl2pPr>
-            <a:lvl3pPr>
-              <a:buFontTx/>
+            <a:lvl3pPr marL="914400" indent="0">
               <a:buNone/>
               <a:defRPr sz="1000"/>
             </a:lvl3pPr>
-            <a:lvl4pPr>
-              <a:buFontTx/>
+            <a:lvl4pPr marL="1371600" indent="0">
               <a:buNone/>
               <a:defRPr sz="900"/>
             </a:lvl4pPr>
-            <a:lvl5pPr>
-              <a:buFontTx/>
+            <a:lvl5pPr marL="1828800" indent="0">
               <a:buNone/>
               <a:defRPr sz="900"/>
             </a:lvl5pPr>
+            <a:lvl6pPr marL="2286000" indent="0">
+              <a:buNone/>
+              <a:defRPr sz="900"/>
+            </a:lvl6pPr>
+            <a:lvl7pPr marL="2743200" indent="0">
+              <a:buNone/>
+              <a:defRPr sz="900"/>
+            </a:lvl7pPr>
+            <a:lvl8pPr marL="3200400" indent="0">
+              <a:buNone/>
+              <a:defRPr sz="900"/>
+            </a:lvl8pPr>
+            <a:lvl9pPr marL="3657600" indent="0">
+              <a:buNone/>
+              <a:defRPr sz="900"/>
+            </a:lvl9pPr>
           </a:lstStyle>
           <a:p>
             <a:pPr lvl="0"/>
             <a:r>
-              <a:rPr lang="zh-TW" altLang="en-US" smtClean="0"/>
-              <a:t>按一下以編輯母片文字樣式</a:t>
-            </a:r>
-          </a:p>
-        </p:txBody>
-      </p:sp>
-      <p:sp>
-        <p:nvSpPr>
-          <p:cNvPr id="5" name="Date Placeholder 4"/>
+              <a:rPr lang="en-US" altLang="zh-TW" smtClean="0"/>
+              <a:t>Click to edit Master text styles</a:t>
+            </a:r>
+          </a:p>
+        </p:txBody>
+      </p:sp>
+      <p:sp>
+        <p:nvSpPr>
+          <p:cNvPr id="5" name="日期版面配置區 4"/>
           <p:cNvSpPr>
             <a:spLocks noGrp="1"/>
           </p:cNvSpPr>
@@ -2648,7 +2485,7 @@
             <a:fld id="{9EF48D8F-0522-4FB8-ADFD-836989C40F89}" type="datetimeFigureOut">
               <a:rPr lang="zh-TW" altLang="en-US" smtClean="0"/>
               <a:pPr/>
-              <a:t>2014/5/17</a:t>
+              <a:t>2019/9/7</a:t>
             </a:fld>
             <a:endParaRPr lang="zh-TW" altLang="en-US"/>
           </a:p>
@@ -2656,7 +2493,7 @@
       </p:sp>
       <p:sp>
         <p:nvSpPr>
-          <p:cNvPr id="6" name="Footer Placeholder 5"/>
+          <p:cNvPr id="6" name="頁尾版面配置區 5"/>
           <p:cNvSpPr>
             <a:spLocks noGrp="1"/>
           </p:cNvSpPr>
@@ -2675,7 +2512,7 @@
       </p:sp>
       <p:sp>
         <p:nvSpPr>
-          <p:cNvPr id="7" name="Slide Number Placeholder 6"/>
+          <p:cNvPr id="7" name="投影片編號版面配置區 6"/>
           <p:cNvSpPr>
             <a:spLocks noGrp="1"/>
           </p:cNvSpPr>
@@ -2683,12 +2520,7 @@
             <p:ph type="sldNum" sz="quarter" idx="12"/>
           </p:nvPr>
         </p:nvSpPr>
-        <p:spPr>
-          <a:xfrm>
-            <a:off x="8153400" y="6356350"/>
-            <a:ext cx="533400" cy="365125"/>
-          </a:xfrm>
-        </p:spPr>
+        <p:spPr/>
         <p:txBody>
           <a:bodyPr/>
           <a:lstStyle/>
@@ -2714,9 +2546,14 @@
 <p:sldMaster xmlns:a="http://schemas.openxmlformats.org/drawingml/2006/main" xmlns:r="http://schemas.openxmlformats.org/officeDocument/2006/relationships" xmlns:p="http://schemas.openxmlformats.org/presentationml/2006/main">
   <p:cSld>
     <p:bg>
-      <p:bgRef idx="1003">
-        <a:schemeClr val="bg2"/>
-      </p:bgRef>
+      <p:bgPr>
+        <a:blipFill dpi="0" rotWithShape="1">
+          <a:blip r:embed="rId13"/>
+          <a:srcRect/>
+          <a:tile tx="0" ty="0" sx="100000" sy="100000" flip="none" algn="tl"/>
+        </a:blipFill>
+        <a:effectLst/>
+      </p:bgPr>
     </p:bg>
     <p:spTree>
       <p:nvGrpSpPr>
@@ -2734,712 +2571,7 @@
       </p:grpSpPr>
       <p:sp>
         <p:nvSpPr>
-          <p:cNvPr id="7" name="Flowchart: Document 6"/>
-          <p:cNvSpPr/>
-          <p:nvPr/>
-        </p:nvSpPr>
-        <p:spPr>
-          <a:xfrm rot="10800000">
-            <a:off x="1" y="1142899"/>
-            <a:ext cx="9144000" cy="5562705"/>
-          </a:xfrm>
-          <a:custGeom>
-            <a:avLst/>
-            <a:gdLst>
-              <a:gd name="connsiteX0" fmla="*/ 0 w 21600"/>
-              <a:gd name="connsiteY0" fmla="*/ 0 h 19378"/>
-              <a:gd name="connsiteX1" fmla="*/ 21600 w 21600"/>
-              <a:gd name="connsiteY1" fmla="*/ 0 h 19378"/>
-              <a:gd name="connsiteX2" fmla="*/ 21600 w 21600"/>
-              <a:gd name="connsiteY2" fmla="*/ 17322 h 19378"/>
-              <a:gd name="connsiteX3" fmla="*/ 0 w 21600"/>
-              <a:gd name="connsiteY3" fmla="*/ 19378 h 19378"/>
-              <a:gd name="connsiteX4" fmla="*/ 0 w 21600"/>
-              <a:gd name="connsiteY4" fmla="*/ 0 h 19378"/>
-              <a:gd name="connsiteX0" fmla="*/ 0 w 21600"/>
-              <a:gd name="connsiteY0" fmla="*/ 0 h 19378"/>
-              <a:gd name="connsiteX1" fmla="*/ 21600 w 21600"/>
-              <a:gd name="connsiteY1" fmla="*/ 0 h 19378"/>
-              <a:gd name="connsiteX2" fmla="*/ 21600 w 21600"/>
-              <a:gd name="connsiteY2" fmla="*/ 17322 h 19378"/>
-              <a:gd name="connsiteX3" fmla="*/ 0 w 21600"/>
-              <a:gd name="connsiteY3" fmla="*/ 19378 h 19378"/>
-              <a:gd name="connsiteX4" fmla="*/ 0 w 21600"/>
-              <a:gd name="connsiteY4" fmla="*/ 0 h 19378"/>
-              <a:gd name="connsiteX0" fmla="*/ 0 w 21600"/>
-              <a:gd name="connsiteY0" fmla="*/ 0 h 19378"/>
-              <a:gd name="connsiteX1" fmla="*/ 21600 w 21600"/>
-              <a:gd name="connsiteY1" fmla="*/ 0 h 19378"/>
-              <a:gd name="connsiteX2" fmla="*/ 21600 w 21600"/>
-              <a:gd name="connsiteY2" fmla="*/ 17322 h 19378"/>
-              <a:gd name="connsiteX3" fmla="*/ 0 w 21600"/>
-              <a:gd name="connsiteY3" fmla="*/ 19378 h 19378"/>
-              <a:gd name="connsiteX4" fmla="*/ 0 w 21600"/>
-              <a:gd name="connsiteY4" fmla="*/ 0 h 19378"/>
-              <a:gd name="connsiteX0" fmla="*/ 0 w 21600"/>
-              <a:gd name="connsiteY0" fmla="*/ 0 h 19974"/>
-              <a:gd name="connsiteX1" fmla="*/ 21600 w 21600"/>
-              <a:gd name="connsiteY1" fmla="*/ 0 h 19974"/>
-              <a:gd name="connsiteX2" fmla="*/ 21600 w 21600"/>
-              <a:gd name="connsiteY2" fmla="*/ 17322 h 19974"/>
-              <a:gd name="connsiteX3" fmla="*/ 0 w 21600"/>
-              <a:gd name="connsiteY3" fmla="*/ 19974 h 19974"/>
-              <a:gd name="connsiteX4" fmla="*/ 0 w 21600"/>
-              <a:gd name="connsiteY4" fmla="*/ 0 h 19974"/>
-              <a:gd name="connsiteX0" fmla="*/ 0 w 21600"/>
-              <a:gd name="connsiteY0" fmla="*/ 0 h 19974"/>
-              <a:gd name="connsiteX1" fmla="*/ 21600 w 21600"/>
-              <a:gd name="connsiteY1" fmla="*/ 0 h 19974"/>
-              <a:gd name="connsiteX2" fmla="*/ 21600 w 21600"/>
-              <a:gd name="connsiteY2" fmla="*/ 17322 h 19974"/>
-              <a:gd name="connsiteX3" fmla="*/ 0 w 21600"/>
-              <a:gd name="connsiteY3" fmla="*/ 19974 h 19974"/>
-              <a:gd name="connsiteX4" fmla="*/ 0 w 21600"/>
-              <a:gd name="connsiteY4" fmla="*/ 0 h 19974"/>
-              <a:gd name="connsiteX0" fmla="*/ 0 w 21600"/>
-              <a:gd name="connsiteY0" fmla="*/ 0 h 19974"/>
-              <a:gd name="connsiteX1" fmla="*/ 21600 w 21600"/>
-              <a:gd name="connsiteY1" fmla="*/ 0 h 19974"/>
-              <a:gd name="connsiteX2" fmla="*/ 21600 w 21600"/>
-              <a:gd name="connsiteY2" fmla="*/ 17322 h 19974"/>
-              <a:gd name="connsiteX3" fmla="*/ 0 w 21600"/>
-              <a:gd name="connsiteY3" fmla="*/ 19974 h 19974"/>
-              <a:gd name="connsiteX4" fmla="*/ 0 w 21600"/>
-              <a:gd name="connsiteY4" fmla="*/ 0 h 19974"/>
-              <a:gd name="connsiteX0" fmla="*/ 0 w 21600"/>
-              <a:gd name="connsiteY0" fmla="*/ 0 h 20252"/>
-              <a:gd name="connsiteX1" fmla="*/ 21600 w 21600"/>
-              <a:gd name="connsiteY1" fmla="*/ 0 h 20252"/>
-              <a:gd name="connsiteX2" fmla="*/ 21600 w 21600"/>
-              <a:gd name="connsiteY2" fmla="*/ 17322 h 20252"/>
-              <a:gd name="connsiteX3" fmla="*/ 0 w 21600"/>
-              <a:gd name="connsiteY3" fmla="*/ 20252 h 20252"/>
-              <a:gd name="connsiteX4" fmla="*/ 0 w 21600"/>
-              <a:gd name="connsiteY4" fmla="*/ 0 h 20252"/>
-              <a:gd name="connsiteX0" fmla="*/ 0 w 21600"/>
-              <a:gd name="connsiteY0" fmla="*/ 0 h 20252"/>
-              <a:gd name="connsiteX1" fmla="*/ 21600 w 21600"/>
-              <a:gd name="connsiteY1" fmla="*/ 0 h 20252"/>
-              <a:gd name="connsiteX2" fmla="*/ 21600 w 21600"/>
-              <a:gd name="connsiteY2" fmla="*/ 17322 h 20252"/>
-              <a:gd name="connsiteX3" fmla="*/ 0 w 21600"/>
-              <a:gd name="connsiteY3" fmla="*/ 20252 h 20252"/>
-              <a:gd name="connsiteX4" fmla="*/ 0 w 21600"/>
-              <a:gd name="connsiteY4" fmla="*/ 0 h 20252"/>
-            </a:gdLst>
-            <a:ahLst/>
-            <a:cxnLst>
-              <a:cxn ang="0">
-                <a:pos x="connsiteX0" y="connsiteY0"/>
-              </a:cxn>
-              <a:cxn ang="0">
-                <a:pos x="connsiteX1" y="connsiteY1"/>
-              </a:cxn>
-              <a:cxn ang="0">
-                <a:pos x="connsiteX2" y="connsiteY2"/>
-              </a:cxn>
-              <a:cxn ang="0">
-                <a:pos x="connsiteX3" y="connsiteY3"/>
-              </a:cxn>
-              <a:cxn ang="0">
-                <a:pos x="connsiteX4" y="connsiteY4"/>
-              </a:cxn>
-              <a:cxn ang="0">
-                <a:pos x="connsiteX0" y="connsiteY0"/>
-              </a:cxn>
-              <a:cxn ang="0">
-                <a:pos x="connsiteX1" y="connsiteY1"/>
-              </a:cxn>
-              <a:cxn ang="0">
-                <a:pos x="connsiteX2" y="connsiteY2"/>
-              </a:cxn>
-              <a:cxn ang="0">
-                <a:pos x="connsiteX3" y="connsiteY3"/>
-              </a:cxn>
-              <a:cxn ang="0">
-                <a:pos x="connsiteX4" y="connsiteY4"/>
-              </a:cxn>
-              <a:cxn ang="0">
-                <a:pos x="connsiteX0" y="connsiteY0"/>
-              </a:cxn>
-              <a:cxn ang="0">
-                <a:pos x="connsiteX1" y="connsiteY1"/>
-              </a:cxn>
-              <a:cxn ang="0">
-                <a:pos x="connsiteX2" y="connsiteY2"/>
-              </a:cxn>
-              <a:cxn ang="0">
-                <a:pos x="connsiteX3" y="connsiteY3"/>
-              </a:cxn>
-              <a:cxn ang="0">
-                <a:pos x="connsiteX4" y="connsiteY4"/>
-              </a:cxn>
-              <a:cxn ang="0">
-                <a:pos x="connsiteX0" y="connsiteY0"/>
-              </a:cxn>
-              <a:cxn ang="0">
-                <a:pos x="connsiteX1" y="connsiteY1"/>
-              </a:cxn>
-              <a:cxn ang="0">
-                <a:pos x="connsiteX2" y="connsiteY2"/>
-              </a:cxn>
-              <a:cxn ang="0">
-                <a:pos x="connsiteX3" y="connsiteY3"/>
-              </a:cxn>
-              <a:cxn ang="0">
-                <a:pos x="connsiteX4" y="connsiteY4"/>
-              </a:cxn>
-              <a:cxn ang="0">
-                <a:pos x="connsiteX0" y="connsiteY0"/>
-              </a:cxn>
-              <a:cxn ang="0">
-                <a:pos x="connsiteX1" y="connsiteY1"/>
-              </a:cxn>
-              <a:cxn ang="0">
-                <a:pos x="connsiteX2" y="connsiteY2"/>
-              </a:cxn>
-              <a:cxn ang="0">
-                <a:pos x="connsiteX3" y="connsiteY3"/>
-              </a:cxn>
-              <a:cxn ang="0">
-                <a:pos x="connsiteX4" y="connsiteY4"/>
-              </a:cxn>
-              <a:cxn ang="0">
-                <a:pos x="connsiteX0" y="connsiteY0"/>
-              </a:cxn>
-              <a:cxn ang="0">
-                <a:pos x="connsiteX1" y="connsiteY1"/>
-              </a:cxn>
-              <a:cxn ang="0">
-                <a:pos x="connsiteX2" y="connsiteY2"/>
-              </a:cxn>
-              <a:cxn ang="0">
-                <a:pos x="connsiteX3" y="connsiteY3"/>
-              </a:cxn>
-              <a:cxn ang="0">
-                <a:pos x="connsiteX4" y="connsiteY4"/>
-              </a:cxn>
-              <a:cxn ang="0">
-                <a:pos x="connsiteX0" y="connsiteY0"/>
-              </a:cxn>
-              <a:cxn ang="0">
-                <a:pos x="connsiteX1" y="connsiteY1"/>
-              </a:cxn>
-              <a:cxn ang="0">
-                <a:pos x="connsiteX2" y="connsiteY2"/>
-              </a:cxn>
-              <a:cxn ang="0">
-                <a:pos x="connsiteX3" y="connsiteY3"/>
-              </a:cxn>
-              <a:cxn ang="0">
-                <a:pos x="connsiteX4" y="connsiteY4"/>
-              </a:cxn>
-              <a:cxn ang="0">
-                <a:pos x="connsiteX0" y="connsiteY0"/>
-              </a:cxn>
-              <a:cxn ang="0">
-                <a:pos x="connsiteX1" y="connsiteY1"/>
-              </a:cxn>
-              <a:cxn ang="0">
-                <a:pos x="connsiteX2" y="connsiteY2"/>
-              </a:cxn>
-              <a:cxn ang="0">
-                <a:pos x="connsiteX3" y="connsiteY3"/>
-              </a:cxn>
-              <a:cxn ang="0">
-                <a:pos x="connsiteX4" y="connsiteY4"/>
-              </a:cxn>
-            </a:cxnLst>
-            <a:rect l="l" t="t" r="r" b="b"/>
-            <a:pathLst>
-              <a:path w="21600" h="20252">
-                <a:moveTo>
-                  <a:pt x="0" y="0"/>
-                </a:moveTo>
-                <a:lnTo>
-                  <a:pt x="21600" y="0"/>
-                </a:lnTo>
-                <a:lnTo>
-                  <a:pt x="21600" y="17322"/>
-                </a:lnTo>
-                <a:cubicBezTo>
-                  <a:pt x="10800" y="17322"/>
-                  <a:pt x="10056" y="24231"/>
-                  <a:pt x="0" y="20252"/>
-                </a:cubicBezTo>
-                <a:lnTo>
-                  <a:pt x="0" y="0"/>
-                </a:lnTo>
-                <a:close/>
-              </a:path>
-            </a:pathLst>
-          </a:custGeom>
-          <a:gradFill>
-            <a:gsLst>
-              <a:gs pos="100000">
-                <a:schemeClr val="bg2">
-                  <a:tint val="55000"/>
-                  <a:satMod val="1800000"/>
-                  <a:alpha val="55000"/>
-                </a:schemeClr>
-              </a:gs>
-              <a:gs pos="65000">
-                <a:schemeClr val="bg2">
-                  <a:shade val="100000"/>
-                  <a:satMod val="600000"/>
-                  <a:alpha val="0"/>
-                </a:schemeClr>
-              </a:gs>
-            </a:gsLst>
-            <a:lin ang="4800000" scaled="1"/>
-          </a:gradFill>
-          <a:ln w="31750" cap="sq" cmpd="sng" algn="ctr">
-            <a:noFill/>
-            <a:prstDash val="solid"/>
-          </a:ln>
-          <a:effectLst/>
-        </p:spPr>
-        <p:style>
-          <a:lnRef idx="3">
-            <a:schemeClr val="lt1"/>
-          </a:lnRef>
-          <a:fillRef idx="1">
-            <a:schemeClr val="accent1"/>
-          </a:fillRef>
-          <a:effectRef idx="1">
-            <a:schemeClr val="accent1"/>
-          </a:effectRef>
-          <a:fontRef idx="minor">
-            <a:schemeClr val="lt1"/>
-          </a:fontRef>
-        </p:style>
-        <p:txBody>
-          <a:bodyPr anchor="ctr"/>
-          <a:lstStyle/>
-          <a:p>
-            <a:pPr algn="ctr"/>
-            <a:endParaRPr lang="en-US"/>
-          </a:p>
-        </p:txBody>
-      </p:sp>
-      <p:sp>
-        <p:nvSpPr>
-          <p:cNvPr id="8" name="Flowchart: Document 7"/>
-          <p:cNvSpPr/>
-          <p:nvPr/>
-        </p:nvSpPr>
-        <p:spPr>
-          <a:xfrm rot="10800000">
-            <a:off x="1" y="1341133"/>
-            <a:ext cx="9144000" cy="4480425"/>
-          </a:xfrm>
-          <a:custGeom>
-            <a:avLst/>
-            <a:gdLst>
-              <a:gd name="connsiteX0" fmla="*/ 0 w 21600"/>
-              <a:gd name="connsiteY0" fmla="*/ 0 h 18944"/>
-              <a:gd name="connsiteX1" fmla="*/ 21600 w 21600"/>
-              <a:gd name="connsiteY1" fmla="*/ 0 h 18944"/>
-              <a:gd name="connsiteX2" fmla="*/ 21600 w 21600"/>
-              <a:gd name="connsiteY2" fmla="*/ 17322 h 18944"/>
-              <a:gd name="connsiteX3" fmla="*/ 0 w 21600"/>
-              <a:gd name="connsiteY3" fmla="*/ 18944 h 18944"/>
-              <a:gd name="connsiteX4" fmla="*/ 0 w 21600"/>
-              <a:gd name="connsiteY4" fmla="*/ 0 h 18944"/>
-              <a:gd name="connsiteX0" fmla="*/ 0 w 21600"/>
-              <a:gd name="connsiteY0" fmla="*/ 0 h 18944"/>
-              <a:gd name="connsiteX1" fmla="*/ 21600 w 21600"/>
-              <a:gd name="connsiteY1" fmla="*/ 0 h 18944"/>
-              <a:gd name="connsiteX2" fmla="*/ 21600 w 21600"/>
-              <a:gd name="connsiteY2" fmla="*/ 17322 h 18944"/>
-              <a:gd name="connsiteX3" fmla="*/ 0 w 21600"/>
-              <a:gd name="connsiteY3" fmla="*/ 18944 h 18944"/>
-              <a:gd name="connsiteX4" fmla="*/ 0 w 21600"/>
-              <a:gd name="connsiteY4" fmla="*/ 0 h 18944"/>
-              <a:gd name="connsiteX0" fmla="*/ 0 w 21600"/>
-              <a:gd name="connsiteY0" fmla="*/ 0 h 19350"/>
-              <a:gd name="connsiteX1" fmla="*/ 21600 w 21600"/>
-              <a:gd name="connsiteY1" fmla="*/ 0 h 19350"/>
-              <a:gd name="connsiteX2" fmla="*/ 21600 w 21600"/>
-              <a:gd name="connsiteY2" fmla="*/ 17322 h 19350"/>
-              <a:gd name="connsiteX3" fmla="*/ 0 w 21600"/>
-              <a:gd name="connsiteY3" fmla="*/ 19350 h 19350"/>
-              <a:gd name="connsiteX4" fmla="*/ 0 w 21600"/>
-              <a:gd name="connsiteY4" fmla="*/ 0 h 19350"/>
-              <a:gd name="connsiteX0" fmla="*/ 0 w 21600"/>
-              <a:gd name="connsiteY0" fmla="*/ 0 h 19350"/>
-              <a:gd name="connsiteX1" fmla="*/ 21600 w 21600"/>
-              <a:gd name="connsiteY1" fmla="*/ 0 h 19350"/>
-              <a:gd name="connsiteX2" fmla="*/ 21600 w 21600"/>
-              <a:gd name="connsiteY2" fmla="*/ 17322 h 19350"/>
-              <a:gd name="connsiteX3" fmla="*/ 0 w 21600"/>
-              <a:gd name="connsiteY3" fmla="*/ 19350 h 19350"/>
-              <a:gd name="connsiteX4" fmla="*/ 0 w 21600"/>
-              <a:gd name="connsiteY4" fmla="*/ 0 h 19350"/>
-              <a:gd name="connsiteX0" fmla="*/ 0 w 21600"/>
-              <a:gd name="connsiteY0" fmla="*/ 0 h 19350"/>
-              <a:gd name="connsiteX1" fmla="*/ 21600 w 21600"/>
-              <a:gd name="connsiteY1" fmla="*/ 0 h 19350"/>
-              <a:gd name="connsiteX2" fmla="*/ 21600 w 21600"/>
-              <a:gd name="connsiteY2" fmla="*/ 17322 h 19350"/>
-              <a:gd name="connsiteX3" fmla="*/ 0 w 21600"/>
-              <a:gd name="connsiteY3" fmla="*/ 19350 h 19350"/>
-              <a:gd name="connsiteX4" fmla="*/ 0 w 21600"/>
-              <a:gd name="connsiteY4" fmla="*/ 0 h 19350"/>
-              <a:gd name="connsiteX0" fmla="*/ 0 w 21600"/>
-              <a:gd name="connsiteY0" fmla="*/ 0 h 19350"/>
-              <a:gd name="connsiteX1" fmla="*/ 21600 w 21600"/>
-              <a:gd name="connsiteY1" fmla="*/ 0 h 19350"/>
-              <a:gd name="connsiteX2" fmla="*/ 21600 w 21600"/>
-              <a:gd name="connsiteY2" fmla="*/ 17322 h 19350"/>
-              <a:gd name="connsiteX3" fmla="*/ 0 w 21600"/>
-              <a:gd name="connsiteY3" fmla="*/ 19350 h 19350"/>
-              <a:gd name="connsiteX4" fmla="*/ 0 w 21600"/>
-              <a:gd name="connsiteY4" fmla="*/ 0 h 19350"/>
-              <a:gd name="connsiteX0" fmla="*/ 0 w 21600"/>
-              <a:gd name="connsiteY0" fmla="*/ 0 h 19691"/>
-              <a:gd name="connsiteX1" fmla="*/ 21600 w 21600"/>
-              <a:gd name="connsiteY1" fmla="*/ 0 h 19691"/>
-              <a:gd name="connsiteX2" fmla="*/ 21600 w 21600"/>
-              <a:gd name="connsiteY2" fmla="*/ 17322 h 19691"/>
-              <a:gd name="connsiteX3" fmla="*/ 0 w 21600"/>
-              <a:gd name="connsiteY3" fmla="*/ 19691 h 19691"/>
-              <a:gd name="connsiteX4" fmla="*/ 0 w 21600"/>
-              <a:gd name="connsiteY4" fmla="*/ 0 h 19691"/>
-              <a:gd name="connsiteX0" fmla="*/ 0 w 21600"/>
-              <a:gd name="connsiteY0" fmla="*/ 0 h 19691"/>
-              <a:gd name="connsiteX1" fmla="*/ 21600 w 21600"/>
-              <a:gd name="connsiteY1" fmla="*/ 0 h 19691"/>
-              <a:gd name="connsiteX2" fmla="*/ 21600 w 21600"/>
-              <a:gd name="connsiteY2" fmla="*/ 17322 h 19691"/>
-              <a:gd name="connsiteX3" fmla="*/ 0 w 21600"/>
-              <a:gd name="connsiteY3" fmla="*/ 19691 h 19691"/>
-              <a:gd name="connsiteX4" fmla="*/ 0 w 21600"/>
-              <a:gd name="connsiteY4" fmla="*/ 0 h 19691"/>
-              <a:gd name="connsiteX0" fmla="*/ 0 w 21600"/>
-              <a:gd name="connsiteY0" fmla="*/ 0 h 20032"/>
-              <a:gd name="connsiteX1" fmla="*/ 21600 w 21600"/>
-              <a:gd name="connsiteY1" fmla="*/ 0 h 20032"/>
-              <a:gd name="connsiteX2" fmla="*/ 21600 w 21600"/>
-              <a:gd name="connsiteY2" fmla="*/ 17322 h 20032"/>
-              <a:gd name="connsiteX3" fmla="*/ 0 w 21600"/>
-              <a:gd name="connsiteY3" fmla="*/ 20032 h 20032"/>
-              <a:gd name="connsiteX4" fmla="*/ 0 w 21600"/>
-              <a:gd name="connsiteY4" fmla="*/ 0 h 20032"/>
-              <a:gd name="connsiteX0" fmla="*/ 0 w 21600"/>
-              <a:gd name="connsiteY0" fmla="*/ 0 h 20032"/>
-              <a:gd name="connsiteX1" fmla="*/ 21600 w 21600"/>
-              <a:gd name="connsiteY1" fmla="*/ 0 h 20032"/>
-              <a:gd name="connsiteX2" fmla="*/ 21600 w 21600"/>
-              <a:gd name="connsiteY2" fmla="*/ 17322 h 20032"/>
-              <a:gd name="connsiteX3" fmla="*/ 0 w 21600"/>
-              <a:gd name="connsiteY3" fmla="*/ 20032 h 20032"/>
-              <a:gd name="connsiteX4" fmla="*/ 0 w 21600"/>
-              <a:gd name="connsiteY4" fmla="*/ 0 h 20032"/>
-              <a:gd name="connsiteX0" fmla="*/ 0 w 21600"/>
-              <a:gd name="connsiteY0" fmla="*/ 0 h 20032"/>
-              <a:gd name="connsiteX1" fmla="*/ 21600 w 21600"/>
-              <a:gd name="connsiteY1" fmla="*/ 0 h 20032"/>
-              <a:gd name="connsiteX2" fmla="*/ 21600 w 21600"/>
-              <a:gd name="connsiteY2" fmla="*/ 17322 h 20032"/>
-              <a:gd name="connsiteX3" fmla="*/ 0 w 21600"/>
-              <a:gd name="connsiteY3" fmla="*/ 20032 h 20032"/>
-              <a:gd name="connsiteX4" fmla="*/ 0 w 21600"/>
-              <a:gd name="connsiteY4" fmla="*/ 0 h 20032"/>
-              <a:gd name="connsiteX0" fmla="*/ 0 w 21600"/>
-              <a:gd name="connsiteY0" fmla="*/ 0 h 20032"/>
-              <a:gd name="connsiteX1" fmla="*/ 21600 w 21600"/>
-              <a:gd name="connsiteY1" fmla="*/ 0 h 20032"/>
-              <a:gd name="connsiteX2" fmla="*/ 21600 w 21600"/>
-              <a:gd name="connsiteY2" fmla="*/ 17322 h 20032"/>
-              <a:gd name="connsiteX3" fmla="*/ 0 w 21600"/>
-              <a:gd name="connsiteY3" fmla="*/ 20032 h 20032"/>
-              <a:gd name="connsiteX4" fmla="*/ 0 w 21600"/>
-              <a:gd name="connsiteY4" fmla="*/ 0 h 20032"/>
-              <a:gd name="connsiteX0" fmla="*/ 0 w 21600"/>
-              <a:gd name="connsiteY0" fmla="*/ 0 h 20032"/>
-              <a:gd name="connsiteX1" fmla="*/ 21600 w 21600"/>
-              <a:gd name="connsiteY1" fmla="*/ 0 h 20032"/>
-              <a:gd name="connsiteX2" fmla="*/ 21600 w 21600"/>
-              <a:gd name="connsiteY2" fmla="*/ 17322 h 20032"/>
-              <a:gd name="connsiteX3" fmla="*/ 0 w 21600"/>
-              <a:gd name="connsiteY3" fmla="*/ 20032 h 20032"/>
-              <a:gd name="connsiteX4" fmla="*/ 0 w 21600"/>
-              <a:gd name="connsiteY4" fmla="*/ 0 h 20032"/>
-            </a:gdLst>
-            <a:ahLst/>
-            <a:cxnLst>
-              <a:cxn ang="0">
-                <a:pos x="connsiteX0" y="connsiteY0"/>
-              </a:cxn>
-              <a:cxn ang="0">
-                <a:pos x="connsiteX1" y="connsiteY1"/>
-              </a:cxn>
-              <a:cxn ang="0">
-                <a:pos x="connsiteX2" y="connsiteY2"/>
-              </a:cxn>
-              <a:cxn ang="0">
-                <a:pos x="connsiteX3" y="connsiteY3"/>
-              </a:cxn>
-              <a:cxn ang="0">
-                <a:pos x="connsiteX4" y="connsiteY4"/>
-              </a:cxn>
-              <a:cxn ang="0">
-                <a:pos x="connsiteX0" y="connsiteY0"/>
-              </a:cxn>
-              <a:cxn ang="0">
-                <a:pos x="connsiteX1" y="connsiteY1"/>
-              </a:cxn>
-              <a:cxn ang="0">
-                <a:pos x="connsiteX2" y="connsiteY2"/>
-              </a:cxn>
-              <a:cxn ang="0">
-                <a:pos x="connsiteX3" y="connsiteY3"/>
-              </a:cxn>
-              <a:cxn ang="0">
-                <a:pos x="connsiteX4" y="connsiteY4"/>
-              </a:cxn>
-              <a:cxn ang="0">
-                <a:pos x="connsiteX0" y="connsiteY0"/>
-              </a:cxn>
-              <a:cxn ang="0">
-                <a:pos x="connsiteX1" y="connsiteY1"/>
-              </a:cxn>
-              <a:cxn ang="0">
-                <a:pos x="connsiteX2" y="connsiteY2"/>
-              </a:cxn>
-              <a:cxn ang="0">
-                <a:pos x="connsiteX3" y="connsiteY3"/>
-              </a:cxn>
-              <a:cxn ang="0">
-                <a:pos x="connsiteX4" y="connsiteY4"/>
-              </a:cxn>
-              <a:cxn ang="0">
-                <a:pos x="connsiteX0" y="connsiteY0"/>
-              </a:cxn>
-              <a:cxn ang="0">
-                <a:pos x="connsiteX1" y="connsiteY1"/>
-              </a:cxn>
-              <a:cxn ang="0">
-                <a:pos x="connsiteX2" y="connsiteY2"/>
-              </a:cxn>
-              <a:cxn ang="0">
-                <a:pos x="connsiteX3" y="connsiteY3"/>
-              </a:cxn>
-              <a:cxn ang="0">
-                <a:pos x="connsiteX4" y="connsiteY4"/>
-              </a:cxn>
-              <a:cxn ang="0">
-                <a:pos x="connsiteX0" y="connsiteY0"/>
-              </a:cxn>
-              <a:cxn ang="0">
-                <a:pos x="connsiteX1" y="connsiteY1"/>
-              </a:cxn>
-              <a:cxn ang="0">
-                <a:pos x="connsiteX2" y="connsiteY2"/>
-              </a:cxn>
-              <a:cxn ang="0">
-                <a:pos x="connsiteX3" y="connsiteY3"/>
-              </a:cxn>
-              <a:cxn ang="0">
-                <a:pos x="connsiteX4" y="connsiteY4"/>
-              </a:cxn>
-              <a:cxn ang="0">
-                <a:pos x="connsiteX0" y="connsiteY0"/>
-              </a:cxn>
-              <a:cxn ang="0">
-                <a:pos x="connsiteX1" y="connsiteY1"/>
-              </a:cxn>
-              <a:cxn ang="0">
-                <a:pos x="connsiteX2" y="connsiteY2"/>
-              </a:cxn>
-              <a:cxn ang="0">
-                <a:pos x="connsiteX3" y="connsiteY3"/>
-              </a:cxn>
-              <a:cxn ang="0">
-                <a:pos x="connsiteX4" y="connsiteY4"/>
-              </a:cxn>
-              <a:cxn ang="0">
-                <a:pos x="connsiteX0" y="connsiteY0"/>
-              </a:cxn>
-              <a:cxn ang="0">
-                <a:pos x="connsiteX1" y="connsiteY1"/>
-              </a:cxn>
-              <a:cxn ang="0">
-                <a:pos x="connsiteX2" y="connsiteY2"/>
-              </a:cxn>
-              <a:cxn ang="0">
-                <a:pos x="connsiteX3" y="connsiteY3"/>
-              </a:cxn>
-              <a:cxn ang="0">
-                <a:pos x="connsiteX4" y="connsiteY4"/>
-              </a:cxn>
-              <a:cxn ang="0">
-                <a:pos x="connsiteX0" y="connsiteY0"/>
-              </a:cxn>
-              <a:cxn ang="0">
-                <a:pos x="connsiteX1" y="connsiteY1"/>
-              </a:cxn>
-              <a:cxn ang="0">
-                <a:pos x="connsiteX2" y="connsiteY2"/>
-              </a:cxn>
-              <a:cxn ang="0">
-                <a:pos x="connsiteX3" y="connsiteY3"/>
-              </a:cxn>
-              <a:cxn ang="0">
-                <a:pos x="connsiteX4" y="connsiteY4"/>
-              </a:cxn>
-              <a:cxn ang="0">
-                <a:pos x="connsiteX0" y="connsiteY0"/>
-              </a:cxn>
-              <a:cxn ang="0">
-                <a:pos x="connsiteX1" y="connsiteY1"/>
-              </a:cxn>
-              <a:cxn ang="0">
-                <a:pos x="connsiteX2" y="connsiteY2"/>
-              </a:cxn>
-              <a:cxn ang="0">
-                <a:pos x="connsiteX3" y="connsiteY3"/>
-              </a:cxn>
-              <a:cxn ang="0">
-                <a:pos x="connsiteX4" y="connsiteY4"/>
-              </a:cxn>
-              <a:cxn ang="0">
-                <a:pos x="connsiteX0" y="connsiteY0"/>
-              </a:cxn>
-              <a:cxn ang="0">
-                <a:pos x="connsiteX1" y="connsiteY1"/>
-              </a:cxn>
-              <a:cxn ang="0">
-                <a:pos x="connsiteX2" y="connsiteY2"/>
-              </a:cxn>
-              <a:cxn ang="0">
-                <a:pos x="connsiteX3" y="connsiteY3"/>
-              </a:cxn>
-              <a:cxn ang="0">
-                <a:pos x="connsiteX4" y="connsiteY4"/>
-              </a:cxn>
-              <a:cxn ang="0">
-                <a:pos x="connsiteX0" y="connsiteY0"/>
-              </a:cxn>
-              <a:cxn ang="0">
-                <a:pos x="connsiteX1" y="connsiteY1"/>
-              </a:cxn>
-              <a:cxn ang="0">
-                <a:pos x="connsiteX2" y="connsiteY2"/>
-              </a:cxn>
-              <a:cxn ang="0">
-                <a:pos x="connsiteX3" y="connsiteY3"/>
-              </a:cxn>
-              <a:cxn ang="0">
-                <a:pos x="connsiteX4" y="connsiteY4"/>
-              </a:cxn>
-              <a:cxn ang="0">
-                <a:pos x="connsiteX0" y="connsiteY0"/>
-              </a:cxn>
-              <a:cxn ang="0">
-                <a:pos x="connsiteX1" y="connsiteY1"/>
-              </a:cxn>
-              <a:cxn ang="0">
-                <a:pos x="connsiteX2" y="connsiteY2"/>
-              </a:cxn>
-              <a:cxn ang="0">
-                <a:pos x="connsiteX3" y="connsiteY3"/>
-              </a:cxn>
-              <a:cxn ang="0">
-                <a:pos x="connsiteX4" y="connsiteY4"/>
-              </a:cxn>
-              <a:cxn ang="0">
-                <a:pos x="connsiteX0" y="connsiteY0"/>
-              </a:cxn>
-              <a:cxn ang="0">
-                <a:pos x="connsiteX1" y="connsiteY1"/>
-              </a:cxn>
-              <a:cxn ang="0">
-                <a:pos x="connsiteX2" y="connsiteY2"/>
-              </a:cxn>
-              <a:cxn ang="0">
-                <a:pos x="connsiteX3" y="connsiteY3"/>
-              </a:cxn>
-              <a:cxn ang="0">
-                <a:pos x="connsiteX4" y="connsiteY4"/>
-              </a:cxn>
-            </a:cxnLst>
-            <a:rect l="l" t="t" r="r" b="b"/>
-            <a:pathLst>
-              <a:path w="21600" h="20032">
-                <a:moveTo>
-                  <a:pt x="0" y="0"/>
-                </a:moveTo>
-                <a:lnTo>
-                  <a:pt x="21600" y="0"/>
-                </a:lnTo>
-                <a:lnTo>
-                  <a:pt x="21600" y="17322"/>
-                </a:lnTo>
-                <a:cubicBezTo>
-                  <a:pt x="10800" y="17322"/>
-                  <a:pt x="8684" y="24776"/>
-                  <a:pt x="0" y="20032"/>
-                </a:cubicBezTo>
-                <a:lnTo>
-                  <a:pt x="0" y="0"/>
-                </a:lnTo>
-                <a:close/>
-              </a:path>
-            </a:pathLst>
-          </a:custGeom>
-          <a:gradFill>
-            <a:gsLst>
-              <a:gs pos="100000">
-                <a:schemeClr val="bg2">
-                  <a:tint val="40000"/>
-                  <a:satMod val="1900000"/>
-                  <a:alpha val="30000"/>
-                </a:schemeClr>
-              </a:gs>
-              <a:gs pos="65000">
-                <a:schemeClr val="bg2">
-                  <a:shade val="100000"/>
-                  <a:satMod val="600000"/>
-                  <a:alpha val="0"/>
-                </a:schemeClr>
-              </a:gs>
-            </a:gsLst>
-            <a:lin ang="4800000" scaled="1"/>
-          </a:gradFill>
-          <a:ln w="31750" cap="sq" cmpd="sng" algn="ctr">
-            <a:noFill/>
-            <a:prstDash val="solid"/>
-          </a:ln>
-          <a:effectLst/>
-        </p:spPr>
-        <p:style>
-          <a:lnRef idx="3">
-            <a:schemeClr val="lt1"/>
-          </a:lnRef>
-          <a:fillRef idx="1">
-            <a:schemeClr val="accent1"/>
-          </a:fillRef>
-          <a:effectRef idx="1">
-            <a:schemeClr val="accent1"/>
-          </a:effectRef>
-          <a:fontRef idx="minor">
-            <a:schemeClr val="lt1"/>
-          </a:fontRef>
-        </p:style>
-        <p:txBody>
-          <a:bodyPr anchor="ctr"/>
-          <a:lstStyle/>
-          <a:p>
-            <a:pPr algn="ctr"/>
-            <a:endParaRPr lang="en-US"/>
-          </a:p>
-        </p:txBody>
-      </p:sp>
-      <p:sp>
-        <p:nvSpPr>
-          <p:cNvPr id="9" name="Title Placeholder 8"/>
+          <p:cNvPr id="2" name="標題版面配置區 1"/>
           <p:cNvSpPr>
             <a:spLocks noGrp="1"/>
           </p:cNvSpPr>
@@ -3449,15 +2581,15 @@
         </p:nvSpPr>
         <p:spPr>
           <a:xfrm>
-            <a:off x="457200" y="533400"/>
-            <a:ext cx="8229600" cy="1524000"/>
+            <a:off x="457200" y="205979"/>
+            <a:ext cx="8229600" cy="857250"/>
           </a:xfrm>
           <a:prstGeom prst="rect">
             <a:avLst/>
           </a:prstGeom>
         </p:spPr>
         <p:txBody>
-          <a:bodyPr vert="horz" lIns="0" tIns="9144" rIns="0" bIns="9144" anchor="b">
+          <a:bodyPr vert="horz" lIns="91440" tIns="45720" rIns="91440" bIns="45720" rtlCol="0" anchor="ctr">
             <a:normAutofit/>
           </a:bodyPr>
           <a:lstStyle/>
@@ -3466,13 +2598,13 @@
               <a:rPr lang="zh-TW" altLang="en-US" smtClean="0"/>
               <a:t>按一下以編輯母片標題樣式</a:t>
             </a:r>
-            <a:endParaRPr lang="en-US" dirty="0"/>
-          </a:p>
-        </p:txBody>
-      </p:sp>
-      <p:sp>
-        <p:nvSpPr>
-          <p:cNvPr id="30" name="Text Placeholder 29"/>
+            <a:endParaRPr lang="zh-TW" altLang="en-US"/>
+          </a:p>
+        </p:txBody>
+      </p:sp>
+      <p:sp>
+        <p:nvSpPr>
+          <p:cNvPr id="3" name="文字版面配置區 2"/>
           <p:cNvSpPr>
             <a:spLocks noGrp="1"/>
           </p:cNvSpPr>
@@ -3482,15 +2614,15 @@
         </p:nvSpPr>
         <p:spPr>
           <a:xfrm>
-            <a:off x="457200" y="2179637"/>
-            <a:ext cx="8229600" cy="4114800"/>
+            <a:off x="457200" y="1200151"/>
+            <a:ext cx="8229600" cy="3394472"/>
           </a:xfrm>
           <a:prstGeom prst="rect">
             <a:avLst/>
           </a:prstGeom>
         </p:spPr>
         <p:txBody>
-          <a:bodyPr vert="horz" lIns="91440">
+          <a:bodyPr vert="horz" lIns="91440" tIns="45720" rIns="91440" bIns="45720" rtlCol="0">
             <a:normAutofit/>
           </a:bodyPr>
           <a:lstStyle/>
@@ -3528,13 +2660,13 @@
               <a:rPr lang="zh-TW" altLang="en-US" smtClean="0"/>
               <a:t>第五層</a:t>
             </a:r>
-            <a:endParaRPr lang="en-US" dirty="0"/>
-          </a:p>
-        </p:txBody>
-      </p:sp>
-      <p:sp>
-        <p:nvSpPr>
-          <p:cNvPr id="10" name="Date Placeholder 9"/>
+            <a:endParaRPr lang="zh-TW" altLang="en-US"/>
+          </a:p>
+        </p:txBody>
+      </p:sp>
+      <p:sp>
+        <p:nvSpPr>
+          <p:cNvPr id="4" name="日期版面配置區 3"/>
           <p:cNvSpPr>
             <a:spLocks noGrp="1"/>
           </p:cNvSpPr>
@@ -3544,21 +2676,21 @@
         </p:nvSpPr>
         <p:spPr>
           <a:xfrm>
-            <a:off x="457200" y="6356350"/>
-            <a:ext cx="1981200" cy="365125"/>
+            <a:off x="457200" y="4767263"/>
+            <a:ext cx="2133600" cy="273844"/>
           </a:xfrm>
           <a:prstGeom prst="rect">
             <a:avLst/>
           </a:prstGeom>
         </p:spPr>
         <p:txBody>
-          <a:bodyPr vert="horz" anchor="b"/>
+          <a:bodyPr vert="horz" lIns="91440" tIns="45720" rIns="91440" bIns="45720" rtlCol="0" anchor="ctr"/>
           <a:lstStyle>
-            <a:lvl1pPr algn="ctr">
+            <a:lvl1pPr algn="l">
               <a:defRPr sz="1200">
                 <a:solidFill>
-                  <a:schemeClr val="tx2">
-                    <a:shade val="50000"/>
+                  <a:schemeClr val="tx1">
+                    <a:tint val="75000"/>
                   </a:schemeClr>
                 </a:solidFill>
               </a:defRPr>
@@ -3568,7 +2700,7 @@
             <a:fld id="{9EF48D8F-0522-4FB8-ADFD-836989C40F89}" type="datetimeFigureOut">
               <a:rPr lang="zh-TW" altLang="en-US" smtClean="0"/>
               <a:pPr/>
-              <a:t>2014/5/17</a:t>
+              <a:t>2019/9/7</a:t>
             </a:fld>
             <a:endParaRPr lang="zh-TW" altLang="en-US"/>
           </a:p>
@@ -3576,7 +2708,7 @@
       </p:sp>
       <p:sp>
         <p:nvSpPr>
-          <p:cNvPr id="22" name="Footer Placeholder 21"/>
+          <p:cNvPr id="5" name="頁尾版面配置區 4"/>
           <p:cNvSpPr>
             <a:spLocks noGrp="1"/>
           </p:cNvSpPr>
@@ -3586,21 +2718,21 @@
         </p:nvSpPr>
         <p:spPr>
           <a:xfrm>
-            <a:off x="2438400" y="6356350"/>
-            <a:ext cx="2895600" cy="365125"/>
+            <a:off x="3124200" y="4767263"/>
+            <a:ext cx="2895600" cy="273844"/>
           </a:xfrm>
           <a:prstGeom prst="rect">
             <a:avLst/>
           </a:prstGeom>
         </p:spPr>
         <p:txBody>
-          <a:bodyPr vert="horz" lIns="0" anchor="b"/>
+          <a:bodyPr vert="horz" lIns="91440" tIns="45720" rIns="91440" bIns="45720" rtlCol="0" anchor="ctr"/>
           <a:lstStyle>
-            <a:lvl1pPr algn="l">
+            <a:lvl1pPr algn="ctr">
               <a:defRPr sz="1200">
                 <a:solidFill>
-                  <a:schemeClr val="tx2">
-                    <a:shade val="50000"/>
+                  <a:schemeClr val="tx1">
+                    <a:tint val="75000"/>
                   </a:schemeClr>
                 </a:solidFill>
               </a:defRPr>
@@ -3613,7 +2745,7 @@
       </p:sp>
       <p:sp>
         <p:nvSpPr>
-          <p:cNvPr id="18" name="Slide Number Placeholder 17"/>
+          <p:cNvPr id="6" name="投影片編號版面配置區 5"/>
           <p:cNvSpPr>
             <a:spLocks noGrp="1"/>
           </p:cNvSpPr>
@@ -3623,21 +2755,21 @@
         </p:nvSpPr>
         <p:spPr>
           <a:xfrm>
-            <a:off x="8153400" y="6356350"/>
-            <a:ext cx="533400" cy="365125"/>
+            <a:off x="6553200" y="4767263"/>
+            <a:ext cx="2133600" cy="273844"/>
           </a:xfrm>
           <a:prstGeom prst="rect">
             <a:avLst/>
           </a:prstGeom>
         </p:spPr>
         <p:txBody>
-          <a:bodyPr vert="horz" lIns="91440" rIns="0" anchor="b"/>
+          <a:bodyPr vert="horz" lIns="91440" tIns="45720" rIns="91440" bIns="45720" rtlCol="0" anchor="ctr"/>
           <a:lstStyle>
             <a:lvl1pPr algn="r">
-              <a:defRPr sz="1400">
+              <a:defRPr sz="1200">
                 <a:solidFill>
-                  <a:schemeClr val="tx2">
-                    <a:shade val="50000"/>
+                  <a:schemeClr val="tx1">
+                    <a:tint val="75000"/>
                   </a:schemeClr>
                 </a:solidFill>
               </a:defRPr>
@@ -3655,51 +2787,31 @@
       </p:sp>
     </p:spTree>
   </p:cSld>
-  <p:clrMap bg1="dk1" tx1="lt1" bg2="dk2" tx2="lt2" accent1="accent1" accent2="accent2" accent3="accent3" accent4="accent4" accent5="accent5" accent6="accent6" hlink="hlink" folHlink="folHlink"/>
+  <p:clrMap bg1="lt1" tx1="dk1" bg2="lt2" tx2="dk2" accent1="accent1" accent2="accent2" accent3="accent3" accent4="accent4" accent5="accent5" accent6="accent6" hlink="hlink" folHlink="folHlink"/>
   <p:sldLayoutIdLst>
-    <p:sldLayoutId id="2147483673" r:id="rId1"/>
-    <p:sldLayoutId id="2147483674" r:id="rId2"/>
-    <p:sldLayoutId id="2147483675" r:id="rId3"/>
-    <p:sldLayoutId id="2147483676" r:id="rId4"/>
-    <p:sldLayoutId id="2147483677" r:id="rId5"/>
-    <p:sldLayoutId id="2147483678" r:id="rId6"/>
-    <p:sldLayoutId id="2147483679" r:id="rId7"/>
-    <p:sldLayoutId id="2147483680" r:id="rId8"/>
-    <p:sldLayoutId id="2147483681" r:id="rId9"/>
-    <p:sldLayoutId id="2147483682" r:id="rId10"/>
-    <p:sldLayoutId id="2147483683" r:id="rId11"/>
+    <p:sldLayoutId id="2147483685" r:id="rId1"/>
+    <p:sldLayoutId id="2147483686" r:id="rId2"/>
+    <p:sldLayoutId id="2147483687" r:id="rId3"/>
+    <p:sldLayoutId id="2147483688" r:id="rId4"/>
+    <p:sldLayoutId id="2147483689" r:id="rId5"/>
+    <p:sldLayoutId id="2147483690" r:id="rId6"/>
+    <p:sldLayoutId id="2147483691" r:id="rId7"/>
+    <p:sldLayoutId id="2147483692" r:id="rId8"/>
+    <p:sldLayoutId id="2147483693" r:id="rId9"/>
+    <p:sldLayoutId id="2147483694" r:id="rId10"/>
+    <p:sldLayoutId id="2147483695" r:id="rId11"/>
   </p:sldLayoutIdLst>
   <p:txStyles>
     <p:titleStyle>
-      <a:lvl1pPr algn="l" rtl="0" eaLnBrk="1" latinLnBrk="0" hangingPunct="1">
+      <a:lvl1pPr algn="ctr" defTabSz="914400" rtl="0" eaLnBrk="1" latinLnBrk="0" hangingPunct="1">
         <a:spcBef>
           <a:spcPct val="0"/>
         </a:spcBef>
         <a:buNone/>
-        <a:defRPr sz="4800" b="1" kern="1200">
-          <a:ln w="500">
-            <a:solidFill>
-              <a:schemeClr val="tx2">
-                <a:shade val="20000"/>
-                <a:satMod val="350000"/>
-              </a:schemeClr>
-            </a:solidFill>
-          </a:ln>
+        <a:defRPr sz="4400" kern="1200">
           <a:solidFill>
-            <a:schemeClr val="tx2">
-              <a:tint val="100000"/>
-              <a:satMod val="250000"/>
-            </a:schemeClr>
+            <a:schemeClr val="tx1"/>
           </a:solidFill>
-          <a:effectLst>
-            <a:outerShdw blurRad="30000" dist="30000" dir="2700000" algn="tl" rotWithShape="0">
-              <a:schemeClr val="bg2">
-                <a:shade val="45000"/>
-                <a:satMod val="150000"/>
-                <a:alpha val="90000"/>
-              </a:schemeClr>
-            </a:outerShdw>
-          </a:effectLst>
           <a:latin typeface="+mj-lt"/>
           <a:ea typeface="+mj-ea"/>
           <a:cs typeface="+mj-cs"/>
@@ -3707,17 +2819,13 @@
       </a:lvl1pPr>
     </p:titleStyle>
     <p:bodyStyle>
-      <a:lvl1pPr marL="320040" indent="-320040" algn="l" rtl="0" eaLnBrk="1" latinLnBrk="0" hangingPunct="1">
+      <a:lvl1pPr marL="342900" indent="-342900" algn="l" defTabSz="914400" rtl="0" eaLnBrk="1" latinLnBrk="0" hangingPunct="1">
         <a:spcBef>
           <a:spcPct val="20000"/>
         </a:spcBef>
-        <a:buClr>
-          <a:schemeClr val="accent1"/>
-        </a:buClr>
-        <a:buSzPct val="70000"/>
-        <a:buFont typeface="Wingdings 2"/>
-        <a:buChar char=""/>
-        <a:defRPr sz="3000" kern="1200">
+        <a:buFont typeface="Arial" pitchFamily="34" charset="0"/>
+        <a:buChar char="•"/>
+        <a:defRPr sz="3200" kern="1200">
           <a:solidFill>
             <a:schemeClr val="tx1"/>
           </a:solidFill>
@@ -3726,16 +2834,13 @@
           <a:cs typeface="+mn-cs"/>
         </a:defRPr>
       </a:lvl1pPr>
-      <a:lvl2pPr marL="630936" indent="-274320" algn="l" rtl="0" eaLnBrk="1" latinLnBrk="0" hangingPunct="1">
+      <a:lvl2pPr marL="742950" indent="-285750" algn="l" defTabSz="914400" rtl="0" eaLnBrk="1" latinLnBrk="0" hangingPunct="1">
         <a:spcBef>
           <a:spcPct val="20000"/>
         </a:spcBef>
-        <a:buClr>
-          <a:schemeClr val="accent2"/>
-        </a:buClr>
-        <a:buFont typeface="Wingdings 2"/>
-        <a:buChar char=""/>
-        <a:defRPr sz="2600" kern="1200">
+        <a:buFont typeface="Arial" pitchFamily="34" charset="0"/>
+        <a:buChar char="–"/>
+        <a:defRPr sz="2800" kern="1200">
           <a:solidFill>
             <a:schemeClr val="tx1"/>
           </a:solidFill>
@@ -3744,15 +2849,12 @@
           <a:cs typeface="+mn-cs"/>
         </a:defRPr>
       </a:lvl2pPr>
-      <a:lvl3pPr marL="923544" indent="-274320" algn="l" rtl="0" eaLnBrk="1" latinLnBrk="0" hangingPunct="1">
+      <a:lvl3pPr marL="1143000" indent="-228600" algn="l" defTabSz="914400" rtl="0" eaLnBrk="1" latinLnBrk="0" hangingPunct="1">
         <a:spcBef>
           <a:spcPct val="20000"/>
         </a:spcBef>
-        <a:buClr>
-          <a:schemeClr val="accent3"/>
-        </a:buClr>
-        <a:buFont typeface="Wingdings 2"/>
-        <a:buChar char=""/>
+        <a:buFont typeface="Arial" pitchFamily="34" charset="0"/>
+        <a:buChar char="•"/>
         <a:defRPr sz="2400" kern="1200">
           <a:solidFill>
             <a:schemeClr val="tx1"/>
@@ -3762,16 +2864,13 @@
           <a:cs typeface="+mn-cs"/>
         </a:defRPr>
       </a:lvl3pPr>
-      <a:lvl4pPr marL="1188720" indent="-228600" algn="l" rtl="0" eaLnBrk="1" latinLnBrk="0" hangingPunct="1">
+      <a:lvl4pPr marL="1600200" indent="-228600" algn="l" defTabSz="914400" rtl="0" eaLnBrk="1" latinLnBrk="0" hangingPunct="1">
         <a:spcBef>
           <a:spcPct val="20000"/>
         </a:spcBef>
-        <a:buClr>
-          <a:schemeClr val="accent4"/>
-        </a:buClr>
-        <a:buFont typeface="Wingdings 2"/>
-        <a:buChar char=""/>
-        <a:defRPr sz="2200" kern="1200">
+        <a:buFont typeface="Arial" pitchFamily="34" charset="0"/>
+        <a:buChar char="–"/>
+        <a:defRPr sz="2000" kern="1200">
           <a:solidFill>
             <a:schemeClr val="tx1"/>
           </a:solidFill>
@@ -3780,15 +2879,12 @@
           <a:cs typeface="+mn-cs"/>
         </a:defRPr>
       </a:lvl4pPr>
-      <a:lvl5pPr marL="1426464" indent="-228600" algn="l" rtl="0" eaLnBrk="1" latinLnBrk="0" hangingPunct="1">
+      <a:lvl5pPr marL="2057400" indent="-228600" algn="l" defTabSz="914400" rtl="0" eaLnBrk="1" latinLnBrk="0" hangingPunct="1">
         <a:spcBef>
           <a:spcPct val="20000"/>
         </a:spcBef>
-        <a:buClr>
-          <a:schemeClr val="accent5"/>
-        </a:buClr>
-        <a:buFont typeface="Wingdings 2"/>
-        <a:buChar char=""/>
+        <a:buFont typeface="Arial" pitchFamily="34" charset="0"/>
+        <a:buChar char="»"/>
         <a:defRPr sz="2000" kern="1200">
           <a:solidFill>
             <a:schemeClr val="tx1"/>
@@ -3798,16 +2894,13 @@
           <a:cs typeface="+mn-cs"/>
         </a:defRPr>
       </a:lvl5pPr>
-      <a:lvl6pPr marL="1673352" indent="-228600" algn="l" rtl="0" eaLnBrk="1" latinLnBrk="0" hangingPunct="1">
+      <a:lvl6pPr marL="2514600" indent="-228600" algn="l" defTabSz="914400" rtl="0" eaLnBrk="1" latinLnBrk="0" hangingPunct="1">
         <a:spcBef>
           <a:spcPct val="20000"/>
         </a:spcBef>
-        <a:buClr>
-          <a:schemeClr val="accent6"/>
-        </a:buClr>
-        <a:buFont typeface="Wingdings 2"/>
-        <a:buChar char=""/>
-        <a:defRPr sz="1800" kern="1200">
+        <a:buFont typeface="Arial" pitchFamily="34" charset="0"/>
+        <a:buChar char="•"/>
+        <a:defRPr sz="2000" kern="1200">
           <a:solidFill>
             <a:schemeClr val="tx1"/>
           </a:solidFill>
@@ -3816,16 +2909,13 @@
           <a:cs typeface="+mn-cs"/>
         </a:defRPr>
       </a:lvl6pPr>
-      <a:lvl7pPr marL="1911096" indent="-228600" algn="l" rtl="0" eaLnBrk="1" latinLnBrk="0" hangingPunct="1">
+      <a:lvl7pPr marL="2971800" indent="-228600" algn="l" defTabSz="914400" rtl="0" eaLnBrk="1" latinLnBrk="0" hangingPunct="1">
         <a:spcBef>
           <a:spcPct val="20000"/>
         </a:spcBef>
-        <a:buClr>
-          <a:schemeClr val="tx2"/>
-        </a:buClr>
-        <a:buFont typeface="Wingdings 2"/>
-        <a:buChar char=""/>
-        <a:defRPr sz="1600" kern="1200">
+        <a:buFont typeface="Arial" pitchFamily="34" charset="0"/>
+        <a:buChar char="•"/>
+        <a:defRPr sz="2000" kern="1200">
           <a:solidFill>
             <a:schemeClr val="tx1"/>
           </a:solidFill>
@@ -3834,16 +2924,13 @@
           <a:cs typeface="+mn-cs"/>
         </a:defRPr>
       </a:lvl7pPr>
-      <a:lvl8pPr marL="2121408" indent="-182880" algn="l" rtl="0" eaLnBrk="1" latinLnBrk="0" hangingPunct="1">
+      <a:lvl8pPr marL="3429000" indent="-228600" algn="l" defTabSz="914400" rtl="0" eaLnBrk="1" latinLnBrk="0" hangingPunct="1">
         <a:spcBef>
           <a:spcPct val="20000"/>
         </a:spcBef>
-        <a:buClr>
-          <a:schemeClr val="tx2"/>
-        </a:buClr>
-        <a:buFont typeface="Wingdings 2"/>
-        <a:buChar char=""/>
-        <a:defRPr sz="1400" kern="1200">
+        <a:buFont typeface="Arial" pitchFamily="34" charset="0"/>
+        <a:buChar char="•"/>
+        <a:defRPr sz="2000" kern="1200">
           <a:solidFill>
             <a:schemeClr val="tx1"/>
           </a:solidFill>
@@ -3852,16 +2939,13 @@
           <a:cs typeface="+mn-cs"/>
         </a:defRPr>
       </a:lvl8pPr>
-      <a:lvl9pPr marL="2322576" indent="-182880" algn="l" rtl="0" eaLnBrk="1" latinLnBrk="0" hangingPunct="1">
+      <a:lvl9pPr marL="3886200" indent="-228600" algn="l" defTabSz="914400" rtl="0" eaLnBrk="1" latinLnBrk="0" hangingPunct="1">
         <a:spcBef>
           <a:spcPct val="20000"/>
         </a:spcBef>
-        <a:buClr>
-          <a:schemeClr val="tx2"/>
-        </a:buClr>
-        <a:buFont typeface="Wingdings 2"/>
-        <a:buChar char=""/>
-        <a:defRPr sz="1400" kern="1200">
+        <a:buFont typeface="Arial" pitchFamily="34" charset="0"/>
+        <a:buChar char="•"/>
+        <a:defRPr sz="2000" kern="1200">
           <a:solidFill>
             <a:schemeClr val="tx1"/>
           </a:solidFill>
@@ -3872,8 +2956,11 @@
       </a:lvl9pPr>
     </p:bodyStyle>
     <p:otherStyle>
-      <a:lvl1pPr marL="0" algn="l" rtl="0" eaLnBrk="1" hangingPunct="1">
-        <a:defRPr kern="1200">
+      <a:defPPr>
+        <a:defRPr lang="zh-TW"/>
+      </a:defPPr>
+      <a:lvl1pPr marL="0" algn="l" defTabSz="914400" rtl="0" eaLnBrk="1" latinLnBrk="0" hangingPunct="1">
+        <a:defRPr sz="1800" kern="1200">
           <a:solidFill>
             <a:schemeClr val="tx1"/>
           </a:solidFill>
@@ -3882,8 +2969,8 @@
           <a:cs typeface="+mn-cs"/>
         </a:defRPr>
       </a:lvl1pPr>
-      <a:lvl2pPr marL="457200" algn="l" rtl="0" eaLnBrk="1" hangingPunct="1">
-        <a:defRPr kern="1200">
+      <a:lvl2pPr marL="457200" algn="l" defTabSz="914400" rtl="0" eaLnBrk="1" latinLnBrk="0" hangingPunct="1">
+        <a:defRPr sz="1800" kern="1200">
           <a:solidFill>
             <a:schemeClr val="tx1"/>
           </a:solidFill>
@@ -3892,8 +2979,8 @@
           <a:cs typeface="+mn-cs"/>
         </a:defRPr>
       </a:lvl2pPr>
-      <a:lvl3pPr marL="914400" algn="l" rtl="0" eaLnBrk="1" hangingPunct="1">
-        <a:defRPr kern="1200">
+      <a:lvl3pPr marL="914400" algn="l" defTabSz="914400" rtl="0" eaLnBrk="1" latinLnBrk="0" hangingPunct="1">
+        <a:defRPr sz="1800" kern="1200">
           <a:solidFill>
             <a:schemeClr val="tx1"/>
           </a:solidFill>
@@ -3902,8 +2989,8 @@
           <a:cs typeface="+mn-cs"/>
         </a:defRPr>
       </a:lvl3pPr>
-      <a:lvl4pPr marL="1371600" algn="l" rtl="0" eaLnBrk="1" hangingPunct="1">
-        <a:defRPr kern="1200">
+      <a:lvl4pPr marL="1371600" algn="l" defTabSz="914400" rtl="0" eaLnBrk="1" latinLnBrk="0" hangingPunct="1">
+        <a:defRPr sz="1800" kern="1200">
           <a:solidFill>
             <a:schemeClr val="tx1"/>
           </a:solidFill>
@@ -3912,8 +2999,8 @@
           <a:cs typeface="+mn-cs"/>
         </a:defRPr>
       </a:lvl4pPr>
-      <a:lvl5pPr marL="1828800" algn="l" rtl="0" eaLnBrk="1" hangingPunct="1">
-        <a:defRPr kern="1200">
+      <a:lvl5pPr marL="1828800" algn="l" defTabSz="914400" rtl="0" eaLnBrk="1" latinLnBrk="0" hangingPunct="1">
+        <a:defRPr sz="1800" kern="1200">
           <a:solidFill>
             <a:schemeClr val="tx1"/>
           </a:solidFill>
@@ -3922,8 +3009,8 @@
           <a:cs typeface="+mn-cs"/>
         </a:defRPr>
       </a:lvl5pPr>
-      <a:lvl6pPr marL="2286000" algn="l" rtl="0" eaLnBrk="1" hangingPunct="1">
-        <a:defRPr kern="1200">
+      <a:lvl6pPr marL="2286000" algn="l" defTabSz="914400" rtl="0" eaLnBrk="1" latinLnBrk="0" hangingPunct="1">
+        <a:defRPr sz="1800" kern="1200">
           <a:solidFill>
             <a:schemeClr val="tx1"/>
           </a:solidFill>
@@ -3932,8 +3019,8 @@
           <a:cs typeface="+mn-cs"/>
         </a:defRPr>
       </a:lvl6pPr>
-      <a:lvl7pPr marL="2743200" algn="l" rtl="0" eaLnBrk="1" hangingPunct="1">
-        <a:defRPr kern="1200">
+      <a:lvl7pPr marL="2743200" algn="l" defTabSz="914400" rtl="0" eaLnBrk="1" latinLnBrk="0" hangingPunct="1">
+        <a:defRPr sz="1800" kern="1200">
           <a:solidFill>
             <a:schemeClr val="tx1"/>
           </a:solidFill>
@@ -3942,8 +3029,8 @@
           <a:cs typeface="+mn-cs"/>
         </a:defRPr>
       </a:lvl7pPr>
-      <a:lvl8pPr marL="3200400" algn="l" rtl="0" eaLnBrk="1" hangingPunct="1">
-        <a:defRPr kern="1200">
+      <a:lvl8pPr marL="3200400" algn="l" defTabSz="914400" rtl="0" eaLnBrk="1" latinLnBrk="0" hangingPunct="1">
+        <a:defRPr sz="1800" kern="1200">
           <a:solidFill>
             <a:schemeClr val="tx1"/>
           </a:solidFill>
@@ -3952,8 +3039,8 @@
           <a:cs typeface="+mn-cs"/>
         </a:defRPr>
       </a:lvl8pPr>
-      <a:lvl9pPr marL="3657600" algn="l" rtl="0" eaLnBrk="1" hangingPunct="1">
-        <a:defRPr kern="1200">
+      <a:lvl9pPr marL="3657600" algn="l" defTabSz="914400" rtl="0" eaLnBrk="1" latinLnBrk="0" hangingPunct="1">
+        <a:defRPr sz="1800" kern="1200">
           <a:solidFill>
             <a:schemeClr val="tx1"/>
           </a:solidFill>
@@ -3996,13 +3083,22 @@
         </p:nvSpPr>
         <p:spPr/>
         <p:txBody>
-          <a:bodyPr/>
-          <a:lstStyle/>
-          <a:p>
-            <a:r>
-              <a:rPr lang="zh-TW" altLang="en-US" dirty="0"/>
-              <a:t>抱 擁</a:t>
-            </a:r>
+          <a:bodyPr>
+            <a:normAutofit/>
+          </a:bodyPr>
+          <a:lstStyle/>
+          <a:p>
+            <a:r>
+              <a:rPr lang="zh-TW" altLang="en-US" sz="4000" b="1" dirty="0" smtClean="0">
+                <a:latin typeface="Microsoft JhengHei" pitchFamily="34" charset="-120"/>
+                <a:ea typeface="Microsoft JhengHei" pitchFamily="34" charset="-120"/>
+              </a:rPr>
+              <a:t>抱擁</a:t>
+            </a:r>
+            <a:endParaRPr lang="zh-TW" altLang="en-US" sz="4000" b="1" dirty="0">
+              <a:latin typeface="Microsoft JhengHei" pitchFamily="34" charset="-120"/>
+              <a:ea typeface="Microsoft JhengHei" pitchFamily="34" charset="-120"/>
+            </a:endParaRPr>
           </a:p>
         </p:txBody>
       </p:sp>
@@ -4027,68 +3123,113 @@
               <a:buNone/>
             </a:pPr>
             <a:r>
-              <a:rPr lang="zh-TW" altLang="en-US" sz="5400" dirty="0"/>
+              <a:rPr lang="zh-TW" altLang="en-US" sz="4800" b="1" dirty="0">
+                <a:latin typeface="Microsoft JhengHei" pitchFamily="34" charset="-120"/>
+                <a:ea typeface="Microsoft JhengHei" pitchFamily="34" charset="-120"/>
+              </a:rPr>
               <a:t>不需把心意</a:t>
             </a:r>
             <a:r>
-              <a:rPr lang="zh-TW" altLang="en-US" sz="5400" dirty="0" smtClean="0"/>
+              <a:rPr lang="zh-TW" altLang="en-US" sz="4800" b="1" dirty="0" smtClean="0">
+                <a:latin typeface="Microsoft JhengHei" pitchFamily="34" charset="-120"/>
+                <a:ea typeface="Microsoft JhengHei" pitchFamily="34" charset="-120"/>
+              </a:rPr>
               <a:t>假裝</a:t>
             </a:r>
-            <a:endParaRPr lang="en-US" altLang="zh-TW" sz="5400" dirty="0" smtClean="0"/>
+            <a:endParaRPr lang="en-US" altLang="zh-TW" sz="4800" b="1" dirty="0" smtClean="0">
+              <a:latin typeface="Microsoft JhengHei" pitchFamily="34" charset="-120"/>
+              <a:ea typeface="Microsoft JhengHei" pitchFamily="34" charset="-120"/>
+            </a:endParaRPr>
           </a:p>
           <a:p>
             <a:pPr algn="ctr">
               <a:buNone/>
             </a:pPr>
             <a:r>
-              <a:rPr lang="zh-TW" altLang="en-US" sz="5400" dirty="0" smtClean="0"/>
+              <a:rPr lang="zh-TW" altLang="en-US" sz="4800" b="1" dirty="0" smtClean="0">
+                <a:latin typeface="Microsoft JhengHei" pitchFamily="34" charset="-120"/>
+                <a:ea typeface="Microsoft JhengHei" pitchFamily="34" charset="-120"/>
+              </a:rPr>
               <a:t>不</a:t>
             </a:r>
             <a:r>
-              <a:rPr lang="zh-TW" altLang="en-US" sz="5400" dirty="0"/>
+              <a:rPr lang="zh-TW" altLang="en-US" sz="4800" b="1" dirty="0">
+                <a:latin typeface="Microsoft JhengHei" pitchFamily="34" charset="-120"/>
+                <a:ea typeface="Microsoft JhengHei" pitchFamily="34" charset="-120"/>
+              </a:rPr>
               <a:t>需擔起百斤</a:t>
             </a:r>
             <a:r>
-              <a:rPr lang="zh-TW" altLang="en-US" sz="5400" dirty="0" smtClean="0"/>
+              <a:rPr lang="zh-TW" altLang="en-US" sz="4800" b="1" dirty="0" smtClean="0">
+                <a:latin typeface="Microsoft JhengHei" pitchFamily="34" charset="-120"/>
+                <a:ea typeface="Microsoft JhengHei" pitchFamily="34" charset="-120"/>
+              </a:rPr>
               <a:t>重</a:t>
             </a:r>
-            <a:endParaRPr lang="en-US" altLang="zh-TW" sz="5400" dirty="0" smtClean="0"/>
+            <a:endParaRPr lang="en-US" altLang="zh-TW" sz="4800" b="1" dirty="0" smtClean="0">
+              <a:latin typeface="Microsoft JhengHei" pitchFamily="34" charset="-120"/>
+              <a:ea typeface="Microsoft JhengHei" pitchFamily="34" charset="-120"/>
+            </a:endParaRPr>
           </a:p>
           <a:p>
             <a:pPr algn="ctr">
               <a:buNone/>
             </a:pPr>
             <a:r>
-              <a:rPr lang="zh-TW" altLang="en-US" sz="5400" dirty="0" smtClean="0"/>
+              <a:rPr lang="zh-TW" altLang="en-US" sz="4800" b="1" dirty="0" smtClean="0">
+                <a:latin typeface="Microsoft JhengHei" pitchFamily="34" charset="-120"/>
+                <a:ea typeface="Microsoft JhengHei" pitchFamily="34" charset="-120"/>
+              </a:rPr>
               <a:t>不</a:t>
             </a:r>
             <a:r>
-              <a:rPr lang="zh-TW" altLang="en-US" sz="5400" dirty="0"/>
+              <a:rPr lang="zh-TW" altLang="en-US" sz="4800" b="1" dirty="0">
+                <a:latin typeface="Microsoft JhengHei" pitchFamily="34" charset="-120"/>
+                <a:ea typeface="Microsoft JhengHei" pitchFamily="34" charset="-120"/>
+              </a:rPr>
               <a:t>需佯裝心花放臉</a:t>
             </a:r>
             <a:r>
-              <a:rPr lang="zh-TW" altLang="en-US" sz="5400" dirty="0" smtClean="0"/>
+              <a:rPr lang="zh-TW" altLang="en-US" sz="4800" b="1" dirty="0" smtClean="0">
+                <a:latin typeface="Microsoft JhengHei" pitchFamily="34" charset="-120"/>
+                <a:ea typeface="Microsoft JhengHei" pitchFamily="34" charset="-120"/>
+              </a:rPr>
               <a:t>容</a:t>
             </a:r>
-            <a:endParaRPr lang="en-US" altLang="zh-TW" sz="5400" dirty="0" smtClean="0"/>
+            <a:endParaRPr lang="en-US" altLang="zh-TW" sz="4800" b="1" dirty="0" smtClean="0">
+              <a:latin typeface="Microsoft JhengHei" pitchFamily="34" charset="-120"/>
+              <a:ea typeface="Microsoft JhengHei" pitchFamily="34" charset="-120"/>
+            </a:endParaRPr>
           </a:p>
           <a:p>
             <a:pPr algn="ctr">
               <a:buNone/>
             </a:pPr>
             <a:r>
-              <a:rPr lang="zh-TW" altLang="en-US" sz="5400" dirty="0" smtClean="0"/>
+              <a:rPr lang="zh-TW" altLang="en-US" sz="4800" b="1" dirty="0" smtClean="0">
+                <a:latin typeface="Microsoft JhengHei" pitchFamily="34" charset="-120"/>
+                <a:ea typeface="Microsoft JhengHei" pitchFamily="34" charset="-120"/>
+              </a:rPr>
               <a:t>原來</a:t>
             </a:r>
             <a:r>
-              <a:rPr lang="zh-TW" altLang="en-US" sz="5400" dirty="0"/>
+              <a:rPr lang="zh-TW" altLang="en-US" sz="4800" b="1" dirty="0">
+                <a:latin typeface="Microsoft JhengHei" pitchFamily="34" charset="-120"/>
+                <a:ea typeface="Microsoft JhengHei" pitchFamily="34" charset="-120"/>
+              </a:rPr>
               <a:t>心極</a:t>
             </a:r>
             <a:r>
-              <a:rPr lang="zh-TW" altLang="en-US" sz="5400" dirty="0" smtClean="0"/>
+              <a:rPr lang="zh-TW" altLang="en-US" sz="4800" b="1" dirty="0" smtClean="0">
+                <a:latin typeface="Microsoft JhengHei" pitchFamily="34" charset="-120"/>
+                <a:ea typeface="Microsoft JhengHei" pitchFamily="34" charset="-120"/>
+              </a:rPr>
               <a:t>痛</a:t>
             </a:r>
-            <a:endParaRPr lang="en-US" altLang="zh-TW" sz="5400" dirty="0" smtClean="0"/>
+            <a:endParaRPr lang="en-US" altLang="zh-TW" sz="4800" b="1" dirty="0" smtClean="0">
+              <a:latin typeface="Microsoft JhengHei" pitchFamily="34" charset="-120"/>
+              <a:ea typeface="Microsoft JhengHei" pitchFamily="34" charset="-120"/>
+            </a:endParaRPr>
           </a:p>
         </p:txBody>
       </p:sp>
@@ -4136,13 +3277,22 @@
         </p:nvSpPr>
         <p:spPr/>
         <p:txBody>
-          <a:bodyPr/>
-          <a:lstStyle/>
-          <a:p>
-            <a:r>
-              <a:rPr lang="zh-TW" altLang="en-US" dirty="0"/>
-              <a:t>抱 擁</a:t>
-            </a:r>
+          <a:bodyPr>
+            <a:normAutofit/>
+          </a:bodyPr>
+          <a:lstStyle/>
+          <a:p>
+            <a:r>
+              <a:rPr lang="zh-TW" altLang="en-US" sz="4000" b="1" dirty="0" smtClean="0">
+                <a:latin typeface="Microsoft JhengHei" pitchFamily="34" charset="-120"/>
+                <a:ea typeface="Microsoft JhengHei" pitchFamily="34" charset="-120"/>
+              </a:rPr>
+              <a:t>抱擁</a:t>
+            </a:r>
+            <a:endParaRPr lang="zh-TW" altLang="en-US" sz="4000" b="1" dirty="0">
+              <a:latin typeface="Microsoft JhengHei" pitchFamily="34" charset="-120"/>
+              <a:ea typeface="Microsoft JhengHei" pitchFamily="34" charset="-120"/>
+            </a:endParaRPr>
           </a:p>
         </p:txBody>
       </p:sp>
@@ -4167,46 +3317,76 @@
               <a:buNone/>
             </a:pPr>
             <a:r>
-              <a:rPr lang="zh-TW" altLang="en-US" sz="5400" dirty="0"/>
+              <a:rPr lang="zh-TW" altLang="en-US" sz="4800" b="1" dirty="0">
+                <a:latin typeface="Microsoft JhengHei" pitchFamily="34" charset="-120"/>
+                <a:ea typeface="Microsoft JhengHei" pitchFamily="34" charset="-120"/>
+              </a:rPr>
               <a:t>不需癡癡的去</a:t>
             </a:r>
             <a:r>
-              <a:rPr lang="zh-TW" altLang="en-US" sz="5400" dirty="0" smtClean="0"/>
+              <a:rPr lang="zh-TW" altLang="en-US" sz="4800" b="1" dirty="0">
+                <a:latin typeface="Microsoft JhengHei" pitchFamily="34" charset="-120"/>
+                <a:ea typeface="Microsoft JhengHei" pitchFamily="34" charset="-120"/>
+              </a:rPr>
               <a:t>等</a:t>
             </a:r>
-            <a:endParaRPr lang="en-US" altLang="zh-TW" sz="5400" dirty="0" smtClean="0"/>
+            <a:endParaRPr lang="en-US" altLang="zh-TW" sz="4800" b="1" dirty="0">
+              <a:latin typeface="Microsoft JhengHei" pitchFamily="34" charset="-120"/>
+              <a:ea typeface="Microsoft JhengHei" pitchFamily="34" charset="-120"/>
+            </a:endParaRPr>
           </a:p>
           <a:p>
             <a:pPr algn="ctr">
               <a:buNone/>
             </a:pPr>
             <a:r>
-              <a:rPr lang="zh-TW" altLang="en-US" sz="5400" dirty="0" smtClean="0"/>
+              <a:rPr lang="zh-TW" altLang="en-US" sz="4800" b="1" dirty="0">
+                <a:latin typeface="Microsoft JhengHei" pitchFamily="34" charset="-120"/>
+                <a:ea typeface="Microsoft JhengHei" pitchFamily="34" charset="-120"/>
+              </a:rPr>
               <a:t>不</a:t>
             </a:r>
             <a:r>
-              <a:rPr lang="zh-TW" altLang="en-US" sz="5400" dirty="0"/>
+              <a:rPr lang="zh-TW" altLang="en-US" sz="4800" b="1" dirty="0">
+                <a:latin typeface="Microsoft JhengHei" pitchFamily="34" charset="-120"/>
+                <a:ea typeface="Microsoft JhengHei" pitchFamily="34" charset="-120"/>
+              </a:rPr>
               <a:t>需慨嘆夢中</a:t>
             </a:r>
             <a:r>
-              <a:rPr lang="zh-TW" altLang="en-US" sz="5400" dirty="0" smtClean="0"/>
+              <a:rPr lang="zh-TW" altLang="en-US" sz="4800" b="1" dirty="0">
+                <a:latin typeface="Microsoft JhengHei" pitchFamily="34" charset="-120"/>
+                <a:ea typeface="Microsoft JhengHei" pitchFamily="34" charset="-120"/>
+              </a:rPr>
               <a:t>尋</a:t>
             </a:r>
-            <a:endParaRPr lang="en-US" altLang="zh-TW" sz="5400" dirty="0" smtClean="0"/>
+            <a:endParaRPr lang="en-US" altLang="zh-TW" sz="4800" b="1" dirty="0">
+              <a:latin typeface="Microsoft JhengHei" pitchFamily="34" charset="-120"/>
+              <a:ea typeface="Microsoft JhengHei" pitchFamily="34" charset="-120"/>
+            </a:endParaRPr>
           </a:p>
           <a:p>
             <a:pPr algn="ctr">
               <a:buNone/>
             </a:pPr>
             <a:r>
-              <a:rPr lang="zh-TW" altLang="en-US" sz="5400" dirty="0" smtClean="0"/>
+              <a:rPr lang="zh-TW" altLang="en-US" sz="4800" b="1" dirty="0">
+                <a:latin typeface="Microsoft JhengHei" pitchFamily="34" charset="-120"/>
+                <a:ea typeface="Microsoft JhengHei" pitchFamily="34" charset="-120"/>
+              </a:rPr>
               <a:t>只要</a:t>
             </a:r>
             <a:r>
-              <a:rPr lang="zh-TW" altLang="en-US" sz="5400" dirty="0"/>
+              <a:rPr lang="zh-TW" altLang="en-US" sz="4800" b="1" dirty="0">
+                <a:latin typeface="Microsoft JhengHei" pitchFamily="34" charset="-120"/>
+                <a:ea typeface="Microsoft JhengHei" pitchFamily="34" charset="-120"/>
+              </a:rPr>
               <a:t>伸手觸碰奇妙便發生</a:t>
             </a:r>
-            <a:endParaRPr lang="en-US" altLang="zh-TW" sz="5400" dirty="0" smtClean="0"/>
+            <a:endParaRPr lang="en-US" altLang="zh-TW" sz="4800" b="1" dirty="0">
+              <a:latin typeface="Microsoft JhengHei" pitchFamily="34" charset="-120"/>
+              <a:ea typeface="Microsoft JhengHei" pitchFamily="34" charset="-120"/>
+            </a:endParaRPr>
           </a:p>
         </p:txBody>
       </p:sp>
@@ -4254,13 +3434,22 @@
         </p:nvSpPr>
         <p:spPr/>
         <p:txBody>
-          <a:bodyPr/>
-          <a:lstStyle/>
-          <a:p>
-            <a:r>
-              <a:rPr lang="zh-TW" altLang="en-US" dirty="0"/>
-              <a:t>抱 擁</a:t>
-            </a:r>
+          <a:bodyPr>
+            <a:normAutofit/>
+          </a:bodyPr>
+          <a:lstStyle/>
+          <a:p>
+            <a:r>
+              <a:rPr lang="zh-TW" altLang="en-US" sz="4000" b="1" dirty="0" smtClean="0">
+                <a:latin typeface="Microsoft JhengHei" pitchFamily="34" charset="-120"/>
+                <a:ea typeface="Microsoft JhengHei" pitchFamily="34" charset="-120"/>
+              </a:rPr>
+              <a:t>抱擁</a:t>
+            </a:r>
+            <a:endParaRPr lang="zh-TW" altLang="en-US" sz="4000" b="1" dirty="0">
+              <a:latin typeface="Microsoft JhengHei" pitchFamily="34" charset="-120"/>
+              <a:ea typeface="Microsoft JhengHei" pitchFamily="34" charset="-120"/>
+            </a:endParaRPr>
           </a:p>
         </p:txBody>
       </p:sp>
@@ -4285,72 +3474,120 @@
               <a:buNone/>
             </a:pPr>
             <a:r>
-              <a:rPr lang="zh-TW" altLang="en-US" sz="5400" dirty="0"/>
+              <a:rPr lang="zh-TW" altLang="en-US" sz="4800" b="1" dirty="0">
+                <a:latin typeface="Microsoft JhengHei" pitchFamily="34" charset="-120"/>
+                <a:ea typeface="Microsoft JhengHei" pitchFamily="34" charset="-120"/>
+              </a:rPr>
               <a:t>何等</a:t>
             </a:r>
             <a:r>
-              <a:rPr lang="zh-TW" altLang="en-US" sz="5400" dirty="0" smtClean="0"/>
+              <a:rPr lang="zh-TW" altLang="en-US" sz="4800" b="1" dirty="0">
+                <a:latin typeface="Microsoft JhengHei" pitchFamily="34" charset="-120"/>
+                <a:ea typeface="Microsoft JhengHei" pitchFamily="34" charset="-120"/>
+              </a:rPr>
               <a:t>滿足  只</a:t>
             </a:r>
             <a:r>
-              <a:rPr lang="zh-TW" altLang="en-US" sz="5400" dirty="0"/>
+              <a:rPr lang="zh-TW" altLang="en-US" sz="4800" b="1" dirty="0">
+                <a:latin typeface="Microsoft JhengHei" pitchFamily="34" charset="-120"/>
+                <a:ea typeface="Microsoft JhengHei" pitchFamily="34" charset="-120"/>
+              </a:rPr>
               <a:t>一抱</a:t>
             </a:r>
             <a:r>
-              <a:rPr lang="zh-TW" altLang="en-US" sz="5400" dirty="0" smtClean="0"/>
+              <a:rPr lang="zh-TW" altLang="en-US" sz="4800" b="1" dirty="0">
+                <a:latin typeface="Microsoft JhengHei" pitchFamily="34" charset="-120"/>
+                <a:ea typeface="Microsoft JhengHei" pitchFamily="34" charset="-120"/>
+              </a:rPr>
               <a:t>擁</a:t>
             </a:r>
-            <a:endParaRPr lang="en-US" altLang="zh-TW" sz="5400" dirty="0" smtClean="0"/>
+            <a:endParaRPr lang="en-US" altLang="zh-TW" sz="4800" b="1" dirty="0">
+              <a:latin typeface="Microsoft JhengHei" pitchFamily="34" charset="-120"/>
+              <a:ea typeface="Microsoft JhengHei" pitchFamily="34" charset="-120"/>
+            </a:endParaRPr>
           </a:p>
           <a:p>
             <a:pPr algn="ctr">
               <a:buNone/>
             </a:pPr>
             <a:r>
-              <a:rPr lang="zh-TW" altLang="en-US" sz="5400" dirty="0" smtClean="0"/>
+              <a:rPr lang="zh-TW" altLang="en-US" sz="4800" b="1" dirty="0">
+                <a:latin typeface="Microsoft JhengHei" pitchFamily="34" charset="-120"/>
+                <a:ea typeface="Microsoft JhengHei" pitchFamily="34" charset="-120"/>
+              </a:rPr>
               <a:t>不再</a:t>
             </a:r>
             <a:r>
-              <a:rPr lang="zh-TW" altLang="en-US" sz="5400" dirty="0"/>
+              <a:rPr lang="zh-TW" altLang="en-US" sz="4800" b="1" dirty="0">
+                <a:latin typeface="Microsoft JhengHei" pitchFamily="34" charset="-120"/>
+                <a:ea typeface="Microsoft JhengHei" pitchFamily="34" charset="-120"/>
+              </a:rPr>
               <a:t>像手執空氣每次</a:t>
             </a:r>
             <a:r>
-              <a:rPr lang="zh-TW" altLang="en-US" sz="5400" dirty="0" smtClean="0"/>
+              <a:rPr lang="zh-TW" altLang="en-US" sz="4800" b="1" dirty="0">
+                <a:latin typeface="Microsoft JhengHei" pitchFamily="34" charset="-120"/>
+                <a:ea typeface="Microsoft JhengHei" pitchFamily="34" charset="-120"/>
+              </a:rPr>
               <a:t>撲空</a:t>
             </a:r>
-            <a:endParaRPr lang="en-US" altLang="zh-TW" sz="5400" dirty="0" smtClean="0"/>
+            <a:endParaRPr lang="en-US" altLang="zh-TW" sz="4800" b="1" dirty="0">
+              <a:latin typeface="Microsoft JhengHei" pitchFamily="34" charset="-120"/>
+              <a:ea typeface="Microsoft JhengHei" pitchFamily="34" charset="-120"/>
+            </a:endParaRPr>
           </a:p>
           <a:p>
             <a:pPr algn="ctr">
               <a:buNone/>
             </a:pPr>
             <a:r>
-              <a:rPr lang="zh-TW" altLang="en-US" sz="5400" dirty="0" smtClean="0"/>
+              <a:rPr lang="zh-TW" altLang="en-US" sz="4800" b="1" dirty="0">
+                <a:latin typeface="Microsoft JhengHei" pitchFamily="34" charset="-120"/>
+                <a:ea typeface="Microsoft JhengHei" pitchFamily="34" charset="-120"/>
+              </a:rPr>
               <a:t>毋</a:t>
             </a:r>
             <a:r>
-              <a:rPr lang="zh-TW" altLang="en-US" sz="5400" dirty="0"/>
+              <a:rPr lang="zh-TW" altLang="en-US" sz="4800" b="1" dirty="0">
+                <a:latin typeface="Microsoft JhengHei" pitchFamily="34" charset="-120"/>
+                <a:ea typeface="Microsoft JhengHei" pitchFamily="34" charset="-120"/>
+              </a:rPr>
               <a:t>用每天每秒心事</a:t>
             </a:r>
             <a:r>
-              <a:rPr lang="zh-TW" altLang="en-US" sz="5400" dirty="0" smtClean="0"/>
+              <a:rPr lang="zh-TW" altLang="en-US" sz="4800" b="1" dirty="0">
+                <a:latin typeface="Microsoft JhengHei" pitchFamily="34" charset="-120"/>
+                <a:ea typeface="Microsoft JhengHei" pitchFamily="34" charset="-120"/>
+              </a:rPr>
               <a:t>沉重</a:t>
             </a:r>
-            <a:endParaRPr lang="en-US" altLang="zh-TW" sz="5400" dirty="0" smtClean="0"/>
+            <a:endParaRPr lang="en-US" altLang="zh-TW" sz="4800" b="1" dirty="0">
+              <a:latin typeface="Microsoft JhengHei" pitchFamily="34" charset="-120"/>
+              <a:ea typeface="Microsoft JhengHei" pitchFamily="34" charset="-120"/>
+            </a:endParaRPr>
           </a:p>
           <a:p>
             <a:pPr algn="ctr">
               <a:buNone/>
             </a:pPr>
             <a:r>
-              <a:rPr lang="zh-TW" altLang="en-US" sz="5400" dirty="0" smtClean="0"/>
+              <a:rPr lang="zh-TW" altLang="en-US" sz="4800" b="1" dirty="0">
+                <a:latin typeface="Microsoft JhengHei" pitchFamily="34" charset="-120"/>
+                <a:ea typeface="Microsoft JhengHei" pitchFamily="34" charset="-120"/>
+              </a:rPr>
               <a:t>兜</a:t>
             </a:r>
             <a:r>
-              <a:rPr lang="zh-TW" altLang="en-US" sz="5400" dirty="0"/>
+              <a:rPr lang="zh-TW" altLang="en-US" sz="4800" b="1" dirty="0">
+                <a:latin typeface="Microsoft JhengHei" pitchFamily="34" charset="-120"/>
+                <a:ea typeface="Microsoft JhengHei" pitchFamily="34" charset="-120"/>
+              </a:rPr>
               <a:t>轉半生心釋放因這抱擁</a:t>
             </a:r>
-            <a:endParaRPr lang="en-US" altLang="zh-TW" sz="5400" dirty="0" smtClean="0"/>
+            <a:endParaRPr lang="en-US" altLang="zh-TW" sz="4800" b="1" dirty="0">
+              <a:latin typeface="Microsoft JhengHei" pitchFamily="34" charset="-120"/>
+              <a:ea typeface="Microsoft JhengHei" pitchFamily="34" charset="-120"/>
+            </a:endParaRPr>
           </a:p>
         </p:txBody>
       </p:sp>
@@ -4398,13 +3635,22 @@
         </p:nvSpPr>
         <p:spPr/>
         <p:txBody>
-          <a:bodyPr/>
-          <a:lstStyle/>
-          <a:p>
-            <a:r>
-              <a:rPr lang="zh-TW" altLang="en-US" dirty="0"/>
-              <a:t>抱 擁</a:t>
-            </a:r>
+          <a:bodyPr>
+            <a:normAutofit/>
+          </a:bodyPr>
+          <a:lstStyle/>
+          <a:p>
+            <a:r>
+              <a:rPr lang="zh-TW" altLang="en-US" sz="4000" b="1" dirty="0" smtClean="0">
+                <a:latin typeface="Microsoft JhengHei" pitchFamily="34" charset="-120"/>
+                <a:ea typeface="Microsoft JhengHei" pitchFamily="34" charset="-120"/>
+              </a:rPr>
+              <a:t>抱擁</a:t>
+            </a:r>
+            <a:endParaRPr lang="zh-TW" altLang="en-US" sz="4000" b="1" dirty="0">
+              <a:latin typeface="Microsoft JhengHei" pitchFamily="34" charset="-120"/>
+              <a:ea typeface="Microsoft JhengHei" pitchFamily="34" charset="-120"/>
+            </a:endParaRPr>
           </a:p>
         </p:txBody>
       </p:sp>
@@ -4429,49 +3675,73 @@
               <a:buNone/>
             </a:pPr>
             <a:r>
-              <a:rPr lang="zh-TW" altLang="en-US" sz="5400" dirty="0"/>
+              <a:rPr lang="zh-TW" altLang="en-US" sz="4800" b="1" dirty="0">
+                <a:latin typeface="Microsoft JhengHei" pitchFamily="34" charset="-120"/>
+                <a:ea typeface="Microsoft JhengHei" pitchFamily="34" charset="-120"/>
+              </a:rPr>
               <a:t>神極</a:t>
             </a:r>
             <a:r>
-              <a:rPr lang="zh-TW" altLang="en-US" sz="5400" dirty="0" smtClean="0"/>
+              <a:rPr lang="zh-TW" altLang="en-US" sz="4800" b="1" dirty="0">
+                <a:latin typeface="Microsoft JhengHei" pitchFamily="34" charset="-120"/>
+                <a:ea typeface="Microsoft JhengHei" pitchFamily="34" charset="-120"/>
+              </a:rPr>
               <a:t>渴想  擁</a:t>
             </a:r>
             <a:r>
-              <a:rPr lang="zh-TW" altLang="en-US" sz="5400" dirty="0"/>
+              <a:rPr lang="zh-TW" altLang="en-US" sz="4800" b="1" dirty="0">
+                <a:latin typeface="Microsoft JhengHei" pitchFamily="34" charset="-120"/>
+                <a:ea typeface="Microsoft JhengHei" pitchFamily="34" charset="-120"/>
+              </a:rPr>
               <a:t>你入</a:t>
             </a:r>
             <a:r>
-              <a:rPr lang="zh-TW" altLang="en-US" sz="5400" dirty="0" smtClean="0"/>
+              <a:rPr lang="zh-TW" altLang="en-US" sz="4800" b="1" dirty="0">
+                <a:latin typeface="Microsoft JhengHei" pitchFamily="34" charset="-120"/>
+                <a:ea typeface="Microsoft JhengHei" pitchFamily="34" charset="-120"/>
+              </a:rPr>
               <a:t>懷</a:t>
             </a:r>
-            <a:endParaRPr lang="en-US" altLang="zh-TW" sz="5400" dirty="0" smtClean="0"/>
+            <a:endParaRPr lang="en-US" altLang="zh-TW" sz="4800" b="1" dirty="0">
+              <a:latin typeface="Microsoft JhengHei" pitchFamily="34" charset="-120"/>
+              <a:ea typeface="Microsoft JhengHei" pitchFamily="34" charset="-120"/>
+            </a:endParaRPr>
           </a:p>
           <a:p>
             <a:pPr algn="ctr">
               <a:buNone/>
             </a:pPr>
             <a:r>
-              <a:rPr lang="zh-TW" altLang="en-US" sz="5400" dirty="0" smtClean="0"/>
+              <a:rPr lang="zh-TW" altLang="en-US" sz="4800" b="1" dirty="0">
+                <a:latin typeface="Microsoft JhengHei" pitchFamily="34" charset="-120"/>
+                <a:ea typeface="Microsoft JhengHei" pitchFamily="34" charset="-120"/>
+              </a:rPr>
               <a:t>來</a:t>
             </a:r>
             <a:r>
-              <a:rPr lang="zh-TW" altLang="en-US" sz="5400" dirty="0"/>
+              <a:rPr lang="zh-TW" altLang="en-US" sz="4800" b="1" dirty="0">
+                <a:latin typeface="Microsoft JhengHei" pitchFamily="34" charset="-120"/>
+                <a:ea typeface="Microsoft JhengHei" pitchFamily="34" charset="-120"/>
+              </a:rPr>
               <a:t>讓你得安息不再</a:t>
             </a:r>
             <a:r>
-              <a:rPr lang="zh-TW" altLang="en-US" sz="5400" dirty="0" smtClean="0"/>
+              <a:rPr lang="zh-TW" altLang="en-US" sz="4800" b="1" dirty="0">
+                <a:latin typeface="Microsoft JhengHei" pitchFamily="34" charset="-120"/>
+                <a:ea typeface="Microsoft JhengHei" pitchFamily="34" charset="-120"/>
+              </a:rPr>
               <a:t>負</a:t>
             </a:r>
             <a:r>
-              <a:rPr lang="zh-CN" altLang="en-US" sz="5400" dirty="0" smtClean="0">
-                <a:latin typeface="新細明體" pitchFamily="18" charset="-120"/>
-                <a:ea typeface="新細明體" pitchFamily="18" charset="-120"/>
+              <a:rPr lang="zh-CN" altLang="en-US" sz="4800" b="1" dirty="0">
+                <a:latin typeface="Microsoft JhengHei" pitchFamily="34" charset="-120"/>
+                <a:ea typeface="Microsoft JhengHei" pitchFamily="34" charset="-120"/>
               </a:rPr>
               <a:t>債</a:t>
             </a:r>
-            <a:endParaRPr lang="en-US" altLang="zh-TW" sz="5400" dirty="0" smtClean="0">
-              <a:latin typeface="新細明體" pitchFamily="18" charset="-120"/>
-              <a:ea typeface="新細明體" pitchFamily="18" charset="-120"/>
+            <a:endParaRPr lang="en-US" altLang="zh-TW" sz="4800" b="1" dirty="0">
+              <a:latin typeface="Microsoft JhengHei" pitchFamily="34" charset="-120"/>
+              <a:ea typeface="Microsoft JhengHei" pitchFamily="34" charset="-120"/>
             </a:endParaRPr>
           </a:p>
           <a:p>
@@ -4479,32 +3749,53 @@
               <a:buNone/>
             </a:pPr>
             <a:r>
-              <a:rPr lang="zh-TW" altLang="en-US" sz="5400" dirty="0" smtClean="0"/>
+              <a:rPr lang="zh-TW" altLang="en-US" sz="4800" b="1" dirty="0">
+                <a:latin typeface="Microsoft JhengHei" pitchFamily="34" charset="-120"/>
+                <a:ea typeface="Microsoft JhengHei" pitchFamily="34" charset="-120"/>
+              </a:rPr>
               <a:t>人心</a:t>
             </a:r>
             <a:r>
-              <a:rPr lang="zh-TW" altLang="en-US" sz="5400" dirty="0"/>
+              <a:rPr lang="zh-TW" altLang="en-US" sz="4800" b="1" dirty="0">
+                <a:latin typeface="Microsoft JhengHei" pitchFamily="34" charset="-120"/>
+                <a:ea typeface="Microsoft JhengHei" pitchFamily="34" charset="-120"/>
+              </a:rPr>
               <a:t>輕</a:t>
             </a:r>
             <a:r>
-              <a:rPr lang="zh-TW" altLang="en-US" sz="5400" dirty="0" smtClean="0"/>
+              <a:rPr lang="zh-TW" altLang="en-US" sz="4800" b="1" dirty="0">
+                <a:latin typeface="Microsoft JhengHei" pitchFamily="34" charset="-120"/>
+                <a:ea typeface="Microsoft JhengHei" pitchFamily="34" charset="-120"/>
+              </a:rPr>
               <a:t>省  天際翱翔</a:t>
             </a:r>
-            <a:endParaRPr lang="en-US" altLang="zh-TW" sz="5400" dirty="0" smtClean="0"/>
+            <a:endParaRPr lang="en-US" altLang="zh-TW" sz="4800" b="1" dirty="0">
+              <a:latin typeface="Microsoft JhengHei" pitchFamily="34" charset="-120"/>
+              <a:ea typeface="Microsoft JhengHei" pitchFamily="34" charset="-120"/>
+            </a:endParaRPr>
           </a:p>
           <a:p>
             <a:pPr algn="ctr">
               <a:buNone/>
             </a:pPr>
             <a:r>
-              <a:rPr lang="zh-TW" altLang="en-US" sz="5400" dirty="0" smtClean="0"/>
+              <a:rPr lang="zh-TW" altLang="en-US" sz="4800" b="1" dirty="0">
+                <a:latin typeface="Microsoft JhengHei" pitchFamily="34" charset="-120"/>
+                <a:ea typeface="Microsoft JhengHei" pitchFamily="34" charset="-120"/>
+              </a:rPr>
               <a:t>前面</a:t>
             </a:r>
             <a:r>
-              <a:rPr lang="zh-TW" altLang="en-US" sz="5400" dirty="0"/>
+              <a:rPr lang="zh-TW" altLang="en-US" sz="4800" b="1" dirty="0">
+                <a:latin typeface="Microsoft JhengHei" pitchFamily="34" charset="-120"/>
+                <a:ea typeface="Microsoft JhengHei" pitchFamily="34" charset="-120"/>
+              </a:rPr>
               <a:t>再翻起風雪也不驚怕</a:t>
             </a:r>
-            <a:endParaRPr lang="en-US" altLang="zh-TW" sz="5400" dirty="0" smtClean="0"/>
+            <a:endParaRPr lang="en-US" altLang="zh-TW" sz="4800" b="1" dirty="0">
+              <a:latin typeface="Microsoft JhengHei" pitchFamily="34" charset="-120"/>
+              <a:ea typeface="Microsoft JhengHei" pitchFamily="34" charset="-120"/>
+            </a:endParaRPr>
           </a:p>
         </p:txBody>
       </p:sp>
@@ -4524,9 +3815,9 @@
 </file>
 
 <file path=ppt/theme/theme1.xml><?xml version="1.0" encoding="utf-8"?>
-<a:theme xmlns:a="http://schemas.openxmlformats.org/drawingml/2006/main" name="佈景主題9">
+<a:theme xmlns:a="http://schemas.openxmlformats.org/drawingml/2006/main" name="Church Theme">
   <a:themeElements>
-    <a:clrScheme name="Deluxe">
+    <a:clrScheme name="Office">
       <a:dk1>
         <a:sysClr val="windowText" lastClr="000000"/>
       </a:dk1>
@@ -4534,52 +3825,52 @@
         <a:sysClr val="window" lastClr="FFFFFF"/>
       </a:lt1>
       <a:dk2>
-        <a:srgbClr val="30356E"/>
+        <a:srgbClr val="1F497D"/>
       </a:dk2>
       <a:lt2>
-        <a:srgbClr val="FFF9E5"/>
+        <a:srgbClr val="EEECE1"/>
       </a:lt2>
       <a:accent1>
-        <a:srgbClr val="CC4757"/>
+        <a:srgbClr val="4F81BD"/>
       </a:accent1>
       <a:accent2>
-        <a:srgbClr val="FF6F61"/>
+        <a:srgbClr val="C0504D"/>
       </a:accent2>
       <a:accent3>
-        <a:srgbClr val="FF953E"/>
+        <a:srgbClr val="9BBB59"/>
       </a:accent3>
       <a:accent4>
-        <a:srgbClr val="F8BD52"/>
+        <a:srgbClr val="8064A2"/>
       </a:accent4>
       <a:accent5>
-        <a:srgbClr val="46A6BD"/>
+        <a:srgbClr val="4BACC6"/>
       </a:accent5>
       <a:accent6>
-        <a:srgbClr val="5488BC"/>
+        <a:srgbClr val="F79646"/>
       </a:accent6>
       <a:hlink>
-        <a:srgbClr val="FA7D7A"/>
+        <a:srgbClr val="0000FF"/>
       </a:hlink>
       <a:folHlink>
-        <a:srgbClr val="FFCF3E"/>
+        <a:srgbClr val="800080"/>
       </a:folHlink>
     </a:clrScheme>
-    <a:fontScheme name="Deluxe">
+    <a:fontScheme name="Office">
       <a:majorFont>
-        <a:latin typeface="Corbel"/>
+        <a:latin typeface="Calibri"/>
         <a:ea typeface=""/>
         <a:cs typeface=""/>
-        <a:font script="Jpan" typeface="HGｺﾞｼｯｸM"/>
-        <a:font script="Hang" typeface="HY엽서L"/>
-        <a:font script="Hans" typeface="华文新魏"/>
+        <a:font script="Jpan" typeface="ＭＳ Ｐゴシック"/>
+        <a:font script="Hang" typeface="맑은 고딕"/>
+        <a:font script="Hans" typeface="宋体"/>
         <a:font script="Hant" typeface="新細明體"/>
-        <a:font script="Arab" typeface="Tahoma"/>
-        <a:font script="Hebr" typeface="Miriam"/>
-        <a:font script="Thai" typeface="DilleniaUPC"/>
+        <a:font script="Arab" typeface="Times New Roman"/>
+        <a:font script="Hebr" typeface="Times New Roman"/>
+        <a:font script="Thai" typeface="Angsana New"/>
         <a:font script="Ethi" typeface="Nyala"/>
         <a:font script="Beng" typeface="Vrinda"/>
         <a:font script="Gujr" typeface="Shruti"/>
-        <a:font script="Khmr" typeface="DaunPenh"/>
+        <a:font script="Khmr" typeface="MoolBoran"/>
         <a:font script="Knda" typeface="Tunga"/>
         <a:font script="Guru" typeface="Raavi"/>
         <a:font script="Cans" typeface="Euphemia"/>
@@ -4596,20 +3887,20 @@
         <a:font script="Laoo" typeface="DokChampa"/>
         <a:font script="Sinh" typeface="Iskoola Pota"/>
         <a:font script="Mong" typeface="Mongolian Baiti"/>
-        <a:font script="Viet" typeface="Arial"/>
+        <a:font script="Viet" typeface="Times New Roman"/>
         <a:font script="Uigh" typeface="Microsoft Uighur"/>
       </a:majorFont>
       <a:minorFont>
-        <a:latin typeface="Corbel"/>
+        <a:latin typeface="Calibri"/>
         <a:ea typeface=""/>
         <a:cs typeface=""/>
-        <a:font script="Jpan" typeface="HGｺﾞｼｯｸM"/>
-        <a:font script="Hang" typeface="HY엽서L"/>
-        <a:font script="Hans" typeface="华文新魏"/>
+        <a:font script="Jpan" typeface="ＭＳ Ｐゴシック"/>
+        <a:font script="Hang" typeface="맑은 고딕"/>
+        <a:font script="Hans" typeface="宋体"/>
         <a:font script="Hant" typeface="新細明體"/>
-        <a:font script="Arab" typeface="Tahoma"/>
-        <a:font script="Hebr" typeface="Miriam"/>
-        <a:font script="Thai" typeface="DilleniaUPC"/>
+        <a:font script="Arab" typeface="Arial"/>
+        <a:font script="Hebr" typeface="Arial"/>
+        <a:font script="Thai" typeface="Cordia New"/>
         <a:font script="Ethi" typeface="Nyala"/>
         <a:font script="Beng" typeface="Vrinda"/>
         <a:font script="Gujr" typeface="Shruti"/>
@@ -4634,7 +3925,7 @@
         <a:font script="Uigh" typeface="Microsoft Uighur"/>
       </a:minorFont>
     </a:fontScheme>
-    <a:fmtScheme name="Deluxe">
+    <a:fmtScheme name="Office">
       <a:fillStyleLst>
         <a:solidFill>
           <a:schemeClr val="phClr"/>
@@ -4643,38 +3934,20 @@
           <a:gsLst>
             <a:gs pos="0">
               <a:schemeClr val="phClr">
-                <a:tint val="20000"/>
-                <a:satMod val="280000"/>
+                <a:tint val="50000"/>
+                <a:satMod val="300000"/>
               </a:schemeClr>
             </a:gs>
-            <a:gs pos="14000">
+            <a:gs pos="35000">
               <a:schemeClr val="phClr">
                 <a:tint val="37000"/>
-                <a:satMod val="250000"/>
-              </a:schemeClr>
-            </a:gs>
-            <a:gs pos="45000">
-              <a:schemeClr val="phClr">
-                <a:tint val="53000"/>
-                <a:satMod val="220000"/>
-              </a:schemeClr>
-            </a:gs>
-            <a:gs pos="65000">
-              <a:schemeClr val="phClr">
-                <a:tint val="53000"/>
-                <a:satMod val="220000"/>
-              </a:schemeClr>
-            </a:gs>
-            <a:gs pos="86000">
-              <a:schemeClr val="phClr">
-                <a:tint val="42000"/>
-                <a:satMod val="240000"/>
+                <a:satMod val="300000"/>
               </a:schemeClr>
             </a:gs>
             <a:gs pos="100000">
               <a:schemeClr val="phClr">
-                <a:tint val="20000"/>
-                <a:satMod val="230000"/>
+                <a:tint val="15000"/>
+                <a:satMod val="350000"/>
               </a:schemeClr>
             </a:gs>
           </a:gsLst>
@@ -4684,30 +3957,32 @@
           <a:gsLst>
             <a:gs pos="0">
               <a:schemeClr val="phClr">
-                <a:shade val="75000"/>
-                <a:satMod val="160000"/>
+                <a:shade val="51000"/>
+                <a:satMod val="130000"/>
               </a:schemeClr>
             </a:gs>
-            <a:gs pos="60000">
+            <a:gs pos="80000">
               <a:schemeClr val="phClr">
-                <a:satMod val="150000"/>
+                <a:shade val="93000"/>
+                <a:satMod val="130000"/>
               </a:schemeClr>
             </a:gs>
             <a:gs pos="100000">
               <a:schemeClr val="phClr">
-                <a:tint val="75000"/>
-                <a:satMod val="200000"/>
+                <a:shade val="94000"/>
+                <a:satMod val="135000"/>
               </a:schemeClr>
             </a:gs>
           </a:gsLst>
-          <a:lin ang="16200000" scaled="1"/>
+          <a:lin ang="16200000" scaled="0"/>
         </a:gradFill>
       </a:fillStyleLst>
       <a:lnStyleLst>
         <a:ln w="9525" cap="flat" cmpd="sng" algn="ctr">
           <a:solidFill>
             <a:schemeClr val="phClr">
-              <a:satMod val="140000"/>
+              <a:shade val="95000"/>
+              <a:satMod val="105000"/>
             </a:schemeClr>
           </a:solidFill>
           <a:prstDash val="solid"/>
@@ -4718,7 +3993,7 @@
           </a:solidFill>
           <a:prstDash val="solid"/>
         </a:ln>
-        <a:ln w="31750" cap="flat" cmpd="sng" algn="ctr">
+        <a:ln w="38100" cap="flat" cmpd="sng" algn="ctr">
           <a:solidFill>
             <a:schemeClr val="phClr"/>
           </a:solidFill>
@@ -4728,53 +4003,40 @@
       <a:effectStyleLst>
         <a:effectStyle>
           <a:effectLst>
-            <a:outerShdw blurRad="50800" dist="25400" dir="5400000" rotWithShape="0">
+            <a:outerShdw blurRad="40000" dist="20000" dir="5400000" rotWithShape="0">
               <a:srgbClr val="000000">
-                <a:alpha val="43137"/>
+                <a:alpha val="38000"/>
               </a:srgbClr>
             </a:outerShdw>
           </a:effectLst>
         </a:effectStyle>
         <a:effectStyle>
           <a:effectLst>
-            <a:outerShdw blurRad="50800" dist="25400" dir="5400000" rotWithShape="0">
+            <a:outerShdw blurRad="40000" dist="23000" dir="5400000" rotWithShape="0">
               <a:srgbClr val="000000">
-                <a:alpha val="43137"/>
+                <a:alpha val="35000"/>
+              </a:srgbClr>
+            </a:outerShdw>
+          </a:effectLst>
+        </a:effectStyle>
+        <a:effectStyle>
+          <a:effectLst>
+            <a:outerShdw blurRad="40000" dist="23000" dir="5400000" rotWithShape="0">
+              <a:srgbClr val="000000">
+                <a:alpha val="35000"/>
               </a:srgbClr>
             </a:outerShdw>
           </a:effectLst>
           <a:scene3d>
-            <a:camera prst="orthographicFront" fov="0">
+            <a:camera prst="orthographicFront">
               <a:rot lat="0" lon="0" rev="0"/>
             </a:camera>
-            <a:lightRig rig="contrasting" dir="t">
-              <a:rot lat="0" lon="0" rev="16500000"/>
+            <a:lightRig rig="threePt" dir="t">
+              <a:rot lat="0" lon="0" rev="1200000"/>
             </a:lightRig>
           </a:scene3d>
-          <a:sp3d prstMaterial="powder">
-            <a:bevelT w="152400"/>
-            <a:contourClr>
-              <a:schemeClr val="phClr"/>
-            </a:contourClr>
-          </a:sp3d>
-        </a:effectStyle>
-        <a:effectStyle>
-          <a:effectLst>
-            <a:reflection blurRad="12700" stA="26000" endPos="28000" dist="38100" dir="5400000" sy="-100000"/>
-          </a:effectLst>
-          <a:scene3d>
-            <a:camera prst="orthographicFront" fov="0">
-              <a:rot lat="0" lon="0" rev="0"/>
-            </a:camera>
-            <a:lightRig rig="contrasting" dir="t">
-              <a:rot lat="0" lon="0" rev="16500000"/>
-            </a:lightRig>
-          </a:scene3d>
-          <a:sp3d prstMaterial="powder">
-            <a:bevelT w="190500" h="101600"/>
-            <a:contourClr>
-              <a:schemeClr val="phClr"/>
-            </a:contourClr>
+          <a:sp3d>
+            <a:bevelT w="63500" h="25400"/>
           </a:sp3d>
         </a:effectStyle>
       </a:effectStyleLst>
@@ -4786,50 +4048,45 @@
           <a:gsLst>
             <a:gs pos="0">
               <a:schemeClr val="phClr">
-                <a:tint val="43000"/>
-                <a:satMod val="1550000"/>
+                <a:tint val="40000"/>
+                <a:satMod val="350000"/>
               </a:schemeClr>
             </a:gs>
-            <a:gs pos="1000">
+            <a:gs pos="40000">
               <a:schemeClr val="phClr">
-                <a:tint val="48000"/>
-                <a:satMod val="1550000"/>
+                <a:tint val="45000"/>
+                <a:shade val="99000"/>
+                <a:satMod val="350000"/>
               </a:schemeClr>
             </a:gs>
-            <a:gs pos="90000">
+            <a:gs pos="100000">
               <a:schemeClr val="phClr">
-                <a:shade val="18000"/>
-                <a:satMod val="275000"/>
+                <a:shade val="20000"/>
+                <a:satMod val="255000"/>
               </a:schemeClr>
             </a:gs>
           </a:gsLst>
           <a:path path="circle">
-            <a:fillToRect r="210000" b="300000"/>
+            <a:fillToRect l="50000" t="-80000" r="50000" b="180000"/>
           </a:path>
         </a:gradFill>
         <a:gradFill rotWithShape="1">
           <a:gsLst>
-            <a:gs pos="5000">
+            <a:gs pos="0">
               <a:schemeClr val="phClr">
-                <a:tint val="38000"/>
-                <a:satMod val="1800000"/>
+                <a:tint val="80000"/>
+                <a:satMod val="300000"/>
               </a:schemeClr>
             </a:gs>
-            <a:gs pos="5000">
+            <a:gs pos="100000">
               <a:schemeClr val="phClr">
-                <a:tint val="40000"/>
-                <a:satMod val="1800000"/>
-              </a:schemeClr>
-            </a:gs>
-            <a:gs pos="90000">
-              <a:schemeClr val="phClr">
-                <a:shade val="18000"/>
-                <a:satMod val="275000"/>
+                <a:shade val="30000"/>
+                <a:satMod val="200000"/>
               </a:schemeClr>
             </a:gs>
           </a:gsLst>
           <a:path path="circle">
-            <a:fillToRect l="20000" t="30000" r="135000" b="100000"/>
+            <a:fillToRect l="50000" t="50000" r="50000" b="50000"/>
           </a:path>
         </a:gradFill>
       </a:bgFillStyleLst>
